--- a/COMPSO_PPoPP'25.pptx
+++ b/COMPSO_PPoPP'25.pptx
@@ -5,7 +5,7 @@
     <p:sldMasterId id="2147483664" r:id="rId1"/>
   </p:sldMasterIdLst>
   <p:notesMasterIdLst>
-    <p:notesMasterId r:id="rId15"/>
+    <p:notesMasterId r:id="rId18"/>
   </p:notesMasterIdLst>
   <p:sldIdLst>
     <p:sldId id="257" r:id="rId2"/>
@@ -16,11 +16,14 @@
     <p:sldId id="1546" r:id="rId7"/>
     <p:sldId id="1547" r:id="rId8"/>
     <p:sldId id="1652" r:id="rId9"/>
-    <p:sldId id="1620" r:id="rId10"/>
-    <p:sldId id="1653" r:id="rId11"/>
-    <p:sldId id="1654" r:id="rId12"/>
-    <p:sldId id="1655" r:id="rId13"/>
-    <p:sldId id="1531" r:id="rId14"/>
+    <p:sldId id="1656" r:id="rId10"/>
+    <p:sldId id="1620" r:id="rId11"/>
+    <p:sldId id="1653" r:id="rId12"/>
+    <p:sldId id="1654" r:id="rId13"/>
+    <p:sldId id="1657" r:id="rId14"/>
+    <p:sldId id="1655" r:id="rId15"/>
+    <p:sldId id="1658" r:id="rId16"/>
+    <p:sldId id="1531" r:id="rId17"/>
   </p:sldIdLst>
   <p:sldSz cx="12192000" cy="6858000"/>
   <p:notesSz cx="6858000" cy="9144000"/>
@@ -138,9 +141,457 @@
 <file path=ppt/revisionInfo.xml><?xml version="1.0" encoding="utf-8"?>
 <p1510:revInfo xmlns:a="http://schemas.openxmlformats.org/drawingml/2006/main" xmlns:r="http://schemas.openxmlformats.org/officeDocument/2006/relationships" xmlns:p1510="http://schemas.microsoft.com/office/powerpoint/2015/10/main">
   <p1510:revLst>
-    <p1510:client id="{75E895D6-7160-FA40-ACE8-D784750B42A4}" v="44" dt="2024-11-27T00:07:03.205"/>
+    <p1510:client id="{A36A79C5-BC5F-AE4D-B9E5-5FDD3FBE9111}" v="10" dt="2025-03-02T20:07:29.126"/>
   </p1510:revLst>
 </p1510:revInfo>
+</file>
+
+<file path=ppt/changesInfos/changesInfo1.xml><?xml version="1.0" encoding="utf-8"?>
+<pc:chgInfo xmlns:a="http://schemas.openxmlformats.org/drawingml/2006/main" xmlns:r="http://schemas.openxmlformats.org/officeDocument/2006/relationships" xmlns:ac="http://schemas.microsoft.com/office/drawing/2013/main/command" xmlns:pc="http://schemas.microsoft.com/office/powerpoint/2013/main/command">
+  <pc:docChgLst>
+    <pc:chgData name="Sun, Baixi" userId="33e4b0be-4e0e-4453-8ce4-c206c6149ff1" providerId="ADAL" clId="{A36A79C5-BC5F-AE4D-B9E5-5FDD3FBE9111}"/>
+    <pc:docChg chg="undo custSel addSld delSld modSld">
+      <pc:chgData name="Sun, Baixi" userId="33e4b0be-4e0e-4453-8ce4-c206c6149ff1" providerId="ADAL" clId="{A36A79C5-BC5F-AE4D-B9E5-5FDD3FBE9111}" dt="2025-03-03T19:51:36.654" v="3115" actId="20577"/>
+      <pc:docMkLst>
+        <pc:docMk/>
+      </pc:docMkLst>
+      <pc:sldChg chg="addSp modSp mod">
+        <pc:chgData name="Sun, Baixi" userId="33e4b0be-4e0e-4453-8ce4-c206c6149ff1" providerId="ADAL" clId="{A36A79C5-BC5F-AE4D-B9E5-5FDD3FBE9111}" dt="2025-02-21T12:28:18.269" v="125" actId="1036"/>
+        <pc:sldMkLst>
+          <pc:docMk/>
+          <pc:sldMk cId="0" sldId="257"/>
+        </pc:sldMkLst>
+        <pc:spChg chg="mod">
+          <ac:chgData name="Sun, Baixi" userId="33e4b0be-4e0e-4453-8ce4-c206c6149ff1" providerId="ADAL" clId="{A36A79C5-BC5F-AE4D-B9E5-5FDD3FBE9111}" dt="2025-02-21T12:25:21.130" v="70" actId="20577"/>
+          <ac:spMkLst>
+            <pc:docMk/>
+            <pc:sldMk cId="0" sldId="257"/>
+            <ac:spMk id="5" creationId="{AE88D1A3-1436-4479-A3A8-7E3677D1D1CA}"/>
+          </ac:spMkLst>
+        </pc:spChg>
+        <pc:spChg chg="mod">
+          <ac:chgData name="Sun, Baixi" userId="33e4b0be-4e0e-4453-8ce4-c206c6149ff1" providerId="ADAL" clId="{A36A79C5-BC5F-AE4D-B9E5-5FDD3FBE9111}" dt="2025-02-21T12:26:44.123" v="103" actId="1076"/>
+          <ac:spMkLst>
+            <pc:docMk/>
+            <pc:sldMk cId="0" sldId="257"/>
+            <ac:spMk id="6" creationId="{0FBCB3D0-B848-2DC2-8B4B-2C4207056678}"/>
+          </ac:spMkLst>
+        </pc:spChg>
+        <pc:spChg chg="mod">
+          <ac:chgData name="Sun, Baixi" userId="33e4b0be-4e0e-4453-8ce4-c206c6149ff1" providerId="ADAL" clId="{A36A79C5-BC5F-AE4D-B9E5-5FDD3FBE9111}" dt="2025-02-21T12:27:38.171" v="104" actId="1037"/>
+          <ac:spMkLst>
+            <pc:docMk/>
+            <pc:sldMk cId="0" sldId="257"/>
+            <ac:spMk id="7" creationId="{9829B25E-B153-ECEB-CC80-DF275AE08419}"/>
+          </ac:spMkLst>
+        </pc:spChg>
+        <pc:spChg chg="mod">
+          <ac:chgData name="Sun, Baixi" userId="33e4b0be-4e0e-4453-8ce4-c206c6149ff1" providerId="ADAL" clId="{A36A79C5-BC5F-AE4D-B9E5-5FDD3FBE9111}" dt="2025-02-21T12:27:41.447" v="105" actId="1037"/>
+          <ac:spMkLst>
+            <pc:docMk/>
+            <pc:sldMk cId="0" sldId="257"/>
+            <ac:spMk id="8" creationId="{0D719467-8C32-0B15-C692-6C84598EEEF6}"/>
+          </ac:spMkLst>
+        </pc:spChg>
+        <pc:spChg chg="mod">
+          <ac:chgData name="Sun, Baixi" userId="33e4b0be-4e0e-4453-8ce4-c206c6149ff1" providerId="ADAL" clId="{A36A79C5-BC5F-AE4D-B9E5-5FDD3FBE9111}" dt="2025-02-21T12:28:18.269" v="125" actId="1036"/>
+          <ac:spMkLst>
+            <pc:docMk/>
+            <pc:sldMk cId="0" sldId="257"/>
+            <ac:spMk id="9" creationId="{43A02B53-75E6-1D11-C7D7-97A208A9F634}"/>
+          </ac:spMkLst>
+        </pc:spChg>
+        <pc:spChg chg="mod">
+          <ac:chgData name="Sun, Baixi" userId="33e4b0be-4e0e-4453-8ce4-c206c6149ff1" providerId="ADAL" clId="{A36A79C5-BC5F-AE4D-B9E5-5FDD3FBE9111}" dt="2025-02-21T12:28:18.269" v="125" actId="1036"/>
+          <ac:spMkLst>
+            <pc:docMk/>
+            <pc:sldMk cId="0" sldId="257"/>
+            <ac:spMk id="10" creationId="{B2242F63-63F4-B886-96FC-C0A8BA9C52EE}"/>
+          </ac:spMkLst>
+        </pc:spChg>
+        <pc:spChg chg="mod">
+          <ac:chgData name="Sun, Baixi" userId="33e4b0be-4e0e-4453-8ce4-c206c6149ff1" providerId="ADAL" clId="{A36A79C5-BC5F-AE4D-B9E5-5FDD3FBE9111}" dt="2025-02-21T12:28:18.269" v="125" actId="1036"/>
+          <ac:spMkLst>
+            <pc:docMk/>
+            <pc:sldMk cId="0" sldId="257"/>
+            <ac:spMk id="11" creationId="{F308F5D5-03EC-790E-F06E-BA35BBF2AE6C}"/>
+          </ac:spMkLst>
+        </pc:spChg>
+        <pc:spChg chg="mod">
+          <ac:chgData name="Sun, Baixi" userId="33e4b0be-4e0e-4453-8ce4-c206c6149ff1" providerId="ADAL" clId="{A36A79C5-BC5F-AE4D-B9E5-5FDD3FBE9111}" dt="2025-02-21T12:27:50.691" v="120" actId="1037"/>
+          <ac:spMkLst>
+            <pc:docMk/>
+            <pc:sldMk cId="0" sldId="257"/>
+            <ac:spMk id="12" creationId="{DFDBC491-62A9-573C-0F59-1CF4A2A7C97B}"/>
+          </ac:spMkLst>
+        </pc:spChg>
+        <pc:spChg chg="add mod">
+          <ac:chgData name="Sun, Baixi" userId="33e4b0be-4e0e-4453-8ce4-c206c6149ff1" providerId="ADAL" clId="{A36A79C5-BC5F-AE4D-B9E5-5FDD3FBE9111}" dt="2025-02-21T12:26:37.367" v="102" actId="1076"/>
+          <ac:spMkLst>
+            <pc:docMk/>
+            <pc:sldMk cId="0" sldId="257"/>
+            <ac:spMk id="13" creationId="{3FDAE6C8-5A9A-F211-D6F1-494CD9D3FE85}"/>
+          </ac:spMkLst>
+        </pc:spChg>
+      </pc:sldChg>
+      <pc:sldChg chg="addSp delSp modSp mod">
+        <pc:chgData name="Sun, Baixi" userId="33e4b0be-4e0e-4453-8ce4-c206c6149ff1" providerId="ADAL" clId="{A36A79C5-BC5F-AE4D-B9E5-5FDD3FBE9111}" dt="2025-03-02T20:08:05.275" v="2002" actId="1076"/>
+        <pc:sldMkLst>
+          <pc:docMk/>
+          <pc:sldMk cId="889946749" sldId="1531"/>
+        </pc:sldMkLst>
+        <pc:spChg chg="add mod">
+          <ac:chgData name="Sun, Baixi" userId="33e4b0be-4e0e-4453-8ce4-c206c6149ff1" providerId="ADAL" clId="{A36A79C5-BC5F-AE4D-B9E5-5FDD3FBE9111}" dt="2025-03-02T20:08:05.275" v="2002" actId="1076"/>
+          <ac:spMkLst>
+            <pc:docMk/>
+            <pc:sldMk cId="889946749" sldId="1531"/>
+            <ac:spMk id="2" creationId="{AEA25BED-45AE-9134-0D0C-E64002FE4F09}"/>
+          </ac:spMkLst>
+        </pc:spChg>
+        <pc:spChg chg="del mod">
+          <ac:chgData name="Sun, Baixi" userId="33e4b0be-4e0e-4453-8ce4-c206c6149ff1" providerId="ADAL" clId="{A36A79C5-BC5F-AE4D-B9E5-5FDD3FBE9111}" dt="2025-03-02T20:07:21.130" v="1960"/>
+          <ac:spMkLst>
+            <pc:docMk/>
+            <pc:sldMk cId="889946749" sldId="1531"/>
+            <ac:spMk id="3" creationId="{B20C5BE2-077F-AB1A-3156-A65F8F768D25}"/>
+          </ac:spMkLst>
+        </pc:spChg>
+      </pc:sldChg>
+      <pc:sldChg chg="addSp delSp modSp mod modNotesTx">
+        <pc:chgData name="Sun, Baixi" userId="33e4b0be-4e0e-4453-8ce4-c206c6149ff1" providerId="ADAL" clId="{A36A79C5-BC5F-AE4D-B9E5-5FDD3FBE9111}" dt="2025-03-01T15:45:48.178" v="711"/>
+        <pc:sldMkLst>
+          <pc:docMk/>
+          <pc:sldMk cId="1251082445" sldId="1546"/>
+        </pc:sldMkLst>
+        <pc:spChg chg="mod">
+          <ac:chgData name="Sun, Baixi" userId="33e4b0be-4e0e-4453-8ce4-c206c6149ff1" providerId="ADAL" clId="{A36A79C5-BC5F-AE4D-B9E5-5FDD3FBE9111}" dt="2025-03-01T15:39:29.965" v="270"/>
+          <ac:spMkLst>
+            <pc:docMk/>
+            <pc:sldMk cId="1251082445" sldId="1546"/>
+            <ac:spMk id="10" creationId="{DCC02C36-0FC1-7921-C974-B07BD707B1E9}"/>
+          </ac:spMkLst>
+        </pc:spChg>
+        <pc:spChg chg="mod">
+          <ac:chgData name="Sun, Baixi" userId="33e4b0be-4e0e-4453-8ce4-c206c6149ff1" providerId="ADAL" clId="{A36A79C5-BC5F-AE4D-B9E5-5FDD3FBE9111}" dt="2025-03-01T15:45:33.596" v="708" actId="20577"/>
+          <ac:spMkLst>
+            <pc:docMk/>
+            <pc:sldMk cId="1251082445" sldId="1546"/>
+            <ac:spMk id="18" creationId="{C30935AC-85AC-5578-8103-3A932B5E1C4C}"/>
+          </ac:spMkLst>
+        </pc:spChg>
+      </pc:sldChg>
+      <pc:sldChg chg="modNotesTx">
+        <pc:chgData name="Sun, Baixi" userId="33e4b0be-4e0e-4453-8ce4-c206c6149ff1" providerId="ADAL" clId="{A36A79C5-BC5F-AE4D-B9E5-5FDD3FBE9111}" dt="2025-02-21T14:38:48.155" v="169" actId="20577"/>
+        <pc:sldMkLst>
+          <pc:docMk/>
+          <pc:sldMk cId="818824786" sldId="1547"/>
+        </pc:sldMkLst>
+      </pc:sldChg>
+      <pc:sldChg chg="addSp delSp modSp mod modNotesTx">
+        <pc:chgData name="Sun, Baixi" userId="33e4b0be-4e0e-4453-8ce4-c206c6149ff1" providerId="ADAL" clId="{A36A79C5-BC5F-AE4D-B9E5-5FDD3FBE9111}" dt="2025-03-03T19:51:36.654" v="3115" actId="20577"/>
+        <pc:sldMkLst>
+          <pc:docMk/>
+          <pc:sldMk cId="3319455363" sldId="1632"/>
+        </pc:sldMkLst>
+        <pc:spChg chg="add mod">
+          <ac:chgData name="Sun, Baixi" userId="33e4b0be-4e0e-4453-8ce4-c206c6149ff1" providerId="ADAL" clId="{A36A79C5-BC5F-AE4D-B9E5-5FDD3FBE9111}" dt="2025-03-01T15:38:40.421" v="264" actId="1076"/>
+          <ac:spMkLst>
+            <pc:docMk/>
+            <pc:sldMk cId="3319455363" sldId="1632"/>
+            <ac:spMk id="2" creationId="{7733DF04-DA30-4AE1-C265-3ABF508100D3}"/>
+          </ac:spMkLst>
+        </pc:spChg>
+        <pc:spChg chg="mod">
+          <ac:chgData name="Sun, Baixi" userId="33e4b0be-4e0e-4453-8ce4-c206c6149ff1" providerId="ADAL" clId="{A36A79C5-BC5F-AE4D-B9E5-5FDD3FBE9111}" dt="2025-03-03T09:00:10.788" v="2027" actId="113"/>
+          <ac:spMkLst>
+            <pc:docMk/>
+            <pc:sldMk cId="3319455363" sldId="1632"/>
+            <ac:spMk id="9" creationId="{FB338FB3-8869-7EB4-07F2-207E1EFFE9D2}"/>
+          </ac:spMkLst>
+        </pc:spChg>
+        <pc:spChg chg="mod">
+          <ac:chgData name="Sun, Baixi" userId="33e4b0be-4e0e-4453-8ce4-c206c6149ff1" providerId="ADAL" clId="{A36A79C5-BC5F-AE4D-B9E5-5FDD3FBE9111}" dt="2025-02-21T12:56:46.653" v="136" actId="20577"/>
+          <ac:spMkLst>
+            <pc:docMk/>
+            <pc:sldMk cId="3319455363" sldId="1632"/>
+            <ac:spMk id="16" creationId="{81FCB581-F28B-6D48-92BB-82C9E6094BFE}"/>
+          </ac:spMkLst>
+        </pc:spChg>
+        <pc:spChg chg="mod">
+          <ac:chgData name="Sun, Baixi" userId="33e4b0be-4e0e-4453-8ce4-c206c6149ff1" providerId="ADAL" clId="{A36A79C5-BC5F-AE4D-B9E5-5FDD3FBE9111}" dt="2025-02-21T12:57:00.643" v="137" actId="1076"/>
+          <ac:spMkLst>
+            <pc:docMk/>
+            <pc:sldMk cId="3319455363" sldId="1632"/>
+            <ac:spMk id="18" creationId="{AECE697E-B8C6-CFC5-1925-40799714952B}"/>
+          </ac:spMkLst>
+        </pc:spChg>
+        <pc:spChg chg="mod">
+          <ac:chgData name="Sun, Baixi" userId="33e4b0be-4e0e-4453-8ce4-c206c6149ff1" providerId="ADAL" clId="{A36A79C5-BC5F-AE4D-B9E5-5FDD3FBE9111}" dt="2025-03-03T19:51:36.654" v="3115" actId="20577"/>
+          <ac:spMkLst>
+            <pc:docMk/>
+            <pc:sldMk cId="3319455363" sldId="1632"/>
+            <ac:spMk id="21" creationId="{D2803CB2-6CB9-B163-ED92-AF2E9A0753F1}"/>
+          </ac:spMkLst>
+        </pc:spChg>
+        <pc:picChg chg="mod">
+          <ac:chgData name="Sun, Baixi" userId="33e4b0be-4e0e-4453-8ce4-c206c6149ff1" providerId="ADAL" clId="{A36A79C5-BC5F-AE4D-B9E5-5FDD3FBE9111}" dt="2025-02-21T12:57:04.766" v="138" actId="1076"/>
+          <ac:picMkLst>
+            <pc:docMk/>
+            <pc:sldMk cId="3319455363" sldId="1632"/>
+            <ac:picMk id="10" creationId="{E88EC0BA-357E-B633-9E7E-F40FA46D27C0}"/>
+          </ac:picMkLst>
+        </pc:picChg>
+        <pc:picChg chg="add mod">
+          <ac:chgData name="Sun, Baixi" userId="33e4b0be-4e0e-4453-8ce4-c206c6149ff1" providerId="ADAL" clId="{A36A79C5-BC5F-AE4D-B9E5-5FDD3FBE9111}" dt="2025-03-03T09:00:06.877" v="2026" actId="1076"/>
+          <ac:picMkLst>
+            <pc:docMk/>
+            <pc:sldMk cId="3319455363" sldId="1632"/>
+            <ac:picMk id="14" creationId="{807BD383-127C-4A4A-02BC-29287328330F}"/>
+          </ac:picMkLst>
+        </pc:picChg>
+      </pc:sldChg>
+      <pc:sldChg chg="add del mod modShow">
+        <pc:chgData name="Sun, Baixi" userId="33e4b0be-4e0e-4453-8ce4-c206c6149ff1" providerId="ADAL" clId="{A36A79C5-BC5F-AE4D-B9E5-5FDD3FBE9111}" dt="2025-03-01T15:39:12.122" v="267" actId="729"/>
+        <pc:sldMkLst>
+          <pc:docMk/>
+          <pc:sldMk cId="3257254697" sldId="1647"/>
+        </pc:sldMkLst>
+      </pc:sldChg>
+      <pc:sldChg chg="modSp mod">
+        <pc:chgData name="Sun, Baixi" userId="33e4b0be-4e0e-4453-8ce4-c206c6149ff1" providerId="ADAL" clId="{A36A79C5-BC5F-AE4D-B9E5-5FDD3FBE9111}" dt="2025-03-03T09:02:54.462" v="2038" actId="20577"/>
+        <pc:sldMkLst>
+          <pc:docMk/>
+          <pc:sldMk cId="3165089258" sldId="1650"/>
+        </pc:sldMkLst>
+        <pc:spChg chg="mod">
+          <ac:chgData name="Sun, Baixi" userId="33e4b0be-4e0e-4453-8ce4-c206c6149ff1" providerId="ADAL" clId="{A36A79C5-BC5F-AE4D-B9E5-5FDD3FBE9111}" dt="2025-03-03T09:02:54.462" v="2038" actId="20577"/>
+          <ac:spMkLst>
+            <pc:docMk/>
+            <pc:sldMk cId="3165089258" sldId="1650"/>
+            <ac:spMk id="3" creationId="{2BE32232-62C9-AD43-A23D-22562AA963FA}"/>
+          </ac:spMkLst>
+        </pc:spChg>
+      </pc:sldChg>
+      <pc:sldChg chg="modSp mod">
+        <pc:chgData name="Sun, Baixi" userId="33e4b0be-4e0e-4453-8ce4-c206c6149ff1" providerId="ADAL" clId="{A36A79C5-BC5F-AE4D-B9E5-5FDD3FBE9111}" dt="2025-03-03T09:00:24.106" v="2028" actId="14100"/>
+        <pc:sldMkLst>
+          <pc:docMk/>
+          <pc:sldMk cId="443234343" sldId="1651"/>
+        </pc:sldMkLst>
+        <pc:spChg chg="mod">
+          <ac:chgData name="Sun, Baixi" userId="33e4b0be-4e0e-4453-8ce4-c206c6149ff1" providerId="ADAL" clId="{A36A79C5-BC5F-AE4D-B9E5-5FDD3FBE9111}" dt="2025-03-03T09:00:24.106" v="2028" actId="14100"/>
+          <ac:spMkLst>
+            <pc:docMk/>
+            <pc:sldMk cId="443234343" sldId="1651"/>
+            <ac:spMk id="9" creationId="{35034AAD-631D-B149-5936-F599D329B748}"/>
+          </ac:spMkLst>
+        </pc:spChg>
+      </pc:sldChg>
+      <pc:sldChg chg="modSp mod">
+        <pc:chgData name="Sun, Baixi" userId="33e4b0be-4e0e-4453-8ce4-c206c6149ff1" providerId="ADAL" clId="{A36A79C5-BC5F-AE4D-B9E5-5FDD3FBE9111}" dt="2025-03-03T19:23:30.021" v="2184" actId="20577"/>
+        <pc:sldMkLst>
+          <pc:docMk/>
+          <pc:sldMk cId="2556009449" sldId="1654"/>
+        </pc:sldMkLst>
+        <pc:spChg chg="mod">
+          <ac:chgData name="Sun, Baixi" userId="33e4b0be-4e0e-4453-8ce4-c206c6149ff1" providerId="ADAL" clId="{A36A79C5-BC5F-AE4D-B9E5-5FDD3FBE9111}" dt="2025-03-03T19:23:30.021" v="2184" actId="20577"/>
+          <ac:spMkLst>
+            <pc:docMk/>
+            <pc:sldMk cId="2556009449" sldId="1654"/>
+            <ac:spMk id="4" creationId="{EEFF51A8-CBEA-F2E3-BFDD-84393D0193C7}"/>
+          </ac:spMkLst>
+        </pc:spChg>
+      </pc:sldChg>
+      <pc:sldChg chg="addSp delSp modSp mod">
+        <pc:chgData name="Sun, Baixi" userId="33e4b0be-4e0e-4453-8ce4-c206c6149ff1" providerId="ADAL" clId="{A36A79C5-BC5F-AE4D-B9E5-5FDD3FBE9111}" dt="2025-03-03T19:26:54.572" v="2287" actId="12"/>
+        <pc:sldMkLst>
+          <pc:docMk/>
+          <pc:sldMk cId="4029188764" sldId="1655"/>
+        </pc:sldMkLst>
+        <pc:spChg chg="mod">
+          <ac:chgData name="Sun, Baixi" userId="33e4b0be-4e0e-4453-8ce4-c206c6149ff1" providerId="ADAL" clId="{A36A79C5-BC5F-AE4D-B9E5-5FDD3FBE9111}" dt="2025-03-03T19:26:54.572" v="2287" actId="12"/>
+          <ac:spMkLst>
+            <pc:docMk/>
+            <pc:sldMk cId="4029188764" sldId="1655"/>
+            <ac:spMk id="4" creationId="{2E571293-F5B6-1E72-D650-2E8EE939D4D7}"/>
+          </ac:spMkLst>
+        </pc:spChg>
+      </pc:sldChg>
+      <pc:sldChg chg="modNotesTx">
+        <pc:chgData name="Sun, Baixi" userId="33e4b0be-4e0e-4453-8ce4-c206c6149ff1" providerId="ADAL" clId="{A36A79C5-BC5F-AE4D-B9E5-5FDD3FBE9111}" dt="2025-03-03T19:50:24.757" v="3081" actId="20577"/>
+        <pc:sldMkLst>
+          <pc:docMk/>
+          <pc:sldMk cId="1348856044" sldId="1656"/>
+        </pc:sldMkLst>
+      </pc:sldChg>
+      <pc:sldChg chg="addSp delSp modSp add mod">
+        <pc:chgData name="Sun, Baixi" userId="33e4b0be-4e0e-4453-8ce4-c206c6149ff1" providerId="ADAL" clId="{A36A79C5-BC5F-AE4D-B9E5-5FDD3FBE9111}" dt="2025-03-02T20:07:07.232" v="1957" actId="1076"/>
+        <pc:sldMkLst>
+          <pc:docMk/>
+          <pc:sldMk cId="2087133390" sldId="1658"/>
+        </pc:sldMkLst>
+        <pc:spChg chg="mod">
+          <ac:chgData name="Sun, Baixi" userId="33e4b0be-4e0e-4453-8ce4-c206c6149ff1" providerId="ADAL" clId="{A36A79C5-BC5F-AE4D-B9E5-5FDD3FBE9111}" dt="2025-03-02T20:07:07.232" v="1957" actId="1076"/>
+          <ac:spMkLst>
+            <pc:docMk/>
+            <pc:sldMk cId="2087133390" sldId="1658"/>
+            <ac:spMk id="4" creationId="{4C668A88-0344-D5A4-F402-F8FD1B87BF93}"/>
+          </ac:spMkLst>
+        </pc:spChg>
+        <pc:spChg chg="mod">
+          <ac:chgData name="Sun, Baixi" userId="33e4b0be-4e0e-4453-8ce4-c206c6149ff1" providerId="ADAL" clId="{A36A79C5-BC5F-AE4D-B9E5-5FDD3FBE9111}" dt="2025-02-21T15:58:03.922" v="249" actId="20577"/>
+          <ac:spMkLst>
+            <pc:docMk/>
+            <pc:sldMk cId="2087133390" sldId="1658"/>
+            <ac:spMk id="13" creationId="{344E4F97-A1B5-DFA5-A6E7-E28A85B055E2}"/>
+          </ac:spMkLst>
+        </pc:spChg>
+        <pc:picChg chg="add del mod">
+          <ac:chgData name="Sun, Baixi" userId="33e4b0be-4e0e-4453-8ce4-c206c6149ff1" providerId="ADAL" clId="{A36A79C5-BC5F-AE4D-B9E5-5FDD3FBE9111}" dt="2025-03-02T20:06:13.755" v="1948" actId="478"/>
+          <ac:picMkLst>
+            <pc:docMk/>
+            <pc:sldMk cId="2087133390" sldId="1658"/>
+            <ac:picMk id="3" creationId="{89BAFF50-F00B-4872-2C00-6A9108DDA685}"/>
+          </ac:picMkLst>
+        </pc:picChg>
+      </pc:sldChg>
+    </pc:docChg>
+  </pc:docChgLst>
+  <pc:docChgLst>
+    <pc:chgData name="Sun, Baixi" userId="33e4b0be-4e0e-4453-8ce4-c206c6149ff1" providerId="ADAL" clId="{5FCD172B-657E-2A4F-ADDA-6E3FC208F600}"/>
+    <pc:docChg chg="undo custSel addSld modSld">
+      <pc:chgData name="Sun, Baixi" userId="33e4b0be-4e0e-4453-8ce4-c206c6149ff1" providerId="ADAL" clId="{5FCD172B-657E-2A4F-ADDA-6E3FC208F600}" dt="2025-01-22T21:59:58.148" v="896" actId="5793"/>
+      <pc:docMkLst>
+        <pc:docMk/>
+      </pc:docMkLst>
+      <pc:sldChg chg="addSp delSp modSp mod">
+        <pc:chgData name="Sun, Baixi" userId="33e4b0be-4e0e-4453-8ce4-c206c6149ff1" providerId="ADAL" clId="{5FCD172B-657E-2A4F-ADDA-6E3FC208F600}" dt="2025-01-22T21:51:00.617" v="514" actId="2710"/>
+        <pc:sldMkLst>
+          <pc:docMk/>
+          <pc:sldMk cId="1084312680" sldId="1652"/>
+        </pc:sldMkLst>
+        <pc:spChg chg="mod">
+          <ac:chgData name="Sun, Baixi" userId="33e4b0be-4e0e-4453-8ce4-c206c6149ff1" providerId="ADAL" clId="{5FCD172B-657E-2A4F-ADDA-6E3FC208F600}" dt="2025-01-22T21:42:13.194" v="16" actId="20577"/>
+          <ac:spMkLst>
+            <pc:docMk/>
+            <pc:sldMk cId="1084312680" sldId="1652"/>
+            <ac:spMk id="3" creationId="{34E8956F-57BD-8B8B-1FA0-C1940ECD7711}"/>
+          </ac:spMkLst>
+        </pc:spChg>
+        <pc:spChg chg="add mod">
+          <ac:chgData name="Sun, Baixi" userId="33e4b0be-4e0e-4453-8ce4-c206c6149ff1" providerId="ADAL" clId="{5FCD172B-657E-2A4F-ADDA-6E3FC208F600}" dt="2025-01-22T21:45:13.508" v="50" actId="1076"/>
+          <ac:spMkLst>
+            <pc:docMk/>
+            <pc:sldMk cId="1084312680" sldId="1652"/>
+            <ac:spMk id="15" creationId="{ED276DE6-DC4A-7682-9196-3D16BD2CF142}"/>
+          </ac:spMkLst>
+        </pc:spChg>
+        <pc:spChg chg="add mod">
+          <ac:chgData name="Sun, Baixi" userId="33e4b0be-4e0e-4453-8ce4-c206c6149ff1" providerId="ADAL" clId="{5FCD172B-657E-2A4F-ADDA-6E3FC208F600}" dt="2025-01-22T21:51:00.617" v="514" actId="2710"/>
+          <ac:spMkLst>
+            <pc:docMk/>
+            <pc:sldMk cId="1084312680" sldId="1652"/>
+            <ac:spMk id="16" creationId="{F46055F1-C6A7-2825-63B5-31D9A961C62D}"/>
+          </ac:spMkLst>
+        </pc:spChg>
+        <pc:picChg chg="add mod modCrop">
+          <ac:chgData name="Sun, Baixi" userId="33e4b0be-4e0e-4453-8ce4-c206c6149ff1" providerId="ADAL" clId="{5FCD172B-657E-2A4F-ADDA-6E3FC208F600}" dt="2025-01-22T21:47:10.929" v="126" actId="1076"/>
+          <ac:picMkLst>
+            <pc:docMk/>
+            <pc:sldMk cId="1084312680" sldId="1652"/>
+            <ac:picMk id="10" creationId="{4CAB117A-CD8B-07B7-AA4C-87EDC16C20C9}"/>
+          </ac:picMkLst>
+        </pc:picChg>
+        <pc:picChg chg="add mod modCrop">
+          <ac:chgData name="Sun, Baixi" userId="33e4b0be-4e0e-4453-8ce4-c206c6149ff1" providerId="ADAL" clId="{5FCD172B-657E-2A4F-ADDA-6E3FC208F600}" dt="2025-01-22T21:45:10.730" v="49" actId="1076"/>
+          <ac:picMkLst>
+            <pc:docMk/>
+            <pc:sldMk cId="1084312680" sldId="1652"/>
+            <ac:picMk id="12" creationId="{5A206513-EF3F-09CF-8306-02806002C1DA}"/>
+          </ac:picMkLst>
+        </pc:picChg>
+      </pc:sldChg>
+      <pc:sldChg chg="add">
+        <pc:chgData name="Sun, Baixi" userId="33e4b0be-4e0e-4453-8ce4-c206c6149ff1" providerId="ADAL" clId="{5FCD172B-657E-2A4F-ADDA-6E3FC208F600}" dt="2025-01-22T21:42:04.685" v="0"/>
+        <pc:sldMkLst>
+          <pc:docMk/>
+          <pc:sldMk cId="1348856044" sldId="1656"/>
+        </pc:sldMkLst>
+      </pc:sldChg>
+      <pc:sldChg chg="addSp delSp modSp add mod">
+        <pc:chgData name="Sun, Baixi" userId="33e4b0be-4e0e-4453-8ce4-c206c6149ff1" providerId="ADAL" clId="{5FCD172B-657E-2A4F-ADDA-6E3FC208F600}" dt="2025-01-22T21:59:58.148" v="896" actId="5793"/>
+        <pc:sldMkLst>
+          <pc:docMk/>
+          <pc:sldMk cId="2400111329" sldId="1657"/>
+        </pc:sldMkLst>
+        <pc:spChg chg="mod">
+          <ac:chgData name="Sun, Baixi" userId="33e4b0be-4e0e-4453-8ce4-c206c6149ff1" providerId="ADAL" clId="{5FCD172B-657E-2A4F-ADDA-6E3FC208F600}" dt="2025-01-22T21:51:27.768" v="526" actId="20577"/>
+          <ac:spMkLst>
+            <pc:docMk/>
+            <pc:sldMk cId="2400111329" sldId="1657"/>
+            <ac:spMk id="7" creationId="{D22D134D-FCC0-C580-E0F5-96C8437500EC}"/>
+          </ac:spMkLst>
+        </pc:spChg>
+        <pc:spChg chg="add mod">
+          <ac:chgData name="Sun, Baixi" userId="33e4b0be-4e0e-4453-8ce4-c206c6149ff1" providerId="ADAL" clId="{5FCD172B-657E-2A4F-ADDA-6E3FC208F600}" dt="2025-01-22T21:56:17.611" v="664" actId="1076"/>
+          <ac:spMkLst>
+            <pc:docMk/>
+            <pc:sldMk cId="2400111329" sldId="1657"/>
+            <ac:spMk id="17" creationId="{BEF1CCA4-E7E6-3C5A-7930-902D642AA8B3}"/>
+          </ac:spMkLst>
+        </pc:spChg>
+        <pc:spChg chg="add mod">
+          <ac:chgData name="Sun, Baixi" userId="33e4b0be-4e0e-4453-8ce4-c206c6149ff1" providerId="ADAL" clId="{5FCD172B-657E-2A4F-ADDA-6E3FC208F600}" dt="2025-01-22T21:57:32.904" v="755" actId="1076"/>
+          <ac:spMkLst>
+            <pc:docMk/>
+            <pc:sldMk cId="2400111329" sldId="1657"/>
+            <ac:spMk id="18" creationId="{99F0E95F-97EC-9434-91D6-871938E6ECCA}"/>
+          </ac:spMkLst>
+        </pc:spChg>
+        <pc:spChg chg="add mod">
+          <ac:chgData name="Sun, Baixi" userId="33e4b0be-4e0e-4453-8ce4-c206c6149ff1" providerId="ADAL" clId="{5FCD172B-657E-2A4F-ADDA-6E3FC208F600}" dt="2025-01-22T21:57:56.005" v="789" actId="20577"/>
+          <ac:spMkLst>
+            <pc:docMk/>
+            <pc:sldMk cId="2400111329" sldId="1657"/>
+            <ac:spMk id="20" creationId="{E6F605A4-479B-25A6-BCEA-567E021CDB12}"/>
+          </ac:spMkLst>
+        </pc:spChg>
+        <pc:spChg chg="add mod">
+          <ac:chgData name="Sun, Baixi" userId="33e4b0be-4e0e-4453-8ce4-c206c6149ff1" providerId="ADAL" clId="{5FCD172B-657E-2A4F-ADDA-6E3FC208F600}" dt="2025-01-22T21:59:58.148" v="896" actId="5793"/>
+          <ac:spMkLst>
+            <pc:docMk/>
+            <pc:sldMk cId="2400111329" sldId="1657"/>
+            <ac:spMk id="21" creationId="{EE2C7BEF-33BE-5629-7733-934F3C7764D2}"/>
+          </ac:spMkLst>
+        </pc:spChg>
+        <pc:picChg chg="add mod">
+          <ac:chgData name="Sun, Baixi" userId="33e4b0be-4e0e-4453-8ce4-c206c6149ff1" providerId="ADAL" clId="{5FCD172B-657E-2A4F-ADDA-6E3FC208F600}" dt="2025-01-22T21:59:41.543" v="887" actId="1037"/>
+          <ac:picMkLst>
+            <pc:docMk/>
+            <pc:sldMk cId="2400111329" sldId="1657"/>
+            <ac:picMk id="5" creationId="{F61A9769-446E-694A-FA33-C84EFD86A871}"/>
+          </ac:picMkLst>
+        </pc:picChg>
+        <pc:picChg chg="add mod modCrop">
+          <ac:chgData name="Sun, Baixi" userId="33e4b0be-4e0e-4453-8ce4-c206c6149ff1" providerId="ADAL" clId="{5FCD172B-657E-2A4F-ADDA-6E3FC208F600}" dt="2025-01-22T21:54:44.700" v="590" actId="14100"/>
+          <ac:picMkLst>
+            <pc:docMk/>
+            <pc:sldMk cId="2400111329" sldId="1657"/>
+            <ac:picMk id="11" creationId="{3321DB74-2626-4FF8-819C-9D00EC3F54F5}"/>
+          </ac:picMkLst>
+        </pc:picChg>
+        <pc:picChg chg="add mod">
+          <ac:chgData name="Sun, Baixi" userId="33e4b0be-4e0e-4453-8ce4-c206c6149ff1" providerId="ADAL" clId="{5FCD172B-657E-2A4F-ADDA-6E3FC208F600}" dt="2025-01-22T21:59:46.441" v="893" actId="1038"/>
+          <ac:picMkLst>
+            <pc:docMk/>
+            <pc:sldMk cId="2400111329" sldId="1657"/>
+            <ac:picMk id="16" creationId="{33A97671-4063-B2CE-456E-86FB9C7A02E4}"/>
+          </ac:picMkLst>
+        </pc:picChg>
+      </pc:sldChg>
+    </pc:docChg>
+  </pc:docChgLst>
+</pc:chgInfo>
 </file>
 
 <file path=ppt/notesMasters/notesMaster1.xml><?xml version="1.0" encoding="utf-8"?>
@@ -225,7 +676,7 @@
           <a:p>
             <a:fld id="{6ADC7F5F-B63A-1A46-956F-2AFA9356096C}" type="datetimeFigureOut">
               <a:rPr lang="en-US" smtClean="0"/>
-              <a:t>11/26/24</a:t>
+              <a:t>3/1/25</a:t>
             </a:fld>
             <a:endParaRPr lang="en-US"/>
           </a:p>
@@ -619,6 +1070,77 @@
   <p:cSld>
     <p:spTree>
       <p:nvGrpSpPr>
+        <p:cNvPr id="1" name=""/>
+        <p:cNvGrpSpPr/>
+        <p:nvPr/>
+      </p:nvGrpSpPr>
+      <p:grpSpPr>
+        <a:xfrm>
+          <a:off x="0" y="0"/>
+          <a:ext cx="0" cy="0"/>
+          <a:chOff x="0" y="0"/>
+          <a:chExt cx="0" cy="0"/>
+        </a:xfrm>
+      </p:grpSpPr>
+      <p:sp>
+        <p:nvSpPr>
+          <p:cNvPr id="2" name="Slide Image Placeholder 1"/>
+          <p:cNvSpPr>
+            <a:spLocks noGrp="1" noRot="1" noChangeAspect="1"/>
+          </p:cNvSpPr>
+          <p:nvPr>
+            <p:ph type="sldImg"/>
+          </p:nvPr>
+        </p:nvSpPr>
+        <p:spPr/>
+      </p:sp>
+      <p:sp>
+        <p:nvSpPr>
+          <p:cNvPr id="3" name="Notes Placeholder 2"/>
+          <p:cNvSpPr>
+            <a:spLocks noGrp="1"/>
+          </p:cNvSpPr>
+          <p:nvPr>
+            <p:ph type="body" idx="1"/>
+          </p:nvPr>
+        </p:nvSpPr>
+        <p:spPr/>
+        <p:txBody>
+          <a:bodyPr/>
+          <a:lstStyle/>
+          <a:p>
+            <a:endParaRPr lang="en-US">
+              <a:ea typeface="Calibri"/>
+              <a:cs typeface="Calibri"/>
+            </a:endParaRPr>
+          </a:p>
+          <a:p>
+            <a:endParaRPr lang="en-US" altLang="zh-CN">
+              <a:latin typeface="Arial"/>
+              <a:ea typeface="等线"/>
+              <a:cs typeface="Arial"/>
+            </a:endParaRPr>
+          </a:p>
+        </p:txBody>
+      </p:sp>
+    </p:spTree>
+    <p:extLst>
+      <p:ext uri="{BB962C8B-B14F-4D97-AF65-F5344CB8AC3E}">
+        <p14:creationId xmlns:p14="http://schemas.microsoft.com/office/powerpoint/2010/main" val="3431744439"/>
+      </p:ext>
+    </p:extLst>
+  </p:cSld>
+  <p:clrMapOvr>
+    <a:masterClrMapping/>
+  </p:clrMapOvr>
+</p:notes>
+</file>
+
+<file path=ppt/notesSlides/notesSlide11.xml><?xml version="1.0" encoding="utf-8"?>
+<p:notes xmlns:a="http://schemas.openxmlformats.org/drawingml/2006/main" xmlns:r="http://schemas.openxmlformats.org/officeDocument/2006/relationships" xmlns:p="http://schemas.openxmlformats.org/presentationml/2006/main">
+  <p:cSld>
+    <p:spTree>
+      <p:nvGrpSpPr>
         <p:cNvPr id="1" name="">
           <a:extLst>
             <a:ext uri="{FF2B5EF4-FFF2-40B4-BE49-F238E27FC236}">
@@ -697,7 +1219,7 @@
 </p:notes>
 </file>
 
-<file path=ppt/notesSlides/notesSlide11.xml><?xml version="1.0" encoding="utf-8"?>
+<file path=ppt/notesSlides/notesSlide12.xml><?xml version="1.0" encoding="utf-8"?>
 <p:notes xmlns:a="http://schemas.openxmlformats.org/drawingml/2006/main" xmlns:r="http://schemas.openxmlformats.org/officeDocument/2006/relationships" xmlns:p="http://schemas.openxmlformats.org/presentationml/2006/main">
   <p:cSld>
     <p:spTree>
@@ -780,7 +1302,90 @@
 </p:notes>
 </file>
 
-<file path=ppt/notesSlides/notesSlide12.xml><?xml version="1.0" encoding="utf-8"?>
+<file path=ppt/notesSlides/notesSlide13.xml><?xml version="1.0" encoding="utf-8"?>
+<p:notes xmlns:a="http://schemas.openxmlformats.org/drawingml/2006/main" xmlns:r="http://schemas.openxmlformats.org/officeDocument/2006/relationships" xmlns:p="http://schemas.openxmlformats.org/presentationml/2006/main">
+  <p:cSld>
+    <p:spTree>
+      <p:nvGrpSpPr>
+        <p:cNvPr id="1" name="">
+          <a:extLst>
+            <a:ext uri="{FF2B5EF4-FFF2-40B4-BE49-F238E27FC236}">
+              <a16:creationId xmlns:a16="http://schemas.microsoft.com/office/drawing/2014/main" id="{CD18E4B8-36F1-BDC0-2E18-53B479472A3D}"/>
+            </a:ext>
+          </a:extLst>
+        </p:cNvPr>
+        <p:cNvGrpSpPr/>
+        <p:nvPr/>
+      </p:nvGrpSpPr>
+      <p:grpSpPr>
+        <a:xfrm>
+          <a:off x="0" y="0"/>
+          <a:ext cx="0" cy="0"/>
+          <a:chOff x="0" y="0"/>
+          <a:chExt cx="0" cy="0"/>
+        </a:xfrm>
+      </p:grpSpPr>
+      <p:sp>
+        <p:nvSpPr>
+          <p:cNvPr id="2" name="Slide Image Placeholder 1">
+            <a:extLst>
+              <a:ext uri="{FF2B5EF4-FFF2-40B4-BE49-F238E27FC236}">
+                <a16:creationId xmlns:a16="http://schemas.microsoft.com/office/drawing/2014/main" id="{EC26D81F-96DC-9A2B-F981-8D1ED61CB2E4}"/>
+              </a:ext>
+            </a:extLst>
+          </p:cNvPr>
+          <p:cNvSpPr>
+            <a:spLocks noGrp="1" noRot="1" noChangeAspect="1"/>
+          </p:cNvSpPr>
+          <p:nvPr>
+            <p:ph type="sldImg"/>
+          </p:nvPr>
+        </p:nvSpPr>
+        <p:spPr/>
+      </p:sp>
+      <p:sp>
+        <p:nvSpPr>
+          <p:cNvPr id="3" name="Notes Placeholder 2">
+            <a:extLst>
+              <a:ext uri="{FF2B5EF4-FFF2-40B4-BE49-F238E27FC236}">
+                <a16:creationId xmlns:a16="http://schemas.microsoft.com/office/drawing/2014/main" id="{4B8F921F-EDB1-E010-3769-5F75E20F48BB}"/>
+              </a:ext>
+            </a:extLst>
+          </p:cNvPr>
+          <p:cNvSpPr>
+            <a:spLocks noGrp="1"/>
+          </p:cNvSpPr>
+          <p:nvPr>
+            <p:ph type="body" idx="1"/>
+          </p:nvPr>
+        </p:nvSpPr>
+        <p:spPr/>
+        <p:txBody>
+          <a:bodyPr/>
+          <a:lstStyle/>
+          <a:p>
+            <a:endParaRPr lang="en-US">
+              <a:latin typeface="Calibri"/>
+              <a:ea typeface="Calibri"/>
+              <a:cs typeface="Calibri"/>
+            </a:endParaRPr>
+          </a:p>
+        </p:txBody>
+      </p:sp>
+    </p:spTree>
+    <p:extLst>
+      <p:ext uri="{BB962C8B-B14F-4D97-AF65-F5344CB8AC3E}">
+        <p14:creationId xmlns:p14="http://schemas.microsoft.com/office/powerpoint/2010/main" val="3553306756"/>
+      </p:ext>
+    </p:extLst>
+  </p:cSld>
+  <p:clrMapOvr>
+    <a:masterClrMapping/>
+  </p:clrMapOvr>
+</p:notes>
+</file>
+
+<file path=ppt/notesSlides/notesSlide14.xml><?xml version="1.0" encoding="utf-8"?>
 <p:notes xmlns:a="http://schemas.openxmlformats.org/drawingml/2006/main" xmlns:r="http://schemas.openxmlformats.org/officeDocument/2006/relationships" xmlns:p="http://schemas.openxmlformats.org/presentationml/2006/main">
   <p:cSld>
     <p:spTree>
@@ -863,6 +1468,89 @@
 </p:notes>
 </file>
 
+<file path=ppt/notesSlides/notesSlide15.xml><?xml version="1.0" encoding="utf-8"?>
+<p:notes xmlns:a="http://schemas.openxmlformats.org/drawingml/2006/main" xmlns:r="http://schemas.openxmlformats.org/officeDocument/2006/relationships" xmlns:p="http://schemas.openxmlformats.org/presentationml/2006/main">
+  <p:cSld>
+    <p:spTree>
+      <p:nvGrpSpPr>
+        <p:cNvPr id="1" name="">
+          <a:extLst>
+            <a:ext uri="{FF2B5EF4-FFF2-40B4-BE49-F238E27FC236}">
+              <a16:creationId xmlns:a16="http://schemas.microsoft.com/office/drawing/2014/main" id="{3CD638D3-BCAA-83E9-832E-0572D3B0BFF5}"/>
+            </a:ext>
+          </a:extLst>
+        </p:cNvPr>
+        <p:cNvGrpSpPr/>
+        <p:nvPr/>
+      </p:nvGrpSpPr>
+      <p:grpSpPr>
+        <a:xfrm>
+          <a:off x="0" y="0"/>
+          <a:ext cx="0" cy="0"/>
+          <a:chOff x="0" y="0"/>
+          <a:chExt cx="0" cy="0"/>
+        </a:xfrm>
+      </p:grpSpPr>
+      <p:sp>
+        <p:nvSpPr>
+          <p:cNvPr id="2" name="Slide Image Placeholder 1">
+            <a:extLst>
+              <a:ext uri="{FF2B5EF4-FFF2-40B4-BE49-F238E27FC236}">
+                <a16:creationId xmlns:a16="http://schemas.microsoft.com/office/drawing/2014/main" id="{19350D1A-D037-F76D-1AA3-E8D360F8E786}"/>
+              </a:ext>
+            </a:extLst>
+          </p:cNvPr>
+          <p:cNvSpPr>
+            <a:spLocks noGrp="1" noRot="1" noChangeAspect="1"/>
+          </p:cNvSpPr>
+          <p:nvPr>
+            <p:ph type="sldImg"/>
+          </p:nvPr>
+        </p:nvSpPr>
+        <p:spPr/>
+      </p:sp>
+      <p:sp>
+        <p:nvSpPr>
+          <p:cNvPr id="3" name="Notes Placeholder 2">
+            <a:extLst>
+              <a:ext uri="{FF2B5EF4-FFF2-40B4-BE49-F238E27FC236}">
+                <a16:creationId xmlns:a16="http://schemas.microsoft.com/office/drawing/2014/main" id="{D0A6FF52-30AF-2BA8-3BD2-15FD4F2ED0DE}"/>
+              </a:ext>
+            </a:extLst>
+          </p:cNvPr>
+          <p:cNvSpPr>
+            <a:spLocks noGrp="1"/>
+          </p:cNvSpPr>
+          <p:nvPr>
+            <p:ph type="body" idx="1"/>
+          </p:nvPr>
+        </p:nvSpPr>
+        <p:spPr/>
+        <p:txBody>
+          <a:bodyPr/>
+          <a:lstStyle/>
+          <a:p>
+            <a:endParaRPr lang="en-US">
+              <a:latin typeface="Calibri"/>
+              <a:ea typeface="Calibri"/>
+              <a:cs typeface="Calibri"/>
+            </a:endParaRPr>
+          </a:p>
+        </p:txBody>
+      </p:sp>
+    </p:spTree>
+    <p:extLst>
+      <p:ext uri="{BB962C8B-B14F-4D97-AF65-F5344CB8AC3E}">
+        <p14:creationId xmlns:p14="http://schemas.microsoft.com/office/powerpoint/2010/main" val="561555069"/>
+      </p:ext>
+    </p:extLst>
+  </p:cSld>
+  <p:clrMapOvr>
+    <a:masterClrMapping/>
+  </p:clrMapOvr>
+</p:notes>
+</file>
+
 <file path=ppt/notesSlides/notesSlide2.xml><?xml version="1.0" encoding="utf-8"?>
 <p:notes xmlns:a="http://schemas.openxmlformats.org/drawingml/2006/main" xmlns:r="http://schemas.openxmlformats.org/officeDocument/2006/relationships" xmlns:p="http://schemas.openxmlformats.org/presentationml/2006/main">
   <p:cSld>
@@ -907,13 +1595,286 @@
           <a:bodyPr/>
           <a:lstStyle/>
           <a:p>
-            <a:endParaRPr lang="en-US">
+            <a:pPr>
+              <a:lnSpc>
+                <a:spcPct val="150000"/>
+              </a:lnSpc>
+            </a:pPr>
+            <a:r>
+              <a:rPr lang="en-US" altLang="zh-CN" dirty="0">
+                <a:latin typeface="Arial" panose="020B0604020202020204" pitchFamily="34" charset="0"/>
+                <a:cs typeface="Arial" panose="020B0604020202020204" pitchFamily="34" charset="0"/>
+              </a:rPr>
+              <a:t>The workflow of KFAC is demonstrated as the bottom left figure:</a:t>
+            </a:r>
+          </a:p>
+          <a:p>
+            <a:pPr>
+              <a:lnSpc>
+                <a:spcPct val="150000"/>
+              </a:lnSpc>
+            </a:pPr>
+            <a:r>
+              <a:rPr lang="en-US" altLang="zh-CN" dirty="0">
+                <a:latin typeface="Arial" panose="020B0604020202020204" pitchFamily="34" charset="0"/>
+                <a:cs typeface="Arial" panose="020B0604020202020204" pitchFamily="34" charset="0"/>
+              </a:rPr>
+              <a:t>First, Forward and backward computation, </a:t>
+            </a:r>
+            <a:r>
+              <a:rPr lang="en-US" altLang="zh-CN" b="1" dirty="0" err="1">
+                <a:latin typeface="Arial" panose="020B0604020202020204" pitchFamily="34" charset="0"/>
+                <a:cs typeface="Arial" panose="020B0604020202020204" pitchFamily="34" charset="0"/>
+              </a:rPr>
+              <a:t>Allreduce</a:t>
+            </a:r>
+            <a:r>
+              <a:rPr lang="en-US" altLang="zh-CN" dirty="0">
+                <a:latin typeface="Arial" panose="020B0604020202020204" pitchFamily="34" charset="0"/>
+                <a:cs typeface="Arial" panose="020B0604020202020204" pitchFamily="34" charset="0"/>
+              </a:rPr>
+              <a:t> gradient </a:t>
+            </a:r>
+            <a:r>
+              <a:rPr lang="en-US" altLang="zh-CN" i="1" dirty="0">
+                <a:effectLst/>
+                <a:latin typeface="Arial" panose="020B0604020202020204" pitchFamily="34" charset="0"/>
+                <a:cs typeface="Arial" panose="020B0604020202020204" pitchFamily="34" charset="0"/>
+              </a:rPr>
+              <a:t>∇𝐿(w).</a:t>
+            </a:r>
+            <a:r>
+              <a:rPr lang="en-US" altLang="zh-CN" i="0" dirty="0">
+                <a:effectLst/>
+                <a:latin typeface="Arial" panose="020B0604020202020204" pitchFamily="34" charset="0"/>
+                <a:cs typeface="Arial" panose="020B0604020202020204" pitchFamily="34" charset="0"/>
+              </a:rPr>
+              <a:t>this is the same as when using the SGD.</a:t>
+            </a:r>
+            <a:endParaRPr lang="en-US" altLang="zh-CN" dirty="0">
+              <a:latin typeface="Arial" panose="020B0604020202020204" pitchFamily="34" charset="0"/>
+              <a:cs typeface="Arial" panose="020B0604020202020204" pitchFamily="34" charset="0"/>
+            </a:endParaRPr>
+          </a:p>
+          <a:p>
+            <a:pPr>
+              <a:lnSpc>
+                <a:spcPct val="150000"/>
+              </a:lnSpc>
+            </a:pPr>
+            <a:r>
+              <a:rPr lang="en-US" altLang="zh-CN" dirty="0">
+                <a:latin typeface="Arial" panose="020B0604020202020204" pitchFamily="34" charset="0"/>
+                <a:cs typeface="Arial" panose="020B0604020202020204" pitchFamily="34" charset="0"/>
+              </a:rPr>
+              <a:t>Step1:for all layers, covariance computation, which computes the intermediate data i.e., activation and first order gradient covariance matrix.</a:t>
+            </a:r>
+            <a:endParaRPr lang="en-US" altLang="zh-CN" i="1" dirty="0">
+              <a:effectLst/>
+              <a:latin typeface="Arial" panose="020B0604020202020204" pitchFamily="34" charset="0"/>
+              <a:cs typeface="Arial" panose="020B0604020202020204" pitchFamily="34" charset="0"/>
+            </a:endParaRPr>
+          </a:p>
+          <a:p>
+            <a:pPr>
+              <a:lnSpc>
+                <a:spcPct val="150000"/>
+              </a:lnSpc>
+            </a:pPr>
+            <a:r>
+              <a:rPr lang="en-US" altLang="zh-CN" dirty="0">
+                <a:latin typeface="Arial" panose="020B0604020202020204" pitchFamily="34" charset="0"/>
+                <a:cs typeface="Arial" panose="020B0604020202020204" pitchFamily="34" charset="0"/>
+              </a:rPr>
+              <a:t>Step2: For </a:t>
+            </a:r>
+            <a:r>
+              <a:rPr lang="en-US" altLang="zh-CN" u="sng" dirty="0">
+                <a:latin typeface="Arial" panose="020B0604020202020204" pitchFamily="34" charset="0"/>
+                <a:cs typeface="Arial" panose="020B0604020202020204" pitchFamily="34" charset="0"/>
+              </a:rPr>
+              <a:t>all layers</a:t>
+            </a:r>
+            <a:r>
+              <a:rPr lang="en-US" altLang="zh-CN" dirty="0">
+                <a:latin typeface="Arial" panose="020B0604020202020204" pitchFamily="34" charset="0"/>
+                <a:cs typeface="Arial" panose="020B0604020202020204" pitchFamily="34" charset="0"/>
+              </a:rPr>
+              <a:t>, compute Kronecker factors, </a:t>
+            </a:r>
+            <a:r>
+              <a:rPr lang="en-US" altLang="zh-CN" b="1" dirty="0" err="1">
+                <a:latin typeface="Arial" panose="020B0604020202020204" pitchFamily="34" charset="0"/>
+                <a:cs typeface="Arial" panose="020B0604020202020204" pitchFamily="34" charset="0"/>
+              </a:rPr>
+              <a:t>Allreduce</a:t>
+            </a:r>
+            <a:r>
+              <a:rPr lang="en-US" altLang="zh-CN" dirty="0">
+                <a:latin typeface="Arial" panose="020B0604020202020204" pitchFamily="34" charset="0"/>
+                <a:cs typeface="Arial" panose="020B0604020202020204" pitchFamily="34" charset="0"/>
+              </a:rPr>
+              <a:t> factors </a:t>
+            </a:r>
+            <a:r>
+              <a:rPr lang="en-US" altLang="zh-CN" i="1" dirty="0">
+                <a:latin typeface="Arial" panose="020B0604020202020204" pitchFamily="34" charset="0"/>
+                <a:cs typeface="Arial" panose="020B0604020202020204" pitchFamily="34" charset="0"/>
+              </a:rPr>
+              <a:t>A</a:t>
+            </a:r>
+            <a:r>
+              <a:rPr lang="en-US" altLang="zh-CN" dirty="0">
+                <a:latin typeface="Arial" panose="020B0604020202020204" pitchFamily="34" charset="0"/>
+                <a:cs typeface="Arial" panose="020B0604020202020204" pitchFamily="34" charset="0"/>
+              </a:rPr>
+              <a:t> and </a:t>
+            </a:r>
+            <a:r>
+              <a:rPr lang="en-US" altLang="zh-CN" i="1" dirty="0">
+                <a:latin typeface="Arial" panose="020B0604020202020204" pitchFamily="34" charset="0"/>
+                <a:cs typeface="Arial" panose="020B0604020202020204" pitchFamily="34" charset="0"/>
+              </a:rPr>
+              <a:t>G.</a:t>
+            </a:r>
+          </a:p>
+          <a:p>
+            <a:pPr>
+              <a:lnSpc>
+                <a:spcPct val="150000"/>
+              </a:lnSpc>
+            </a:pPr>
+            <a:r>
+              <a:rPr lang="en-US" altLang="zh-CN" dirty="0">
+                <a:latin typeface="Arial" panose="020B0604020202020204" pitchFamily="34" charset="0"/>
+                <a:cs typeface="Arial" panose="020B0604020202020204" pitchFamily="34" charset="0"/>
+              </a:rPr>
+              <a:t>Step3: For </a:t>
+            </a:r>
+            <a:r>
+              <a:rPr lang="en-US" altLang="zh-CN" u="sng" dirty="0">
+                <a:latin typeface="Arial" panose="020B0604020202020204" pitchFamily="34" charset="0"/>
+                <a:cs typeface="Arial" panose="020B0604020202020204" pitchFamily="34" charset="0"/>
+              </a:rPr>
+              <a:t>assigned layer</a:t>
+            </a:r>
+            <a:r>
+              <a:rPr lang="en-US" altLang="zh-CN" dirty="0">
+                <a:latin typeface="STXingkai" panose="02010800040101010101" pitchFamily="2" charset="-122"/>
+                <a:ea typeface="STXingkai" panose="02010800040101010101" pitchFamily="2" charset="-122"/>
+                <a:cs typeface="Arial" panose="020B0604020202020204" pitchFamily="34" charset="0"/>
+              </a:rPr>
+              <a:t> l</a:t>
+            </a:r>
+            <a:r>
+              <a:rPr lang="en-US" altLang="zh-CN" dirty="0">
+                <a:latin typeface="Arial" panose="020B0604020202020204" pitchFamily="34" charset="0"/>
+                <a:cs typeface="Arial" panose="020B0604020202020204" pitchFamily="34" charset="0"/>
+              </a:rPr>
+              <a:t>, eigen decompose </a:t>
+            </a:r>
+            <a:r>
+              <a:rPr lang="en-US" altLang="zh-CN" i="1" dirty="0">
+                <a:latin typeface="Arial" panose="020B0604020202020204" pitchFamily="34" charset="0"/>
+                <a:cs typeface="Arial" panose="020B0604020202020204" pitchFamily="34" charset="0"/>
+              </a:rPr>
+              <a:t>A</a:t>
+            </a:r>
+            <a:r>
+              <a:rPr lang="en-US" altLang="zh-CN" b="1" baseline="-25000" dirty="0">
+                <a:latin typeface="STXingkai" panose="02010800040101010101" pitchFamily="2" charset="-122"/>
+                <a:ea typeface="STXingkai" panose="02010800040101010101" pitchFamily="2" charset="-122"/>
+                <a:cs typeface="APPLE CHANCERY" panose="03020702040506060504" pitchFamily="66" charset="-79"/>
+              </a:rPr>
+              <a:t>l </a:t>
+            </a:r>
+            <a:r>
+              <a:rPr lang="en-US" altLang="zh-CN" i="1" dirty="0">
+                <a:latin typeface="Arial" panose="020B0604020202020204" pitchFamily="34" charset="0"/>
+                <a:cs typeface="Arial" panose="020B0604020202020204" pitchFamily="34" charset="0"/>
+              </a:rPr>
+              <a:t>,</a:t>
+            </a:r>
+            <a:r>
+              <a:rPr lang="en-US" altLang="zh-CN" i="1" dirty="0" err="1">
+                <a:latin typeface="Arial" panose="020B0604020202020204" pitchFamily="34" charset="0"/>
+                <a:cs typeface="Arial" panose="020B0604020202020204" pitchFamily="34" charset="0"/>
+              </a:rPr>
+              <a:t>G</a:t>
+            </a:r>
+            <a:r>
+              <a:rPr lang="en-US" altLang="zh-CN" b="1" baseline="-25000" dirty="0" err="1">
+                <a:latin typeface="STXingkai" panose="02010800040101010101" pitchFamily="2" charset="-122"/>
+                <a:ea typeface="STXingkai" panose="02010800040101010101" pitchFamily="2" charset="-122"/>
+                <a:cs typeface="APPLE CHANCERY" panose="03020702040506060504" pitchFamily="66" charset="-79"/>
+              </a:rPr>
+              <a:t>l</a:t>
+            </a:r>
+            <a:r>
+              <a:rPr lang="en-US" altLang="zh-CN" dirty="0">
+                <a:latin typeface="Arial" panose="020B0604020202020204" pitchFamily="34" charset="0"/>
+                <a:cs typeface="Arial" panose="020B0604020202020204" pitchFamily="34" charset="0"/>
+              </a:rPr>
+              <a:t> and in Step 4 compute preconditioned gradient H</a:t>
+            </a:r>
+            <a:r>
+              <a:rPr lang="en-US" altLang="zh-CN" b="1" baseline="-25000" dirty="0">
+                <a:latin typeface="STXingkai" panose="02010800040101010101" pitchFamily="2" charset="-122"/>
+                <a:ea typeface="STXingkai" panose="02010800040101010101" pitchFamily="2" charset="-122"/>
+                <a:cs typeface="APPLE CHANCERY" panose="03020702040506060504" pitchFamily="66" charset="-79"/>
+              </a:rPr>
+              <a:t>l </a:t>
+            </a:r>
+            <a:r>
+              <a:rPr lang="en-US" altLang="zh-CN" b="1" dirty="0">
+                <a:latin typeface="Arial" panose="020B0604020202020204" pitchFamily="34" charset="0"/>
+                <a:cs typeface="Arial" panose="020B0604020202020204" pitchFamily="34" charset="0"/>
+              </a:rPr>
+              <a:t>, in Step 5 </a:t>
+            </a:r>
+            <a:r>
+              <a:rPr lang="en-US" altLang="zh-CN" b="1" dirty="0" err="1">
+                <a:latin typeface="Arial" panose="020B0604020202020204" pitchFamily="34" charset="0"/>
+                <a:cs typeface="Arial" panose="020B0604020202020204" pitchFamily="34" charset="0"/>
+              </a:rPr>
+              <a:t>Allgather</a:t>
+            </a:r>
+            <a:r>
+              <a:rPr lang="en-US" altLang="zh-CN" b="1" dirty="0">
+                <a:latin typeface="Arial" panose="020B0604020202020204" pitchFamily="34" charset="0"/>
+                <a:cs typeface="Arial" panose="020B0604020202020204" pitchFamily="34" charset="0"/>
+              </a:rPr>
+              <a:t> </a:t>
+            </a:r>
+            <a:r>
+              <a:rPr lang="en-US" altLang="zh-CN" dirty="0">
+                <a:latin typeface="Arial" panose="020B0604020202020204" pitchFamily="34" charset="0"/>
+                <a:cs typeface="Arial" panose="020B0604020202020204" pitchFamily="34" charset="0"/>
+              </a:rPr>
+              <a:t>H</a:t>
+            </a:r>
+            <a:r>
+              <a:rPr lang="en-US" altLang="zh-CN" b="1" baseline="-25000" dirty="0">
+                <a:latin typeface="STXingkai" panose="02010800040101010101" pitchFamily="2" charset="-122"/>
+                <a:ea typeface="STXingkai" panose="02010800040101010101" pitchFamily="2" charset="-122"/>
+                <a:cs typeface="APPLE CHANCERY" panose="03020702040506060504" pitchFamily="66" charset="-79"/>
+              </a:rPr>
+              <a:t>l </a:t>
+            </a:r>
+            <a:r>
+              <a:rPr lang="en-US" altLang="zh-CN" dirty="0">
+                <a:latin typeface="Arial" panose="020B0604020202020204" pitchFamily="34" charset="0"/>
+                <a:cs typeface="Arial" panose="020B0604020202020204" pitchFamily="34" charset="0"/>
+              </a:rPr>
+              <a:t>.</a:t>
+            </a:r>
+            <a:endParaRPr lang="en-US" dirty="0">
               <a:ea typeface="Calibri"/>
               <a:cs typeface="Calibri"/>
             </a:endParaRPr>
           </a:p>
           <a:p>
-            <a:endParaRPr lang="en-US">
+            <a:endParaRPr lang="en-US" dirty="0">
               <a:latin typeface="Calibri" panose="020F0502020204030204"/>
               <a:ea typeface="等线"/>
               <a:cs typeface="Calibri" panose="020F0502020204030204"/>
@@ -1241,15 +2202,55 @@
           <a:bodyPr/>
           <a:lstStyle/>
           <a:p>
-            <a:endParaRPr lang="en-US">
+            <a:endParaRPr lang="en-US" dirty="0">
               <a:ea typeface="Calibri"/>
               <a:cs typeface="Calibri"/>
             </a:endParaRPr>
           </a:p>
           <a:p>
-            <a:endParaRPr lang="en-US" altLang="zh-CN">
-              <a:latin typeface="Arial"/>
-              <a:ea typeface="等线"/>
+            <a:r>
+              <a:rPr lang="en-US" altLang="zh-CN" sz="1200" dirty="0">
+                <a:ea typeface="黑体"/>
+                <a:cs typeface="+mn-lt"/>
+              </a:rPr>
+              <a:t>1. Compression ratio can be limited by maintaining validation accuracy. This issue is more pronounced for KFAC gradients than SGD gradients.</a:t>
+            </a:r>
+            <a:endParaRPr lang="en-US" altLang="zh-CN" dirty="0">
+              <a:ea typeface="黑体"/>
+              <a:cs typeface="+mn-lt"/>
+            </a:endParaRPr>
+          </a:p>
+          <a:p>
+            <a:r>
+              <a:rPr lang="en-US" altLang="zh-CN" sz="1200" dirty="0">
+                <a:ea typeface="黑体"/>
+                <a:cs typeface="+mn-lt"/>
+              </a:rPr>
+              <a:t>2. Generalizing the characteristics of a complex system and modeling it is non-trivial due to significant variances.</a:t>
+            </a:r>
+            <a:endParaRPr lang="en-US" altLang="zh-CN" dirty="0">
+              <a:ea typeface="黑体"/>
+              <a:cs typeface="+mn-lt"/>
+            </a:endParaRPr>
+          </a:p>
+          <a:p>
+            <a:r>
+              <a:rPr lang="en-US" altLang="zh-CN" sz="1200" dirty="0">
+                <a:ea typeface="黑体"/>
+                <a:cs typeface="+mn-lt"/>
+              </a:rPr>
+              <a:t>3. Distributed KFAC mechanism, which splits the layers into GPUs for computation, makes the gradients vary in size and value ranges.</a:t>
+            </a:r>
+          </a:p>
+          <a:p>
+            <a:r>
+              <a:rPr lang="en-US" altLang="zh-CN" sz="1200" dirty="0">
+                <a:ea typeface="黑体"/>
+                <a:cs typeface="+mn-lt"/>
+              </a:rPr>
+              <a:t>4. GPU implementation for such a compression algorithm needs to be carefully done.</a:t>
+            </a:r>
+            <a:endParaRPr lang="en-US" altLang="zh-CN" dirty="0">
               <a:cs typeface="Arial"/>
             </a:endParaRPr>
           </a:p>
@@ -1312,13 +2313,30 @@
           <a:bodyPr/>
           <a:lstStyle/>
           <a:p>
-            <a:endParaRPr lang="en-US">
-              <a:ea typeface="Calibri"/>
-              <a:cs typeface="Calibri"/>
-            </a:endParaRPr>
-          </a:p>
-          <a:p>
-            <a:endParaRPr lang="en-US" altLang="zh-CN">
+            <a:r>
+              <a:rPr lang="en-US" dirty="0">
+                <a:ea typeface="Calibri"/>
+                <a:cs typeface="Calibri"/>
+              </a:rPr>
+              <a:t>1 a triangular error distribution is more effective at preserving accuracy than a uniform distribution (SR versus </a:t>
+            </a:r>
+            <a:r>
+              <a:rPr lang="en-US" dirty="0" err="1">
+                <a:ea typeface="Calibri"/>
+                <a:cs typeface="Calibri"/>
+              </a:rPr>
+              <a:t>RNand</a:t>
+            </a:r>
+            <a:r>
+              <a:rPr lang="en-US" dirty="0">
+                <a:ea typeface="Calibri"/>
+                <a:cs typeface="Calibri"/>
+              </a:rPr>
+              <a:t>𝑃0.5), 2 within the same class of error distribution, a smaller error bound is more beneficial (§3), and 3 whether the quantization is deterministic (RN) or non-deterministic (𝑃0.5) has no significant impact on accuracy or convergence.</a:t>
+            </a:r>
+          </a:p>
+          <a:p>
+            <a:endParaRPr lang="en-US" altLang="zh-CN" dirty="0">
               <a:latin typeface="Arial"/>
               <a:ea typeface="等线"/>
               <a:cs typeface="Arial"/>
@@ -1433,7 +2451,13 @@
   <p:cSld>
     <p:spTree>
       <p:nvGrpSpPr>
-        <p:cNvPr id="1" name=""/>
+        <p:cNvPr id="1" name="">
+          <a:extLst>
+            <a:ext uri="{FF2B5EF4-FFF2-40B4-BE49-F238E27FC236}">
+              <a16:creationId xmlns:a16="http://schemas.microsoft.com/office/drawing/2014/main" id="{E75A666F-12BF-BD8E-93CC-1C35BEF6B8ED}"/>
+            </a:ext>
+          </a:extLst>
+        </p:cNvPr>
         <p:cNvGrpSpPr/>
         <p:nvPr/>
       </p:nvGrpSpPr>
@@ -1447,7 +2471,13 @@
       </p:grpSpPr>
       <p:sp>
         <p:nvSpPr>
-          <p:cNvPr id="2" name="Slide Image Placeholder 1"/>
+          <p:cNvPr id="2" name="Slide Image Placeholder 1">
+            <a:extLst>
+              <a:ext uri="{FF2B5EF4-FFF2-40B4-BE49-F238E27FC236}">
+                <a16:creationId xmlns:a16="http://schemas.microsoft.com/office/drawing/2014/main" id="{D1A6D89A-30FC-CA75-B3F4-4B9FED6D0A24}"/>
+              </a:ext>
+            </a:extLst>
+          </p:cNvPr>
           <p:cNvSpPr>
             <a:spLocks noGrp="1" noRot="1" noChangeAspect="1"/>
           </p:cNvSpPr>
@@ -1459,7 +2489,13 @@
       </p:sp>
       <p:sp>
         <p:nvSpPr>
-          <p:cNvPr id="3" name="Notes Placeholder 2"/>
+          <p:cNvPr id="3" name="Notes Placeholder 2">
+            <a:extLst>
+              <a:ext uri="{FF2B5EF4-FFF2-40B4-BE49-F238E27FC236}">
+                <a16:creationId xmlns:a16="http://schemas.microsoft.com/office/drawing/2014/main" id="{94CED9CB-0E49-C32F-9147-13A0F28164B1}"/>
+              </a:ext>
+            </a:extLst>
+          </p:cNvPr>
           <p:cNvSpPr>
             <a:spLocks noGrp="1"/>
           </p:cNvSpPr>
@@ -1472,24 +2508,57 @@
           <a:bodyPr/>
           <a:lstStyle/>
           <a:p>
-            <a:endParaRPr lang="en-US">
+            <a:endParaRPr lang="en-US" dirty="0">
               <a:ea typeface="Calibri"/>
               <a:cs typeface="Calibri"/>
             </a:endParaRPr>
           </a:p>
           <a:p>
-            <a:endParaRPr lang="en-US" altLang="zh-CN">
-              <a:latin typeface="Arial"/>
-              <a:ea typeface="等线"/>
-              <a:cs typeface="Arial"/>
-            </a:endParaRPr>
+            <a:r>
+              <a:rPr lang="en-US" altLang="zh-CN" dirty="0">
+                <a:latin typeface="Arial"/>
+                <a:ea typeface="等线"/>
+                <a:cs typeface="Arial"/>
+              </a:rPr>
+              <a:t>Lo and Lc are the sizes of the original and compressed KFAC gradients, respectively</a:t>
+            </a:r>
+          </a:p>
+          <a:p>
+            <a:r>
+              <a:rPr lang="en-US" altLang="zh-CN" dirty="0">
+                <a:latin typeface="Arial"/>
+                <a:ea typeface="等线"/>
+                <a:cs typeface="Arial"/>
+              </a:rPr>
+              <a:t>Co hat and Cc hat are the reference communication throughput for the original data (of size s) and the compressed data (of size c), respectively. They are from the prebuilt lookup table for each system.</a:t>
+            </a:r>
+          </a:p>
+          <a:p>
+            <a:r>
+              <a:rPr lang="en-US" altLang="zh-CN" dirty="0">
+                <a:latin typeface="Arial"/>
+                <a:ea typeface="等线"/>
+                <a:cs typeface="Arial"/>
+              </a:rPr>
+              <a:t>To 1..k hat and Tc 1..k are the compression and decompression throughputs for the original data (of size s) and the compressed data (of size c), respectively. They are averaged from the first k iterations.</a:t>
+            </a:r>
+          </a:p>
+          <a:p>
+            <a:r>
+              <a:rPr lang="en-US" altLang="zh-CN" dirty="0">
+                <a:latin typeface="Arial"/>
+                <a:ea typeface="等线"/>
+                <a:cs typeface="Arial"/>
+              </a:rPr>
+              <a:t>r 1..k hat is the ratio of the communication tie to the total iteration time without compression, and this is averaged from the first k iterations as well.</a:t>
+            </a:r>
           </a:p>
         </p:txBody>
       </p:sp>
     </p:spTree>
     <p:extLst>
       <p:ext uri="{BB962C8B-B14F-4D97-AF65-F5344CB8AC3E}">
-        <p14:creationId xmlns:p14="http://schemas.microsoft.com/office/powerpoint/2010/main" val="3431744439"/>
+        <p14:creationId xmlns:p14="http://schemas.microsoft.com/office/powerpoint/2010/main" val="3611990882"/>
       </p:ext>
     </p:extLst>
   </p:cSld>
@@ -4797,7 +5866,7 @@
         <p:spPr>
           <a:xfrm>
             <a:off x="1224247" y="3818854"/>
-            <a:ext cx="9795641" cy="646331"/>
+            <a:ext cx="9795641" cy="923330"/>
           </a:xfrm>
           <a:prstGeom prst="rect">
             <a:avLst/>
@@ -4992,6 +6061,38 @@
                   <a:schemeClr val="bg1"/>
                 </a:solidFill>
               </a:rPr>
+              <a:t>Boyuan</a:t>
+            </a:r>
+            <a:r>
+              <a:rPr kumimoji="1" lang="en-US" altLang="zh-CN" dirty="0">
+                <a:solidFill>
+                  <a:schemeClr val="bg1"/>
+                </a:solidFill>
+              </a:rPr>
+              <a:t> Zhang</a:t>
+            </a:r>
+            <a:r>
+              <a:rPr kumimoji="1" lang="en-US" altLang="zh-CN" baseline="30000" dirty="0">
+                <a:solidFill>
+                  <a:schemeClr val="bg1"/>
+                </a:solidFill>
+              </a:rPr>
+              <a:t>1</a:t>
+            </a:r>
+            <a:r>
+              <a:rPr kumimoji="1" lang="en-US" altLang="zh-CN" dirty="0">
+                <a:solidFill>
+                  <a:schemeClr val="bg1"/>
+                </a:solidFill>
+              </a:rPr>
+              <a:t>, </a:t>
+            </a:r>
+            <a:r>
+              <a:rPr kumimoji="1" lang="en-US" altLang="zh-CN" dirty="0" err="1">
+                <a:solidFill>
+                  <a:schemeClr val="bg1"/>
+                </a:solidFill>
+              </a:rPr>
               <a:t>Mingkai</a:t>
             </a:r>
             <a:r>
@@ -5080,6 +6181,38 @@
                   <a:schemeClr val="bg1"/>
                 </a:solidFill>
               </a:rPr>
+              <a:t>, Kamil A. Iskra</a:t>
+            </a:r>
+            <a:r>
+              <a:rPr kumimoji="1" lang="en-US" altLang="zh-CN" baseline="30000" dirty="0">
+                <a:solidFill>
+                  <a:schemeClr val="bg1"/>
+                </a:solidFill>
+              </a:rPr>
+              <a:t>5</a:t>
+            </a:r>
+            <a:r>
+              <a:rPr kumimoji="1" lang="en-US" altLang="zh-CN" dirty="0">
+                <a:solidFill>
+                  <a:schemeClr val="bg1"/>
+                </a:solidFill>
+              </a:rPr>
+              <a:t>, Pete Beckman</a:t>
+            </a:r>
+            <a:r>
+              <a:rPr kumimoji="1" lang="en-US" altLang="zh-CN" baseline="30000" dirty="0">
+                <a:solidFill>
+                  <a:schemeClr val="bg1"/>
+                </a:solidFill>
+              </a:rPr>
+              <a:t>5,7</a:t>
+            </a:r>
+            <a:r>
+              <a:rPr kumimoji="1" lang="en-US" altLang="zh-CN" dirty="0">
+                <a:solidFill>
+                  <a:schemeClr val="bg1"/>
+                </a:solidFill>
+              </a:rPr>
               <a:t>, </a:t>
             </a:r>
             <a:r>
@@ -5104,7 +6237,7 @@
                   <a:schemeClr val="bg1"/>
                 </a:solidFill>
               </a:rPr>
-              <a:t>7</a:t>
+              <a:t>8</a:t>
             </a:r>
             <a:r>
               <a:rPr kumimoji="1" lang="en-US" altLang="zh-CN" dirty="0">
@@ -5136,7 +6269,7 @@
                   <a:schemeClr val="bg1"/>
                 </a:solidFill>
               </a:rPr>
-              <a:t>7</a:t>
+              <a:t>8</a:t>
             </a:r>
             <a:endParaRPr kumimoji="1" lang="zh-CN" altLang="en-US" dirty="0">
               <a:solidFill>
@@ -5160,7 +6293,7 @@
         </p:nvSpPr>
         <p:spPr>
           <a:xfrm>
-            <a:off x="1460938" y="4682105"/>
+            <a:off x="1423012" y="4696903"/>
             <a:ext cx="2103461" cy="369332"/>
           </a:xfrm>
           <a:prstGeom prst="rect">
@@ -5212,7 +6345,7 @@
         </p:nvSpPr>
         <p:spPr>
           <a:xfrm>
-            <a:off x="3760279" y="4682105"/>
+            <a:off x="3747922" y="4682105"/>
             <a:ext cx="3522824" cy="369332"/>
           </a:xfrm>
           <a:prstGeom prst="rect">
@@ -5264,7 +6397,7 @@
         </p:nvSpPr>
         <p:spPr>
           <a:xfrm>
-            <a:off x="7402748" y="4682105"/>
+            <a:off x="7390391" y="4682105"/>
             <a:ext cx="2449710" cy="369332"/>
           </a:xfrm>
           <a:prstGeom prst="rect">
@@ -5316,7 +6449,7 @@
         </p:nvSpPr>
         <p:spPr>
           <a:xfrm>
-            <a:off x="1435289" y="5120180"/>
+            <a:off x="1435289" y="5083109"/>
             <a:ext cx="2154757" cy="369332"/>
           </a:xfrm>
           <a:prstGeom prst="rect">
@@ -5368,7 +6501,7 @@
         </p:nvSpPr>
         <p:spPr>
           <a:xfrm>
-            <a:off x="3760279" y="5128973"/>
+            <a:off x="3760279" y="5091902"/>
             <a:ext cx="3219151" cy="369332"/>
           </a:xfrm>
           <a:prstGeom prst="rect">
@@ -5420,7 +6553,7 @@
         </p:nvSpPr>
         <p:spPr>
           <a:xfrm>
-            <a:off x="7390083" y="5182739"/>
+            <a:off x="7390083" y="5145668"/>
             <a:ext cx="2090701" cy="369332"/>
           </a:xfrm>
           <a:prstGeom prst="rect">
@@ -5472,7 +6605,7 @@
         </p:nvSpPr>
         <p:spPr>
           <a:xfrm>
-            <a:off x="3433395" y="5567048"/>
+            <a:off x="4780848" y="5534248"/>
             <a:ext cx="4860690" cy="369332"/>
           </a:xfrm>
           <a:prstGeom prst="rect">
@@ -5492,7 +6625,7 @@
                   <a:schemeClr val="bg1"/>
                 </a:solidFill>
               </a:rPr>
-              <a:t>7</a:t>
+              <a:t>8</a:t>
             </a:r>
             <a:r>
               <a:rPr kumimoji="1" lang="en-US" altLang="zh-CN" dirty="0">
@@ -5570,6 +6703,58 @@
           </a:p>
         </p:txBody>
       </p:sp>
+      <p:sp>
+        <p:nvSpPr>
+          <p:cNvPr id="13" name="文本框 12">
+            <a:extLst>
+              <a:ext uri="{FF2B5EF4-FFF2-40B4-BE49-F238E27FC236}">
+                <a16:creationId xmlns:a16="http://schemas.microsoft.com/office/drawing/2014/main" id="{3FDAE6C8-5A9A-F211-D6F1-494CD9D3FE85}"/>
+              </a:ext>
+            </a:extLst>
+          </p:cNvPr>
+          <p:cNvSpPr txBox="1"/>
+          <p:nvPr/>
+        </p:nvSpPr>
+        <p:spPr>
+          <a:xfrm>
+            <a:off x="1435289" y="5489512"/>
+            <a:ext cx="2719014" cy="369332"/>
+          </a:xfrm>
+          <a:prstGeom prst="rect">
+            <a:avLst/>
+          </a:prstGeom>
+          <a:noFill/>
+        </p:spPr>
+        <p:txBody>
+          <a:bodyPr wrap="none" rtlCol="0">
+            <a:spAutoFit/>
+          </a:bodyPr>
+          <a:lstStyle/>
+          <a:p>
+            <a:r>
+              <a:rPr kumimoji="1" lang="en-US" altLang="zh-CN" baseline="30000" dirty="0">
+                <a:solidFill>
+                  <a:schemeClr val="bg1"/>
+                </a:solidFill>
+              </a:rPr>
+              <a:t>7</a:t>
+            </a:r>
+            <a:r>
+              <a:rPr kumimoji="1" lang="en-US" altLang="zh-CN" dirty="0">
+                <a:solidFill>
+                  <a:schemeClr val="bg1"/>
+                </a:solidFill>
+              </a:rPr>
+              <a:t>Northwestern University</a:t>
+            </a:r>
+            <a:endParaRPr kumimoji="1" lang="zh-CN" altLang="en-US" dirty="0">
+              <a:solidFill>
+                <a:schemeClr val="bg1"/>
+              </a:solidFill>
+            </a:endParaRPr>
+          </a:p>
+        </p:txBody>
+      </p:sp>
     </p:spTree>
   </p:cSld>
   <p:clrMapOvr>
@@ -5579,6 +6764,558 @@
 </file>
 
 <file path=ppt/slides/slide10.xml><?xml version="1.0" encoding="utf-8"?>
+<p:sld xmlns:a="http://schemas.openxmlformats.org/drawingml/2006/main" xmlns:r="http://schemas.openxmlformats.org/officeDocument/2006/relationships" xmlns:p="http://schemas.openxmlformats.org/presentationml/2006/main">
+  <p:cSld>
+    <p:spTree>
+      <p:nvGrpSpPr>
+        <p:cNvPr id="1" name=""/>
+        <p:cNvGrpSpPr/>
+        <p:nvPr/>
+      </p:nvGrpSpPr>
+      <p:grpSpPr>
+        <a:xfrm>
+          <a:off x="0" y="0"/>
+          <a:ext cx="0" cy="0"/>
+          <a:chOff x="0" y="0"/>
+          <a:chExt cx="0" cy="0"/>
+        </a:xfrm>
+      </p:grpSpPr>
+      <p:cxnSp>
+        <p:nvCxnSpPr>
+          <p:cNvPr id="8" name="Straight Connector 7">
+            <a:extLst>
+              <a:ext uri="{FF2B5EF4-FFF2-40B4-BE49-F238E27FC236}">
+                <a16:creationId xmlns:a16="http://schemas.microsoft.com/office/drawing/2014/main" id="{6884248B-6A30-1E4E-B282-C6BDFAA8A004}"/>
+              </a:ext>
+            </a:extLst>
+          </p:cNvPr>
+          <p:cNvCxnSpPr/>
+          <p:nvPr/>
+        </p:nvCxnSpPr>
+        <p:spPr>
+          <a:xfrm>
+            <a:off x="432486" y="1136076"/>
+            <a:ext cx="11383652" cy="0"/>
+          </a:xfrm>
+          <a:prstGeom prst="line">
+            <a:avLst/>
+          </a:prstGeom>
+          <a:ln w="15875">
+            <a:solidFill>
+              <a:srgbClr val="841F19"/>
+            </a:solidFill>
+          </a:ln>
+        </p:spPr>
+        <p:style>
+          <a:lnRef idx="1">
+            <a:schemeClr val="accent1"/>
+          </a:lnRef>
+          <a:fillRef idx="0">
+            <a:schemeClr val="accent1"/>
+          </a:fillRef>
+          <a:effectRef idx="0">
+            <a:schemeClr val="accent1"/>
+          </a:effectRef>
+          <a:fontRef idx="minor">
+            <a:schemeClr val="tx1"/>
+          </a:fontRef>
+        </p:style>
+      </p:cxnSp>
+      <p:sp>
+        <p:nvSpPr>
+          <p:cNvPr id="13" name="Google Shape;380;p40">
+            <a:extLst>
+              <a:ext uri="{FF2B5EF4-FFF2-40B4-BE49-F238E27FC236}">
+                <a16:creationId xmlns:a16="http://schemas.microsoft.com/office/drawing/2014/main" id="{02E127E3-F874-5A47-8AAA-78660A005DDE}"/>
+              </a:ext>
+            </a:extLst>
+          </p:cNvPr>
+          <p:cNvSpPr txBox="1"/>
+          <p:nvPr/>
+        </p:nvSpPr>
+        <p:spPr>
+          <a:xfrm>
+            <a:off x="505796" y="571906"/>
+            <a:ext cx="5053628" cy="553957"/>
+          </a:xfrm>
+          <a:prstGeom prst="rect">
+            <a:avLst/>
+          </a:prstGeom>
+          <a:noFill/>
+          <a:ln>
+            <a:noFill/>
+          </a:ln>
+        </p:spPr>
+        <p:txBody>
+          <a:bodyPr spcFirstLastPara="1" wrap="square" lIns="91425" tIns="45700" rIns="91425" bIns="45700" anchor="t" anchorCtr="0">
+            <a:spAutoFit/>
+          </a:bodyPr>
+          <a:lstStyle/>
+          <a:p>
+            <a:pPr>
+              <a:defRPr/>
+            </a:pPr>
+            <a:r>
+              <a:rPr lang="en-US" sz="3000" b="1" dirty="0">
+                <a:solidFill>
+                  <a:srgbClr val="000000"/>
+                </a:solidFill>
+                <a:cs typeface="Arial"/>
+              </a:rPr>
+              <a:t>Design of COMPSO</a:t>
+            </a:r>
+            <a:endParaRPr kumimoji="0" lang="en-US" sz="3000" b="0" i="0" u="none" strike="noStrike" kern="1200" cap="none" spc="0" normalizeH="0" baseline="0" noProof="0" dirty="0">
+              <a:ln>
+                <a:noFill/>
+              </a:ln>
+              <a:solidFill>
+                <a:srgbClr val="000000"/>
+              </a:solidFill>
+              <a:effectLst/>
+              <a:uLnTx/>
+              <a:uFillTx/>
+              <a:ea typeface="+mn-ea"/>
+              <a:cs typeface="+mn-cs"/>
+            </a:endParaRPr>
+          </a:p>
+        </p:txBody>
+      </p:sp>
+      <p:sp>
+        <p:nvSpPr>
+          <p:cNvPr id="3" name="TextBox 23">
+            <a:extLst>
+              <a:ext uri="{FF2B5EF4-FFF2-40B4-BE49-F238E27FC236}">
+                <a16:creationId xmlns:a16="http://schemas.microsoft.com/office/drawing/2014/main" id="{E34D12C1-F77C-3C1F-445A-0EB6F9140E9B}"/>
+              </a:ext>
+            </a:extLst>
+          </p:cNvPr>
+          <p:cNvSpPr txBox="1"/>
+          <p:nvPr/>
+        </p:nvSpPr>
+        <p:spPr>
+          <a:xfrm>
+            <a:off x="380705" y="1167402"/>
+            <a:ext cx="13012558" cy="307777"/>
+          </a:xfrm>
+          <a:prstGeom prst="rect">
+            <a:avLst/>
+          </a:prstGeom>
+          <a:noFill/>
+        </p:spPr>
+        <p:txBody>
+          <a:bodyPr wrap="square" lIns="91440" tIns="45720" rIns="91440" bIns="45720" anchor="t">
+            <a:spAutoFit/>
+          </a:bodyPr>
+          <a:lstStyle>
+            <a:defPPr>
+              <a:defRPr lang="en-US"/>
+            </a:defPPr>
+            <a:lvl1pPr marL="0" algn="l" defTabSz="914400" rtl="0" eaLnBrk="1" latinLnBrk="0" hangingPunct="1">
+              <a:defRPr sz="1800" kern="1200">
+                <a:solidFill>
+                  <a:schemeClr val="tx1"/>
+                </a:solidFill>
+                <a:latin typeface="+mn-lt"/>
+                <a:ea typeface="+mn-ea"/>
+                <a:cs typeface="+mn-cs"/>
+              </a:defRPr>
+            </a:lvl1pPr>
+            <a:lvl2pPr marL="457200" algn="l" defTabSz="914400" rtl="0" eaLnBrk="1" latinLnBrk="0" hangingPunct="1">
+              <a:defRPr sz="1800" kern="1200">
+                <a:solidFill>
+                  <a:schemeClr val="tx1"/>
+                </a:solidFill>
+                <a:latin typeface="+mn-lt"/>
+                <a:ea typeface="+mn-ea"/>
+                <a:cs typeface="+mn-cs"/>
+              </a:defRPr>
+            </a:lvl2pPr>
+            <a:lvl3pPr marL="914400" algn="l" defTabSz="914400" rtl="0" eaLnBrk="1" latinLnBrk="0" hangingPunct="1">
+              <a:defRPr sz="1800" kern="1200">
+                <a:solidFill>
+                  <a:schemeClr val="tx1"/>
+                </a:solidFill>
+                <a:latin typeface="+mn-lt"/>
+                <a:ea typeface="+mn-ea"/>
+                <a:cs typeface="+mn-cs"/>
+              </a:defRPr>
+            </a:lvl3pPr>
+            <a:lvl4pPr marL="1371600" algn="l" defTabSz="914400" rtl="0" eaLnBrk="1" latinLnBrk="0" hangingPunct="1">
+              <a:defRPr sz="1800" kern="1200">
+                <a:solidFill>
+                  <a:schemeClr val="tx1"/>
+                </a:solidFill>
+                <a:latin typeface="+mn-lt"/>
+                <a:ea typeface="+mn-ea"/>
+                <a:cs typeface="+mn-cs"/>
+              </a:defRPr>
+            </a:lvl4pPr>
+            <a:lvl5pPr marL="1828800" algn="l" defTabSz="914400" rtl="0" eaLnBrk="1" latinLnBrk="0" hangingPunct="1">
+              <a:defRPr sz="1800" kern="1200">
+                <a:solidFill>
+                  <a:schemeClr val="tx1"/>
+                </a:solidFill>
+                <a:latin typeface="+mn-lt"/>
+                <a:ea typeface="+mn-ea"/>
+                <a:cs typeface="+mn-cs"/>
+              </a:defRPr>
+            </a:lvl5pPr>
+            <a:lvl6pPr marL="2286000" algn="l" defTabSz="914400" rtl="0" eaLnBrk="1" latinLnBrk="0" hangingPunct="1">
+              <a:defRPr sz="1800" kern="1200">
+                <a:solidFill>
+                  <a:schemeClr val="tx1"/>
+                </a:solidFill>
+                <a:latin typeface="+mn-lt"/>
+                <a:ea typeface="+mn-ea"/>
+                <a:cs typeface="+mn-cs"/>
+              </a:defRPr>
+            </a:lvl6pPr>
+            <a:lvl7pPr marL="2743200" algn="l" defTabSz="914400" rtl="0" eaLnBrk="1" latinLnBrk="0" hangingPunct="1">
+              <a:defRPr sz="1800" kern="1200">
+                <a:solidFill>
+                  <a:schemeClr val="tx1"/>
+                </a:solidFill>
+                <a:latin typeface="+mn-lt"/>
+                <a:ea typeface="+mn-ea"/>
+                <a:cs typeface="+mn-cs"/>
+              </a:defRPr>
+            </a:lvl7pPr>
+            <a:lvl8pPr marL="3200400" algn="l" defTabSz="914400" rtl="0" eaLnBrk="1" latinLnBrk="0" hangingPunct="1">
+              <a:defRPr sz="1800" kern="1200">
+                <a:solidFill>
+                  <a:schemeClr val="tx1"/>
+                </a:solidFill>
+                <a:latin typeface="+mn-lt"/>
+                <a:ea typeface="+mn-ea"/>
+                <a:cs typeface="+mn-cs"/>
+              </a:defRPr>
+            </a:lvl8pPr>
+            <a:lvl9pPr marL="3657600" algn="l" defTabSz="914400" rtl="0" eaLnBrk="1" latinLnBrk="0" hangingPunct="1">
+              <a:defRPr sz="1800" kern="1200">
+                <a:solidFill>
+                  <a:schemeClr val="tx1"/>
+                </a:solidFill>
+                <a:latin typeface="+mn-lt"/>
+                <a:ea typeface="+mn-ea"/>
+                <a:cs typeface="+mn-cs"/>
+              </a:defRPr>
+            </a:lvl9pPr>
+          </a:lstStyle>
+          <a:p>
+            <a:r>
+              <a:rPr lang="en-US" sz="1400" b="1" dirty="0">
+                <a:ea typeface="黑体"/>
+                <a:cs typeface="+mn-lt"/>
+              </a:rPr>
+              <a:t>Optimizations in GPU Implementation</a:t>
+            </a:r>
+            <a:endParaRPr lang="en-US" b="1" dirty="0">
+              <a:ea typeface="黑体"/>
+              <a:cs typeface="+mn-lt"/>
+            </a:endParaRPr>
+          </a:p>
+        </p:txBody>
+      </p:sp>
+      <p:pic>
+        <p:nvPicPr>
+          <p:cNvPr id="12" name="图片 11" descr="图表, 折线图&#10;&#10;描述已自动生成">
+            <a:extLst>
+              <a:ext uri="{FF2B5EF4-FFF2-40B4-BE49-F238E27FC236}">
+                <a16:creationId xmlns:a16="http://schemas.microsoft.com/office/drawing/2014/main" id="{D98B93C6-0BF0-671F-763D-67A7B09B53FB}"/>
+              </a:ext>
+            </a:extLst>
+          </p:cNvPr>
+          <p:cNvPicPr>
+            <a:picLocks noChangeAspect="1"/>
+          </p:cNvPicPr>
+          <p:nvPr/>
+        </p:nvPicPr>
+        <p:blipFill>
+          <a:blip r:embed="rId3"/>
+          <a:stretch>
+            <a:fillRect/>
+          </a:stretch>
+        </p:blipFill>
+        <p:spPr>
+          <a:xfrm>
+            <a:off x="505796" y="2750795"/>
+            <a:ext cx="5791200" cy="2768600"/>
+          </a:xfrm>
+          <a:prstGeom prst="rect">
+            <a:avLst/>
+          </a:prstGeom>
+        </p:spPr>
+      </p:pic>
+      <p:sp>
+        <p:nvSpPr>
+          <p:cNvPr id="14" name="文本框 13">
+            <a:extLst>
+              <a:ext uri="{FF2B5EF4-FFF2-40B4-BE49-F238E27FC236}">
+                <a16:creationId xmlns:a16="http://schemas.microsoft.com/office/drawing/2014/main" id="{8C660A5F-06B3-CBA0-AC96-7E49977FB857}"/>
+              </a:ext>
+            </a:extLst>
+          </p:cNvPr>
+          <p:cNvSpPr txBox="1"/>
+          <p:nvPr/>
+        </p:nvSpPr>
+        <p:spPr>
+          <a:xfrm>
+            <a:off x="364556" y="1697488"/>
+            <a:ext cx="6073680" cy="830997"/>
+          </a:xfrm>
+          <a:prstGeom prst="rect">
+            <a:avLst/>
+          </a:prstGeom>
+          <a:noFill/>
+        </p:spPr>
+        <p:txBody>
+          <a:bodyPr wrap="square">
+            <a:spAutoFit/>
+          </a:bodyPr>
+          <a:lstStyle/>
+          <a:p>
+            <a:pPr marL="285750" indent="-285750">
+              <a:buFont typeface="Arial" panose="020B0604020202020204" pitchFamily="34" charset="0"/>
+              <a:buChar char="•"/>
+            </a:pPr>
+            <a:r>
+              <a:rPr lang="en-US" altLang="zh-CN" sz="1600" dirty="0"/>
+              <a:t>Kernel fusion that reduces memory traffic to global memory</a:t>
+            </a:r>
+          </a:p>
+          <a:p>
+            <a:pPr marL="285750" indent="-285750">
+              <a:buFont typeface="Arial" panose="020B0604020202020204" pitchFamily="34" charset="0"/>
+              <a:buChar char="•"/>
+            </a:pPr>
+            <a:r>
+              <a:rPr lang="en-US" altLang="zh-CN" sz="1600" dirty="0"/>
+              <a:t>Fine-grained range computation (e.g., maxima of each layer) using block reduction and warp-level shuffle.</a:t>
+            </a:r>
+            <a:endParaRPr lang="zh-CN" altLang="en-US" sz="1600" dirty="0"/>
+          </a:p>
+        </p:txBody>
+      </p:sp>
+      <p:sp>
+        <p:nvSpPr>
+          <p:cNvPr id="15" name="TextBox 23">
+            <a:extLst>
+              <a:ext uri="{FF2B5EF4-FFF2-40B4-BE49-F238E27FC236}">
+                <a16:creationId xmlns:a16="http://schemas.microsoft.com/office/drawing/2014/main" id="{7C865008-76FE-80B5-E5F0-59EDF992EE37}"/>
+              </a:ext>
+            </a:extLst>
+          </p:cNvPr>
+          <p:cNvSpPr txBox="1"/>
+          <p:nvPr/>
+        </p:nvSpPr>
+        <p:spPr>
+          <a:xfrm>
+            <a:off x="7147034" y="1237977"/>
+            <a:ext cx="13012558" cy="307777"/>
+          </a:xfrm>
+          <a:prstGeom prst="rect">
+            <a:avLst/>
+          </a:prstGeom>
+          <a:noFill/>
+        </p:spPr>
+        <p:txBody>
+          <a:bodyPr wrap="square" lIns="91440" tIns="45720" rIns="91440" bIns="45720" anchor="t">
+            <a:spAutoFit/>
+          </a:bodyPr>
+          <a:lstStyle>
+            <a:defPPr>
+              <a:defRPr lang="en-US"/>
+            </a:defPPr>
+            <a:lvl1pPr marL="0" algn="l" defTabSz="914400" rtl="0" eaLnBrk="1" latinLnBrk="0" hangingPunct="1">
+              <a:defRPr sz="1800" kern="1200">
+                <a:solidFill>
+                  <a:schemeClr val="tx1"/>
+                </a:solidFill>
+                <a:latin typeface="+mn-lt"/>
+                <a:ea typeface="+mn-ea"/>
+                <a:cs typeface="+mn-cs"/>
+              </a:defRPr>
+            </a:lvl1pPr>
+            <a:lvl2pPr marL="457200" algn="l" defTabSz="914400" rtl="0" eaLnBrk="1" latinLnBrk="0" hangingPunct="1">
+              <a:defRPr sz="1800" kern="1200">
+                <a:solidFill>
+                  <a:schemeClr val="tx1"/>
+                </a:solidFill>
+                <a:latin typeface="+mn-lt"/>
+                <a:ea typeface="+mn-ea"/>
+                <a:cs typeface="+mn-cs"/>
+              </a:defRPr>
+            </a:lvl2pPr>
+            <a:lvl3pPr marL="914400" algn="l" defTabSz="914400" rtl="0" eaLnBrk="1" latinLnBrk="0" hangingPunct="1">
+              <a:defRPr sz="1800" kern="1200">
+                <a:solidFill>
+                  <a:schemeClr val="tx1"/>
+                </a:solidFill>
+                <a:latin typeface="+mn-lt"/>
+                <a:ea typeface="+mn-ea"/>
+                <a:cs typeface="+mn-cs"/>
+              </a:defRPr>
+            </a:lvl3pPr>
+            <a:lvl4pPr marL="1371600" algn="l" defTabSz="914400" rtl="0" eaLnBrk="1" latinLnBrk="0" hangingPunct="1">
+              <a:defRPr sz="1800" kern="1200">
+                <a:solidFill>
+                  <a:schemeClr val="tx1"/>
+                </a:solidFill>
+                <a:latin typeface="+mn-lt"/>
+                <a:ea typeface="+mn-ea"/>
+                <a:cs typeface="+mn-cs"/>
+              </a:defRPr>
+            </a:lvl4pPr>
+            <a:lvl5pPr marL="1828800" algn="l" defTabSz="914400" rtl="0" eaLnBrk="1" latinLnBrk="0" hangingPunct="1">
+              <a:defRPr sz="1800" kern="1200">
+                <a:solidFill>
+                  <a:schemeClr val="tx1"/>
+                </a:solidFill>
+                <a:latin typeface="+mn-lt"/>
+                <a:ea typeface="+mn-ea"/>
+                <a:cs typeface="+mn-cs"/>
+              </a:defRPr>
+            </a:lvl5pPr>
+            <a:lvl6pPr marL="2286000" algn="l" defTabSz="914400" rtl="0" eaLnBrk="1" latinLnBrk="0" hangingPunct="1">
+              <a:defRPr sz="1800" kern="1200">
+                <a:solidFill>
+                  <a:schemeClr val="tx1"/>
+                </a:solidFill>
+                <a:latin typeface="+mn-lt"/>
+                <a:ea typeface="+mn-ea"/>
+                <a:cs typeface="+mn-cs"/>
+              </a:defRPr>
+            </a:lvl6pPr>
+            <a:lvl7pPr marL="2743200" algn="l" defTabSz="914400" rtl="0" eaLnBrk="1" latinLnBrk="0" hangingPunct="1">
+              <a:defRPr sz="1800" kern="1200">
+                <a:solidFill>
+                  <a:schemeClr val="tx1"/>
+                </a:solidFill>
+                <a:latin typeface="+mn-lt"/>
+                <a:ea typeface="+mn-ea"/>
+                <a:cs typeface="+mn-cs"/>
+              </a:defRPr>
+            </a:lvl7pPr>
+            <a:lvl8pPr marL="3200400" algn="l" defTabSz="914400" rtl="0" eaLnBrk="1" latinLnBrk="0" hangingPunct="1">
+              <a:defRPr sz="1800" kern="1200">
+                <a:solidFill>
+                  <a:schemeClr val="tx1"/>
+                </a:solidFill>
+                <a:latin typeface="+mn-lt"/>
+                <a:ea typeface="+mn-ea"/>
+                <a:cs typeface="+mn-cs"/>
+              </a:defRPr>
+            </a:lvl8pPr>
+            <a:lvl9pPr marL="3657600" algn="l" defTabSz="914400" rtl="0" eaLnBrk="1" latinLnBrk="0" hangingPunct="1">
+              <a:defRPr sz="1800" kern="1200">
+                <a:solidFill>
+                  <a:schemeClr val="tx1"/>
+                </a:solidFill>
+                <a:latin typeface="+mn-lt"/>
+                <a:ea typeface="+mn-ea"/>
+                <a:cs typeface="+mn-cs"/>
+              </a:defRPr>
+            </a:lvl9pPr>
+          </a:lstStyle>
+          <a:p>
+            <a:r>
+              <a:rPr lang="en-US" sz="1400" b="1" dirty="0">
+                <a:ea typeface="黑体"/>
+                <a:cs typeface="+mn-lt"/>
+              </a:rPr>
+              <a:t>Encoder Selection by performance model</a:t>
+            </a:r>
+            <a:endParaRPr lang="en-US" b="1" dirty="0">
+              <a:ea typeface="黑体"/>
+              <a:cs typeface="+mn-lt"/>
+            </a:endParaRPr>
+          </a:p>
+        </p:txBody>
+      </p:sp>
+      <p:pic>
+        <p:nvPicPr>
+          <p:cNvPr id="17" name="图片 16" descr="表格&#10;&#10;描述已自动生成">
+            <a:extLst>
+              <a:ext uri="{FF2B5EF4-FFF2-40B4-BE49-F238E27FC236}">
+                <a16:creationId xmlns:a16="http://schemas.microsoft.com/office/drawing/2014/main" id="{AFF07492-D34C-01A0-8CCD-550139A34280}"/>
+              </a:ext>
+            </a:extLst>
+          </p:cNvPr>
+          <p:cNvPicPr>
+            <a:picLocks noChangeAspect="1"/>
+          </p:cNvPicPr>
+          <p:nvPr/>
+        </p:nvPicPr>
+        <p:blipFill>
+          <a:blip r:embed="rId4"/>
+          <a:stretch>
+            <a:fillRect/>
+          </a:stretch>
+        </p:blipFill>
+        <p:spPr>
+          <a:xfrm>
+            <a:off x="7062952" y="1596768"/>
+            <a:ext cx="4539170" cy="2308053"/>
+          </a:xfrm>
+          <a:prstGeom prst="rect">
+            <a:avLst/>
+          </a:prstGeom>
+        </p:spPr>
+      </p:pic>
+      <p:sp>
+        <p:nvSpPr>
+          <p:cNvPr id="21" name="文本框 20">
+            <a:extLst>
+              <a:ext uri="{FF2B5EF4-FFF2-40B4-BE49-F238E27FC236}">
+                <a16:creationId xmlns:a16="http://schemas.microsoft.com/office/drawing/2014/main" id="{E8C4D6D5-31C6-988F-7FA6-23275BDD2288}"/>
+              </a:ext>
+            </a:extLst>
+          </p:cNvPr>
+          <p:cNvSpPr txBox="1"/>
+          <p:nvPr/>
+        </p:nvSpPr>
+        <p:spPr>
+          <a:xfrm>
+            <a:off x="6886984" y="4026410"/>
+            <a:ext cx="6073680" cy="584775"/>
+          </a:xfrm>
+          <a:prstGeom prst="rect">
+            <a:avLst/>
+          </a:prstGeom>
+          <a:noFill/>
+        </p:spPr>
+        <p:txBody>
+          <a:bodyPr wrap="square">
+            <a:spAutoFit/>
+          </a:bodyPr>
+          <a:lstStyle/>
+          <a:p>
+            <a:pPr marL="285750" indent="-285750">
+              <a:buFont typeface="Arial" panose="020B0604020202020204" pitchFamily="34" charset="0"/>
+              <a:buChar char="•"/>
+            </a:pPr>
+            <a:r>
+              <a:rPr lang="en-US" altLang="zh-CN" sz="1600" dirty="0"/>
+              <a:t>ANS is the best in this case, that has near-highest compression ratio and throughput.</a:t>
+            </a:r>
+            <a:endParaRPr lang="zh-CN" altLang="en-US" sz="1600" dirty="0"/>
+          </a:p>
+        </p:txBody>
+      </p:sp>
+    </p:spTree>
+    <p:extLst>
+      <p:ext uri="{BB962C8B-B14F-4D97-AF65-F5344CB8AC3E}">
+        <p14:creationId xmlns:p14="http://schemas.microsoft.com/office/powerpoint/2010/main" val="3958928432"/>
+      </p:ext>
+    </p:extLst>
+  </p:cSld>
+  <p:clrMapOvr>
+    <a:masterClrMapping/>
+  </p:clrMapOvr>
+</p:sld>
+</file>
+
+<file path=ppt/slides/slide11.xml><?xml version="1.0" encoding="utf-8"?>
 <p:sld xmlns:a="http://schemas.openxmlformats.org/drawingml/2006/main" xmlns:r="http://schemas.openxmlformats.org/officeDocument/2006/relationships" xmlns:p="http://schemas.openxmlformats.org/presentationml/2006/main">
   <p:cSld>
     <p:spTree>
@@ -6066,7 +7803,7 @@
 </p:sld>
 </file>
 
-<file path=ppt/slides/slide11.xml><?xml version="1.0" encoding="utf-8"?>
+<file path=ppt/slides/slide12.xml><?xml version="1.0" encoding="utf-8"?>
 <p:sld xmlns:a="http://schemas.openxmlformats.org/drawingml/2006/main" xmlns:r="http://schemas.openxmlformats.org/officeDocument/2006/relationships" xmlns:p="http://schemas.openxmlformats.org/presentationml/2006/main">
   <p:cSld>
     <p:spTree>
@@ -6357,7 +8094,7 @@
         <p:spPr>
           <a:xfrm>
             <a:off x="432486" y="4670497"/>
-            <a:ext cx="13012558" cy="923330"/>
+            <a:ext cx="13012558" cy="1477328"/>
           </a:xfrm>
           <a:prstGeom prst="rect">
             <a:avLst/>
@@ -6470,7 +8207,23 @@
             </a:pPr>
             <a:r>
               <a:rPr lang="en-US" dirty="0"/>
-              <a:t>Up to 14.15x communication speedup</a:t>
+              <a:t>Up to </a:t>
+            </a:r>
+            <a:r>
+              <a:rPr lang="en-US" b="1" dirty="0"/>
+              <a:t>14.15x</a:t>
+            </a:r>
+            <a:r>
+              <a:rPr lang="en-US" dirty="0"/>
+              <a:t> communication speedup by achieving a compression ratio of </a:t>
+            </a:r>
+            <a:r>
+              <a:rPr lang="en-US" b="1" dirty="0"/>
+              <a:t>22.1x</a:t>
+            </a:r>
+            <a:r>
+              <a:rPr lang="en-US" dirty="0"/>
+              <a:t>.</a:t>
             </a:r>
           </a:p>
           <a:p>
@@ -6480,7 +8233,7 @@
             </a:pPr>
             <a:r>
               <a:rPr lang="en-US" dirty="0"/>
-              <a:t>Scale with model size and number of GPUs</a:t>
+              <a:t>Scale with model size and number of GPUs.</a:t>
             </a:r>
           </a:p>
           <a:p>
@@ -6490,7 +8243,19 @@
             </a:pPr>
             <a:r>
               <a:rPr lang="en-US" dirty="0"/>
-              <a:t>COMPSO outperforms baselines because of (1) higher compression ratio, (2) layer aggregation mechanism</a:t>
+              <a:t>COMPSO outperforms baselines because</a:t>
+            </a:r>
+          </a:p>
+          <a:p>
+            <a:r>
+              <a:rPr lang="en-US" dirty="0"/>
+              <a:t>     (1) higher compression ratio, </a:t>
+            </a:r>
+          </a:p>
+          <a:p>
+            <a:r>
+              <a:rPr lang="en-US" dirty="0"/>
+              <a:t>     (2) layer aggregation mechanism.</a:t>
             </a:r>
           </a:p>
         </p:txBody>
@@ -6508,7 +8273,822 @@
 </p:sld>
 </file>
 
-<file path=ppt/slides/slide12.xml><?xml version="1.0" encoding="utf-8"?>
+<file path=ppt/slides/slide13.xml><?xml version="1.0" encoding="utf-8"?>
+<p:sld xmlns:a="http://schemas.openxmlformats.org/drawingml/2006/main" xmlns:r="http://schemas.openxmlformats.org/officeDocument/2006/relationships" xmlns:p="http://schemas.openxmlformats.org/presentationml/2006/main">
+  <p:cSld>
+    <p:spTree>
+      <p:nvGrpSpPr>
+        <p:cNvPr id="1" name="">
+          <a:extLst>
+            <a:ext uri="{FF2B5EF4-FFF2-40B4-BE49-F238E27FC236}">
+              <a16:creationId xmlns:a16="http://schemas.microsoft.com/office/drawing/2014/main" id="{E93FC727-7F6D-B5A1-4B16-33BC900FD0D3}"/>
+            </a:ext>
+          </a:extLst>
+        </p:cNvPr>
+        <p:cNvGrpSpPr/>
+        <p:nvPr/>
+      </p:nvGrpSpPr>
+      <p:grpSpPr>
+        <a:xfrm>
+          <a:off x="0" y="0"/>
+          <a:ext cx="0" cy="0"/>
+          <a:chOff x="0" y="0"/>
+          <a:chExt cx="0" cy="0"/>
+        </a:xfrm>
+      </p:grpSpPr>
+      <p:cxnSp>
+        <p:nvCxnSpPr>
+          <p:cNvPr id="8" name="Straight Connector 7">
+            <a:extLst>
+              <a:ext uri="{FF2B5EF4-FFF2-40B4-BE49-F238E27FC236}">
+                <a16:creationId xmlns:a16="http://schemas.microsoft.com/office/drawing/2014/main" id="{8DD95B10-6B38-F70D-F29B-94B2B1767AF4}"/>
+              </a:ext>
+            </a:extLst>
+          </p:cNvPr>
+          <p:cNvCxnSpPr/>
+          <p:nvPr/>
+        </p:nvCxnSpPr>
+        <p:spPr>
+          <a:xfrm>
+            <a:off x="432486" y="1136076"/>
+            <a:ext cx="11383652" cy="0"/>
+          </a:xfrm>
+          <a:prstGeom prst="line">
+            <a:avLst/>
+          </a:prstGeom>
+          <a:ln w="15875">
+            <a:solidFill>
+              <a:srgbClr val="841F19"/>
+            </a:solidFill>
+          </a:ln>
+        </p:spPr>
+        <p:style>
+          <a:lnRef idx="1">
+            <a:schemeClr val="accent1"/>
+          </a:lnRef>
+          <a:fillRef idx="0">
+            <a:schemeClr val="accent1"/>
+          </a:fillRef>
+          <a:effectRef idx="0">
+            <a:schemeClr val="accent1"/>
+          </a:effectRef>
+          <a:fontRef idx="minor">
+            <a:schemeClr val="tx1"/>
+          </a:fontRef>
+        </p:style>
+      </p:cxnSp>
+      <p:sp>
+        <p:nvSpPr>
+          <p:cNvPr id="13" name="Google Shape;380;p40">
+            <a:extLst>
+              <a:ext uri="{FF2B5EF4-FFF2-40B4-BE49-F238E27FC236}">
+                <a16:creationId xmlns:a16="http://schemas.microsoft.com/office/drawing/2014/main" id="{64151D0E-4E40-CED0-7B08-EE7353F392C0}"/>
+              </a:ext>
+            </a:extLst>
+          </p:cNvPr>
+          <p:cNvSpPr txBox="1"/>
+          <p:nvPr/>
+        </p:nvSpPr>
+        <p:spPr>
+          <a:xfrm>
+            <a:off x="505796" y="571906"/>
+            <a:ext cx="5053628" cy="553957"/>
+          </a:xfrm>
+          <a:prstGeom prst="rect">
+            <a:avLst/>
+          </a:prstGeom>
+          <a:noFill/>
+          <a:ln>
+            <a:noFill/>
+          </a:ln>
+        </p:spPr>
+        <p:txBody>
+          <a:bodyPr spcFirstLastPara="1" wrap="square" lIns="91425" tIns="45700" rIns="91425" bIns="45700" anchor="t" anchorCtr="0">
+            <a:spAutoFit/>
+          </a:bodyPr>
+          <a:lstStyle/>
+          <a:p>
+            <a:pPr>
+              <a:defRPr/>
+            </a:pPr>
+            <a:r>
+              <a:rPr lang="en-US" sz="3000" b="1">
+                <a:solidFill>
+                  <a:srgbClr val="000000"/>
+                </a:solidFill>
+                <a:cs typeface="Arial"/>
+              </a:rPr>
+              <a:t>Evaluation</a:t>
+            </a:r>
+            <a:endParaRPr lang="en-US">
+              <a:ea typeface="+mn-ea"/>
+              <a:cs typeface="+mn-cs"/>
+            </a:endParaRPr>
+          </a:p>
+        </p:txBody>
+      </p:sp>
+      <p:sp>
+        <p:nvSpPr>
+          <p:cNvPr id="7" name="TextBox 23">
+            <a:extLst>
+              <a:ext uri="{FF2B5EF4-FFF2-40B4-BE49-F238E27FC236}">
+                <a16:creationId xmlns:a16="http://schemas.microsoft.com/office/drawing/2014/main" id="{D22D134D-FCC0-C580-E0F5-96C8437500EC}"/>
+              </a:ext>
+            </a:extLst>
+          </p:cNvPr>
+          <p:cNvSpPr txBox="1"/>
+          <p:nvPr/>
+        </p:nvSpPr>
+        <p:spPr>
+          <a:xfrm>
+            <a:off x="380705" y="1167402"/>
+            <a:ext cx="13012558" cy="307777"/>
+          </a:xfrm>
+          <a:prstGeom prst="rect">
+            <a:avLst/>
+          </a:prstGeom>
+          <a:noFill/>
+        </p:spPr>
+        <p:txBody>
+          <a:bodyPr wrap="square" lIns="91440" tIns="45720" rIns="91440" bIns="45720" anchor="t">
+            <a:spAutoFit/>
+          </a:bodyPr>
+          <a:lstStyle>
+            <a:defPPr>
+              <a:defRPr lang="en-US"/>
+            </a:defPPr>
+            <a:lvl1pPr marL="0" algn="l" defTabSz="914400" rtl="0" eaLnBrk="1" latinLnBrk="0" hangingPunct="1">
+              <a:defRPr sz="1800" kern="1200">
+                <a:solidFill>
+                  <a:schemeClr val="tx1"/>
+                </a:solidFill>
+                <a:latin typeface="+mn-lt"/>
+                <a:ea typeface="+mn-ea"/>
+                <a:cs typeface="+mn-cs"/>
+              </a:defRPr>
+            </a:lvl1pPr>
+            <a:lvl2pPr marL="457200" algn="l" defTabSz="914400" rtl="0" eaLnBrk="1" latinLnBrk="0" hangingPunct="1">
+              <a:defRPr sz="1800" kern="1200">
+                <a:solidFill>
+                  <a:schemeClr val="tx1"/>
+                </a:solidFill>
+                <a:latin typeface="+mn-lt"/>
+                <a:ea typeface="+mn-ea"/>
+                <a:cs typeface="+mn-cs"/>
+              </a:defRPr>
+            </a:lvl2pPr>
+            <a:lvl3pPr marL="914400" algn="l" defTabSz="914400" rtl="0" eaLnBrk="1" latinLnBrk="0" hangingPunct="1">
+              <a:defRPr sz="1800" kern="1200">
+                <a:solidFill>
+                  <a:schemeClr val="tx1"/>
+                </a:solidFill>
+                <a:latin typeface="+mn-lt"/>
+                <a:ea typeface="+mn-ea"/>
+                <a:cs typeface="+mn-cs"/>
+              </a:defRPr>
+            </a:lvl3pPr>
+            <a:lvl4pPr marL="1371600" algn="l" defTabSz="914400" rtl="0" eaLnBrk="1" latinLnBrk="0" hangingPunct="1">
+              <a:defRPr sz="1800" kern="1200">
+                <a:solidFill>
+                  <a:schemeClr val="tx1"/>
+                </a:solidFill>
+                <a:latin typeface="+mn-lt"/>
+                <a:ea typeface="+mn-ea"/>
+                <a:cs typeface="+mn-cs"/>
+              </a:defRPr>
+            </a:lvl4pPr>
+            <a:lvl5pPr marL="1828800" algn="l" defTabSz="914400" rtl="0" eaLnBrk="1" latinLnBrk="0" hangingPunct="1">
+              <a:defRPr sz="1800" kern="1200">
+                <a:solidFill>
+                  <a:schemeClr val="tx1"/>
+                </a:solidFill>
+                <a:latin typeface="+mn-lt"/>
+                <a:ea typeface="+mn-ea"/>
+                <a:cs typeface="+mn-cs"/>
+              </a:defRPr>
+            </a:lvl5pPr>
+            <a:lvl6pPr marL="2286000" algn="l" defTabSz="914400" rtl="0" eaLnBrk="1" latinLnBrk="0" hangingPunct="1">
+              <a:defRPr sz="1800" kern="1200">
+                <a:solidFill>
+                  <a:schemeClr val="tx1"/>
+                </a:solidFill>
+                <a:latin typeface="+mn-lt"/>
+                <a:ea typeface="+mn-ea"/>
+                <a:cs typeface="+mn-cs"/>
+              </a:defRPr>
+            </a:lvl6pPr>
+            <a:lvl7pPr marL="2743200" algn="l" defTabSz="914400" rtl="0" eaLnBrk="1" latinLnBrk="0" hangingPunct="1">
+              <a:defRPr sz="1800" kern="1200">
+                <a:solidFill>
+                  <a:schemeClr val="tx1"/>
+                </a:solidFill>
+                <a:latin typeface="+mn-lt"/>
+                <a:ea typeface="+mn-ea"/>
+                <a:cs typeface="+mn-cs"/>
+              </a:defRPr>
+            </a:lvl7pPr>
+            <a:lvl8pPr marL="3200400" algn="l" defTabSz="914400" rtl="0" eaLnBrk="1" latinLnBrk="0" hangingPunct="1">
+              <a:defRPr sz="1800" kern="1200">
+                <a:solidFill>
+                  <a:schemeClr val="tx1"/>
+                </a:solidFill>
+                <a:latin typeface="+mn-lt"/>
+                <a:ea typeface="+mn-ea"/>
+                <a:cs typeface="+mn-cs"/>
+              </a:defRPr>
+            </a:lvl8pPr>
+            <a:lvl9pPr marL="3657600" algn="l" defTabSz="914400" rtl="0" eaLnBrk="1" latinLnBrk="0" hangingPunct="1">
+              <a:defRPr sz="1800" kern="1200">
+                <a:solidFill>
+                  <a:schemeClr val="tx1"/>
+                </a:solidFill>
+                <a:latin typeface="+mn-lt"/>
+                <a:ea typeface="+mn-ea"/>
+                <a:cs typeface="+mn-cs"/>
+              </a:defRPr>
+            </a:lvl9pPr>
+          </a:lstStyle>
+          <a:p>
+            <a:r>
+              <a:rPr lang="en-US" sz="1400" b="1" dirty="0">
+                <a:ea typeface="黑体"/>
+                <a:cs typeface="+mn-lt"/>
+              </a:rPr>
+              <a:t>Convergence</a:t>
+            </a:r>
+            <a:endParaRPr lang="en-US" dirty="0"/>
+          </a:p>
+        </p:txBody>
+      </p:sp>
+      <p:pic>
+        <p:nvPicPr>
+          <p:cNvPr id="5" name="图片 4" descr="表格&#10;&#10;AI 生成的内容可能不正确。">
+            <a:extLst>
+              <a:ext uri="{FF2B5EF4-FFF2-40B4-BE49-F238E27FC236}">
+                <a16:creationId xmlns:a16="http://schemas.microsoft.com/office/drawing/2014/main" id="{F61A9769-446E-694A-FA33-C84EFD86A871}"/>
+              </a:ext>
+            </a:extLst>
+          </p:cNvPr>
+          <p:cNvPicPr>
+            <a:picLocks noChangeAspect="1"/>
+          </p:cNvPicPr>
+          <p:nvPr/>
+        </p:nvPicPr>
+        <p:blipFill>
+          <a:blip r:embed="rId3"/>
+          <a:stretch>
+            <a:fillRect/>
+          </a:stretch>
+        </p:blipFill>
+        <p:spPr>
+          <a:xfrm>
+            <a:off x="5395947" y="3854297"/>
+            <a:ext cx="4014751" cy="2427099"/>
+          </a:xfrm>
+          <a:prstGeom prst="rect">
+            <a:avLst/>
+          </a:prstGeom>
+        </p:spPr>
+      </p:pic>
+      <p:pic>
+        <p:nvPicPr>
+          <p:cNvPr id="11" name="图片 10" descr="图片包含 图形用户界面&#10;&#10;AI 生成的内容可能不正确。">
+            <a:extLst>
+              <a:ext uri="{FF2B5EF4-FFF2-40B4-BE49-F238E27FC236}">
+                <a16:creationId xmlns:a16="http://schemas.microsoft.com/office/drawing/2014/main" id="{3321DB74-2626-4FF8-819C-9D00EC3F54F5}"/>
+              </a:ext>
+            </a:extLst>
+          </p:cNvPr>
+          <p:cNvPicPr>
+            <a:picLocks noChangeAspect="1"/>
+          </p:cNvPicPr>
+          <p:nvPr/>
+        </p:nvPicPr>
+        <p:blipFill>
+          <a:blip r:embed="rId4"/>
+          <a:srcRect t="1731"/>
+          <a:stretch/>
+        </p:blipFill>
+        <p:spPr>
+          <a:xfrm>
+            <a:off x="76581" y="1403598"/>
+            <a:ext cx="5357468" cy="4641602"/>
+          </a:xfrm>
+          <a:prstGeom prst="rect">
+            <a:avLst/>
+          </a:prstGeom>
+        </p:spPr>
+      </p:pic>
+      <p:pic>
+        <p:nvPicPr>
+          <p:cNvPr id="16" name="图片 15" descr="表格&#10;&#10;AI 生成的内容可能不正确。">
+            <a:extLst>
+              <a:ext uri="{FF2B5EF4-FFF2-40B4-BE49-F238E27FC236}">
+                <a16:creationId xmlns:a16="http://schemas.microsoft.com/office/drawing/2014/main" id="{33A97671-4063-B2CE-456E-86FB9C7A02E4}"/>
+              </a:ext>
+            </a:extLst>
+          </p:cNvPr>
+          <p:cNvPicPr>
+            <a:picLocks noChangeAspect="1"/>
+          </p:cNvPicPr>
+          <p:nvPr/>
+        </p:nvPicPr>
+        <p:blipFill>
+          <a:blip r:embed="rId5"/>
+          <a:stretch>
+            <a:fillRect/>
+          </a:stretch>
+        </p:blipFill>
+        <p:spPr>
+          <a:xfrm>
+            <a:off x="5319749" y="1164664"/>
+            <a:ext cx="4014751" cy="2385234"/>
+          </a:xfrm>
+          <a:prstGeom prst="rect">
+            <a:avLst/>
+          </a:prstGeom>
+        </p:spPr>
+      </p:pic>
+      <p:sp>
+        <p:nvSpPr>
+          <p:cNvPr id="17" name="TextBox 23">
+            <a:extLst>
+              <a:ext uri="{FF2B5EF4-FFF2-40B4-BE49-F238E27FC236}">
+                <a16:creationId xmlns:a16="http://schemas.microsoft.com/office/drawing/2014/main" id="{BEF1CCA4-E7E6-3C5A-7930-902D642AA8B3}"/>
+              </a:ext>
+            </a:extLst>
+          </p:cNvPr>
+          <p:cNvSpPr txBox="1"/>
+          <p:nvPr/>
+        </p:nvSpPr>
+        <p:spPr>
+          <a:xfrm>
+            <a:off x="1419297" y="6022777"/>
+            <a:ext cx="3543595" cy="307777"/>
+          </a:xfrm>
+          <a:prstGeom prst="rect">
+            <a:avLst/>
+          </a:prstGeom>
+          <a:noFill/>
+        </p:spPr>
+        <p:txBody>
+          <a:bodyPr wrap="square" lIns="91440" tIns="45720" rIns="91440" bIns="45720" anchor="t">
+            <a:spAutoFit/>
+          </a:bodyPr>
+          <a:lstStyle>
+            <a:defPPr>
+              <a:defRPr lang="en-US"/>
+            </a:defPPr>
+            <a:lvl1pPr marL="0" algn="l" defTabSz="914400" rtl="0" eaLnBrk="1" latinLnBrk="0" hangingPunct="1">
+              <a:defRPr sz="1800" kern="1200">
+                <a:solidFill>
+                  <a:schemeClr val="tx1"/>
+                </a:solidFill>
+                <a:latin typeface="+mn-lt"/>
+                <a:ea typeface="+mn-ea"/>
+                <a:cs typeface="+mn-cs"/>
+              </a:defRPr>
+            </a:lvl1pPr>
+            <a:lvl2pPr marL="457200" algn="l" defTabSz="914400" rtl="0" eaLnBrk="1" latinLnBrk="0" hangingPunct="1">
+              <a:defRPr sz="1800" kern="1200">
+                <a:solidFill>
+                  <a:schemeClr val="tx1"/>
+                </a:solidFill>
+                <a:latin typeface="+mn-lt"/>
+                <a:ea typeface="+mn-ea"/>
+                <a:cs typeface="+mn-cs"/>
+              </a:defRPr>
+            </a:lvl2pPr>
+            <a:lvl3pPr marL="914400" algn="l" defTabSz="914400" rtl="0" eaLnBrk="1" latinLnBrk="0" hangingPunct="1">
+              <a:defRPr sz="1800" kern="1200">
+                <a:solidFill>
+                  <a:schemeClr val="tx1"/>
+                </a:solidFill>
+                <a:latin typeface="+mn-lt"/>
+                <a:ea typeface="+mn-ea"/>
+                <a:cs typeface="+mn-cs"/>
+              </a:defRPr>
+            </a:lvl3pPr>
+            <a:lvl4pPr marL="1371600" algn="l" defTabSz="914400" rtl="0" eaLnBrk="1" latinLnBrk="0" hangingPunct="1">
+              <a:defRPr sz="1800" kern="1200">
+                <a:solidFill>
+                  <a:schemeClr val="tx1"/>
+                </a:solidFill>
+                <a:latin typeface="+mn-lt"/>
+                <a:ea typeface="+mn-ea"/>
+                <a:cs typeface="+mn-cs"/>
+              </a:defRPr>
+            </a:lvl4pPr>
+            <a:lvl5pPr marL="1828800" algn="l" defTabSz="914400" rtl="0" eaLnBrk="1" latinLnBrk="0" hangingPunct="1">
+              <a:defRPr sz="1800" kern="1200">
+                <a:solidFill>
+                  <a:schemeClr val="tx1"/>
+                </a:solidFill>
+                <a:latin typeface="+mn-lt"/>
+                <a:ea typeface="+mn-ea"/>
+                <a:cs typeface="+mn-cs"/>
+              </a:defRPr>
+            </a:lvl5pPr>
+            <a:lvl6pPr marL="2286000" algn="l" defTabSz="914400" rtl="0" eaLnBrk="1" latinLnBrk="0" hangingPunct="1">
+              <a:defRPr sz="1800" kern="1200">
+                <a:solidFill>
+                  <a:schemeClr val="tx1"/>
+                </a:solidFill>
+                <a:latin typeface="+mn-lt"/>
+                <a:ea typeface="+mn-ea"/>
+                <a:cs typeface="+mn-cs"/>
+              </a:defRPr>
+            </a:lvl6pPr>
+            <a:lvl7pPr marL="2743200" algn="l" defTabSz="914400" rtl="0" eaLnBrk="1" latinLnBrk="0" hangingPunct="1">
+              <a:defRPr sz="1800" kern="1200">
+                <a:solidFill>
+                  <a:schemeClr val="tx1"/>
+                </a:solidFill>
+                <a:latin typeface="+mn-lt"/>
+                <a:ea typeface="+mn-ea"/>
+                <a:cs typeface="+mn-cs"/>
+              </a:defRPr>
+            </a:lvl7pPr>
+            <a:lvl8pPr marL="3200400" algn="l" defTabSz="914400" rtl="0" eaLnBrk="1" latinLnBrk="0" hangingPunct="1">
+              <a:defRPr sz="1800" kern="1200">
+                <a:solidFill>
+                  <a:schemeClr val="tx1"/>
+                </a:solidFill>
+                <a:latin typeface="+mn-lt"/>
+                <a:ea typeface="+mn-ea"/>
+                <a:cs typeface="+mn-cs"/>
+              </a:defRPr>
+            </a:lvl8pPr>
+            <a:lvl9pPr marL="3657600" algn="l" defTabSz="914400" rtl="0" eaLnBrk="1" latinLnBrk="0" hangingPunct="1">
+              <a:defRPr sz="1800" kern="1200">
+                <a:solidFill>
+                  <a:schemeClr val="tx1"/>
+                </a:solidFill>
+                <a:latin typeface="+mn-lt"/>
+                <a:ea typeface="+mn-ea"/>
+                <a:cs typeface="+mn-cs"/>
+              </a:defRPr>
+            </a:lvl9pPr>
+          </a:lstStyle>
+          <a:p>
+            <a:r>
+              <a:rPr lang="en-US" sz="1400" b="1" dirty="0">
+                <a:ea typeface="黑体"/>
+                <a:cs typeface="Arial"/>
+              </a:rPr>
+              <a:t>Validation accuracy to iteration curve</a:t>
+            </a:r>
+            <a:endParaRPr lang="en-US" dirty="0"/>
+          </a:p>
+        </p:txBody>
+      </p:sp>
+      <p:sp>
+        <p:nvSpPr>
+          <p:cNvPr id="18" name="TextBox 23">
+            <a:extLst>
+              <a:ext uri="{FF2B5EF4-FFF2-40B4-BE49-F238E27FC236}">
+                <a16:creationId xmlns:a16="http://schemas.microsoft.com/office/drawing/2014/main" id="{99F0E95F-97EC-9434-91D6-871938E6ECCA}"/>
+              </a:ext>
+            </a:extLst>
+          </p:cNvPr>
+          <p:cNvSpPr txBox="1"/>
+          <p:nvPr/>
+        </p:nvSpPr>
+        <p:spPr>
+          <a:xfrm>
+            <a:off x="5319749" y="1249709"/>
+            <a:ext cx="4394496" cy="307777"/>
+          </a:xfrm>
+          <a:prstGeom prst="rect">
+            <a:avLst/>
+          </a:prstGeom>
+          <a:noFill/>
+        </p:spPr>
+        <p:txBody>
+          <a:bodyPr wrap="square" lIns="91440" tIns="45720" rIns="91440" bIns="45720" anchor="t">
+            <a:spAutoFit/>
+          </a:bodyPr>
+          <a:lstStyle>
+            <a:defPPr>
+              <a:defRPr lang="en-US"/>
+            </a:defPPr>
+            <a:lvl1pPr marL="0" algn="l" defTabSz="914400" rtl="0" eaLnBrk="1" latinLnBrk="0" hangingPunct="1">
+              <a:defRPr sz="1800" kern="1200">
+                <a:solidFill>
+                  <a:schemeClr val="tx1"/>
+                </a:solidFill>
+                <a:latin typeface="+mn-lt"/>
+                <a:ea typeface="+mn-ea"/>
+                <a:cs typeface="+mn-cs"/>
+              </a:defRPr>
+            </a:lvl1pPr>
+            <a:lvl2pPr marL="457200" algn="l" defTabSz="914400" rtl="0" eaLnBrk="1" latinLnBrk="0" hangingPunct="1">
+              <a:defRPr sz="1800" kern="1200">
+                <a:solidFill>
+                  <a:schemeClr val="tx1"/>
+                </a:solidFill>
+                <a:latin typeface="+mn-lt"/>
+                <a:ea typeface="+mn-ea"/>
+                <a:cs typeface="+mn-cs"/>
+              </a:defRPr>
+            </a:lvl2pPr>
+            <a:lvl3pPr marL="914400" algn="l" defTabSz="914400" rtl="0" eaLnBrk="1" latinLnBrk="0" hangingPunct="1">
+              <a:defRPr sz="1800" kern="1200">
+                <a:solidFill>
+                  <a:schemeClr val="tx1"/>
+                </a:solidFill>
+                <a:latin typeface="+mn-lt"/>
+                <a:ea typeface="+mn-ea"/>
+                <a:cs typeface="+mn-cs"/>
+              </a:defRPr>
+            </a:lvl3pPr>
+            <a:lvl4pPr marL="1371600" algn="l" defTabSz="914400" rtl="0" eaLnBrk="1" latinLnBrk="0" hangingPunct="1">
+              <a:defRPr sz="1800" kern="1200">
+                <a:solidFill>
+                  <a:schemeClr val="tx1"/>
+                </a:solidFill>
+                <a:latin typeface="+mn-lt"/>
+                <a:ea typeface="+mn-ea"/>
+                <a:cs typeface="+mn-cs"/>
+              </a:defRPr>
+            </a:lvl4pPr>
+            <a:lvl5pPr marL="1828800" algn="l" defTabSz="914400" rtl="0" eaLnBrk="1" latinLnBrk="0" hangingPunct="1">
+              <a:defRPr sz="1800" kern="1200">
+                <a:solidFill>
+                  <a:schemeClr val="tx1"/>
+                </a:solidFill>
+                <a:latin typeface="+mn-lt"/>
+                <a:ea typeface="+mn-ea"/>
+                <a:cs typeface="+mn-cs"/>
+              </a:defRPr>
+            </a:lvl5pPr>
+            <a:lvl6pPr marL="2286000" algn="l" defTabSz="914400" rtl="0" eaLnBrk="1" latinLnBrk="0" hangingPunct="1">
+              <a:defRPr sz="1800" kern="1200">
+                <a:solidFill>
+                  <a:schemeClr val="tx1"/>
+                </a:solidFill>
+                <a:latin typeface="+mn-lt"/>
+                <a:ea typeface="+mn-ea"/>
+                <a:cs typeface="+mn-cs"/>
+              </a:defRPr>
+            </a:lvl6pPr>
+            <a:lvl7pPr marL="2743200" algn="l" defTabSz="914400" rtl="0" eaLnBrk="1" latinLnBrk="0" hangingPunct="1">
+              <a:defRPr sz="1800" kern="1200">
+                <a:solidFill>
+                  <a:schemeClr val="tx1"/>
+                </a:solidFill>
+                <a:latin typeface="+mn-lt"/>
+                <a:ea typeface="+mn-ea"/>
+                <a:cs typeface="+mn-cs"/>
+              </a:defRPr>
+            </a:lvl7pPr>
+            <a:lvl8pPr marL="3200400" algn="l" defTabSz="914400" rtl="0" eaLnBrk="1" latinLnBrk="0" hangingPunct="1">
+              <a:defRPr sz="1800" kern="1200">
+                <a:solidFill>
+                  <a:schemeClr val="tx1"/>
+                </a:solidFill>
+                <a:latin typeface="+mn-lt"/>
+                <a:ea typeface="+mn-ea"/>
+                <a:cs typeface="+mn-cs"/>
+              </a:defRPr>
+            </a:lvl8pPr>
+            <a:lvl9pPr marL="3657600" algn="l" defTabSz="914400" rtl="0" eaLnBrk="1" latinLnBrk="0" hangingPunct="1">
+              <a:defRPr sz="1800" kern="1200">
+                <a:solidFill>
+                  <a:schemeClr val="tx1"/>
+                </a:solidFill>
+                <a:latin typeface="+mn-lt"/>
+                <a:ea typeface="+mn-ea"/>
+                <a:cs typeface="+mn-cs"/>
+              </a:defRPr>
+            </a:lvl9pPr>
+          </a:lstStyle>
+          <a:p>
+            <a:r>
+              <a:rPr lang="en-US" sz="1400" b="1" dirty="0">
+                <a:ea typeface="黑体"/>
+                <a:cs typeface="Arial"/>
+              </a:rPr>
+              <a:t>Final validation accuracy</a:t>
+            </a:r>
+            <a:endParaRPr lang="en-US" dirty="0"/>
+          </a:p>
+        </p:txBody>
+      </p:sp>
+      <p:sp>
+        <p:nvSpPr>
+          <p:cNvPr id="20" name="TextBox 23">
+            <a:extLst>
+              <a:ext uri="{FF2B5EF4-FFF2-40B4-BE49-F238E27FC236}">
+                <a16:creationId xmlns:a16="http://schemas.microsoft.com/office/drawing/2014/main" id="{E6F605A4-479B-25A6-BCEA-567E021CDB12}"/>
+              </a:ext>
+            </a:extLst>
+          </p:cNvPr>
+          <p:cNvSpPr txBox="1"/>
+          <p:nvPr/>
+        </p:nvSpPr>
+        <p:spPr>
+          <a:xfrm>
+            <a:off x="5434047" y="3558482"/>
+            <a:ext cx="4394496" cy="307777"/>
+          </a:xfrm>
+          <a:prstGeom prst="rect">
+            <a:avLst/>
+          </a:prstGeom>
+          <a:noFill/>
+        </p:spPr>
+        <p:txBody>
+          <a:bodyPr wrap="square" lIns="91440" tIns="45720" rIns="91440" bIns="45720" anchor="t">
+            <a:spAutoFit/>
+          </a:bodyPr>
+          <a:lstStyle>
+            <a:defPPr>
+              <a:defRPr lang="en-US"/>
+            </a:defPPr>
+            <a:lvl1pPr marL="0" algn="l" defTabSz="914400" rtl="0" eaLnBrk="1" latinLnBrk="0" hangingPunct="1">
+              <a:defRPr sz="1800" kern="1200">
+                <a:solidFill>
+                  <a:schemeClr val="tx1"/>
+                </a:solidFill>
+                <a:latin typeface="+mn-lt"/>
+                <a:ea typeface="+mn-ea"/>
+                <a:cs typeface="+mn-cs"/>
+              </a:defRPr>
+            </a:lvl1pPr>
+            <a:lvl2pPr marL="457200" algn="l" defTabSz="914400" rtl="0" eaLnBrk="1" latinLnBrk="0" hangingPunct="1">
+              <a:defRPr sz="1800" kern="1200">
+                <a:solidFill>
+                  <a:schemeClr val="tx1"/>
+                </a:solidFill>
+                <a:latin typeface="+mn-lt"/>
+                <a:ea typeface="+mn-ea"/>
+                <a:cs typeface="+mn-cs"/>
+              </a:defRPr>
+            </a:lvl2pPr>
+            <a:lvl3pPr marL="914400" algn="l" defTabSz="914400" rtl="0" eaLnBrk="1" latinLnBrk="0" hangingPunct="1">
+              <a:defRPr sz="1800" kern="1200">
+                <a:solidFill>
+                  <a:schemeClr val="tx1"/>
+                </a:solidFill>
+                <a:latin typeface="+mn-lt"/>
+                <a:ea typeface="+mn-ea"/>
+                <a:cs typeface="+mn-cs"/>
+              </a:defRPr>
+            </a:lvl3pPr>
+            <a:lvl4pPr marL="1371600" algn="l" defTabSz="914400" rtl="0" eaLnBrk="1" latinLnBrk="0" hangingPunct="1">
+              <a:defRPr sz="1800" kern="1200">
+                <a:solidFill>
+                  <a:schemeClr val="tx1"/>
+                </a:solidFill>
+                <a:latin typeface="+mn-lt"/>
+                <a:ea typeface="+mn-ea"/>
+                <a:cs typeface="+mn-cs"/>
+              </a:defRPr>
+            </a:lvl4pPr>
+            <a:lvl5pPr marL="1828800" algn="l" defTabSz="914400" rtl="0" eaLnBrk="1" latinLnBrk="0" hangingPunct="1">
+              <a:defRPr sz="1800" kern="1200">
+                <a:solidFill>
+                  <a:schemeClr val="tx1"/>
+                </a:solidFill>
+                <a:latin typeface="+mn-lt"/>
+                <a:ea typeface="+mn-ea"/>
+                <a:cs typeface="+mn-cs"/>
+              </a:defRPr>
+            </a:lvl5pPr>
+            <a:lvl6pPr marL="2286000" algn="l" defTabSz="914400" rtl="0" eaLnBrk="1" latinLnBrk="0" hangingPunct="1">
+              <a:defRPr sz="1800" kern="1200">
+                <a:solidFill>
+                  <a:schemeClr val="tx1"/>
+                </a:solidFill>
+                <a:latin typeface="+mn-lt"/>
+                <a:ea typeface="+mn-ea"/>
+                <a:cs typeface="+mn-cs"/>
+              </a:defRPr>
+            </a:lvl6pPr>
+            <a:lvl7pPr marL="2743200" algn="l" defTabSz="914400" rtl="0" eaLnBrk="1" latinLnBrk="0" hangingPunct="1">
+              <a:defRPr sz="1800" kern="1200">
+                <a:solidFill>
+                  <a:schemeClr val="tx1"/>
+                </a:solidFill>
+                <a:latin typeface="+mn-lt"/>
+                <a:ea typeface="+mn-ea"/>
+                <a:cs typeface="+mn-cs"/>
+              </a:defRPr>
+            </a:lvl7pPr>
+            <a:lvl8pPr marL="3200400" algn="l" defTabSz="914400" rtl="0" eaLnBrk="1" latinLnBrk="0" hangingPunct="1">
+              <a:defRPr sz="1800" kern="1200">
+                <a:solidFill>
+                  <a:schemeClr val="tx1"/>
+                </a:solidFill>
+                <a:latin typeface="+mn-lt"/>
+                <a:ea typeface="+mn-ea"/>
+                <a:cs typeface="+mn-cs"/>
+              </a:defRPr>
+            </a:lvl8pPr>
+            <a:lvl9pPr marL="3657600" algn="l" defTabSz="914400" rtl="0" eaLnBrk="1" latinLnBrk="0" hangingPunct="1">
+              <a:defRPr sz="1800" kern="1200">
+                <a:solidFill>
+                  <a:schemeClr val="tx1"/>
+                </a:solidFill>
+                <a:latin typeface="+mn-lt"/>
+                <a:ea typeface="+mn-ea"/>
+                <a:cs typeface="+mn-cs"/>
+              </a:defRPr>
+            </a:lvl9pPr>
+          </a:lstStyle>
+          <a:p>
+            <a:r>
+              <a:rPr lang="en-US" sz="1400" b="1" dirty="0">
+                <a:ea typeface="黑体"/>
+                <a:cs typeface="Arial"/>
+              </a:rPr>
+              <a:t>BERT-large on </a:t>
+            </a:r>
+            <a:r>
+              <a:rPr lang="en-US" sz="1400" b="1" dirty="0" err="1">
+                <a:ea typeface="黑体"/>
+                <a:cs typeface="Arial"/>
+              </a:rPr>
+              <a:t>SQuAD</a:t>
+            </a:r>
+            <a:r>
+              <a:rPr lang="en-US" sz="1400" b="1" dirty="0">
+                <a:ea typeface="黑体"/>
+                <a:cs typeface="Arial"/>
+              </a:rPr>
+              <a:t> benchmark</a:t>
+            </a:r>
+            <a:endParaRPr lang="en-US" dirty="0"/>
+          </a:p>
+        </p:txBody>
+      </p:sp>
+      <p:sp>
+        <p:nvSpPr>
+          <p:cNvPr id="21" name="文本框 20">
+            <a:extLst>
+              <a:ext uri="{FF2B5EF4-FFF2-40B4-BE49-F238E27FC236}">
+                <a16:creationId xmlns:a16="http://schemas.microsoft.com/office/drawing/2014/main" id="{EE2C7BEF-33BE-5629-7733-934F3C7764D2}"/>
+              </a:ext>
+            </a:extLst>
+          </p:cNvPr>
+          <p:cNvSpPr txBox="1"/>
+          <p:nvPr/>
+        </p:nvSpPr>
+        <p:spPr>
+          <a:xfrm>
+            <a:off x="9286757" y="1850819"/>
+            <a:ext cx="2780919" cy="1569660"/>
+          </a:xfrm>
+          <a:prstGeom prst="rect">
+            <a:avLst/>
+          </a:prstGeom>
+          <a:noFill/>
+        </p:spPr>
+        <p:txBody>
+          <a:bodyPr wrap="square">
+            <a:spAutoFit/>
+          </a:bodyPr>
+          <a:lstStyle/>
+          <a:p>
+            <a:pPr marL="285750" indent="-285750">
+              <a:buFont typeface="Arial" panose="020B0604020202020204" pitchFamily="34" charset="0"/>
+              <a:buChar char="•"/>
+            </a:pPr>
+            <a:r>
+              <a:rPr lang="en-US" altLang="zh-CN" sz="1600" dirty="0"/>
+              <a:t>COMPSO preserves convergence.</a:t>
+            </a:r>
+          </a:p>
+          <a:p>
+            <a:endParaRPr lang="en-US" altLang="zh-CN" sz="1600" dirty="0"/>
+          </a:p>
+          <a:p>
+            <a:pPr marL="285750" indent="-285750">
+              <a:buFont typeface="Arial" panose="020B0604020202020204" pitchFamily="34" charset="0"/>
+              <a:buChar char="•"/>
+            </a:pPr>
+            <a:r>
+              <a:rPr lang="en-US" altLang="zh-CN" sz="1600" dirty="0"/>
+              <a:t>SR preserves convergence better than RN.</a:t>
+            </a:r>
+            <a:endParaRPr lang="zh-CN" altLang="en-US" sz="1600" dirty="0"/>
+          </a:p>
+        </p:txBody>
+      </p:sp>
+    </p:spTree>
+    <p:extLst>
+      <p:ext uri="{BB962C8B-B14F-4D97-AF65-F5344CB8AC3E}">
+        <p14:creationId xmlns:p14="http://schemas.microsoft.com/office/powerpoint/2010/main" val="2400111329"/>
+      </p:ext>
+    </p:extLst>
+  </p:cSld>
+  <p:clrMapOvr>
+    <a:masterClrMapping/>
+  </p:clrMapOvr>
+</p:sld>
+</file>
+
+<file path=ppt/slides/slide14.xml><?xml version="1.0" encoding="utf-8"?>
 <p:sld xmlns:a="http://schemas.openxmlformats.org/drawingml/2006/main" xmlns:r="http://schemas.openxmlformats.org/officeDocument/2006/relationships" xmlns:p="http://schemas.openxmlformats.org/presentationml/2006/main">
   <p:cSld>
     <p:spTree>
@@ -6800,7 +9380,7 @@
         <p:spPr>
           <a:xfrm>
             <a:off x="6337986" y="1614355"/>
-            <a:ext cx="5541265" cy="3139321"/>
+            <a:ext cx="5541265" cy="3970318"/>
           </a:xfrm>
           <a:prstGeom prst="rect">
             <a:avLst/>
@@ -6908,8 +9488,8 @@
           </a:lstStyle>
           <a:p>
             <a:pPr marL="285750" indent="-285750">
-              <a:buFont typeface="Arial" panose="020B0604020202020204" pitchFamily="34" charset="0"/>
-              <a:buChar char="•"/>
+              <a:buFont typeface="Wingdings" pitchFamily="2" charset="2"/>
+              <a:buChar char="Ø"/>
             </a:pPr>
             <a:r>
               <a:rPr lang="en-US" dirty="0"/>
@@ -6923,6 +9503,27 @@
               <a:rPr lang="en-US" dirty="0"/>
               <a:t> our performance model tuning,</a:t>
             </a:r>
+          </a:p>
+          <a:p>
+            <a:pPr marL="285750" indent="-285750">
+              <a:buFont typeface="Wingdings" pitchFamily="2" charset="2"/>
+              <a:buChar char="Ø"/>
+            </a:pPr>
+            <a:r>
+              <a:rPr lang="en-US" dirty="0"/>
+              <a:t>COMPSO-p is the performance </a:t>
+            </a:r>
+            <a:r>
+              <a:rPr lang="en-US" i="1" dirty="0"/>
+              <a:t>with</a:t>
+            </a:r>
+            <a:r>
+              <a:rPr lang="en-US" dirty="0"/>
+              <a:t> our performance model tuning.</a:t>
+            </a:r>
+          </a:p>
+          <a:p>
+            <a:endParaRPr lang="en-US" dirty="0"/>
           </a:p>
           <a:p>
             <a:pPr marL="285750" indent="-285750">
@@ -6931,15 +9532,15 @@
             </a:pPr>
             <a:r>
               <a:rPr lang="en-US" dirty="0"/>
-              <a:t>COMPSO-p is the performance </a:t>
-            </a:r>
-            <a:r>
-              <a:rPr lang="en-US" i="1" dirty="0"/>
-              <a:t>with</a:t>
+              <a:t>Up to </a:t>
+            </a:r>
+            <a:r>
+              <a:rPr lang="en-US" b="1" dirty="0"/>
+              <a:t>1.9x</a:t>
             </a:r>
             <a:r>
               <a:rPr lang="en-US" dirty="0"/>
-              <a:t> our performance model tuning. </a:t>
+              <a:t> speedup over QSGD.</a:t>
             </a:r>
           </a:p>
           <a:p>
@@ -6959,7 +9560,31 @@
             </a:pPr>
             <a:r>
               <a:rPr lang="en-US" altLang="zh-CN" dirty="0"/>
-              <a:t>COMPSO outperforms baselines because of (1) higher compression ratio, (2) layer aggregation mechanism, (3) Efficient GPU implementation, and (4) Efficient encoder selection.</a:t>
+              <a:t>COMPSO outperforms baselines because </a:t>
+            </a:r>
+          </a:p>
+          <a:p>
+            <a:r>
+              <a:rPr lang="en-US" altLang="zh-CN" dirty="0"/>
+              <a:t>     (1) Higher compression ratio, </a:t>
+            </a:r>
+          </a:p>
+          <a:p>
+            <a:r>
+              <a:rPr lang="en-US" altLang="zh-CN" dirty="0"/>
+              <a:t>     (2) Layer aggregation mechanism, </a:t>
+            </a:r>
+          </a:p>
+          <a:p>
+            <a:r>
+              <a:rPr lang="en-US" altLang="zh-CN" dirty="0"/>
+              <a:t>     (3) Efficient GPU implementation,</a:t>
+            </a:r>
+          </a:p>
+          <a:p>
+            <a:r>
+              <a:rPr lang="en-US" altLang="zh-CN" dirty="0"/>
+              <a:t>     (4) Selecting the efficient encoder.</a:t>
             </a:r>
           </a:p>
           <a:p>
@@ -6991,7 +9616,361 @@
 </p:sld>
 </file>
 
-<file path=ppt/slides/slide13.xml><?xml version="1.0" encoding="utf-8"?>
+<file path=ppt/slides/slide15.xml><?xml version="1.0" encoding="utf-8"?>
+<p:sld xmlns:a="http://schemas.openxmlformats.org/drawingml/2006/main" xmlns:r="http://schemas.openxmlformats.org/officeDocument/2006/relationships" xmlns:p="http://schemas.openxmlformats.org/presentationml/2006/main">
+  <p:cSld>
+    <p:spTree>
+      <p:nvGrpSpPr>
+        <p:cNvPr id="1" name="">
+          <a:extLst>
+            <a:ext uri="{FF2B5EF4-FFF2-40B4-BE49-F238E27FC236}">
+              <a16:creationId xmlns:a16="http://schemas.microsoft.com/office/drawing/2014/main" id="{A16FD9E9-C18D-691F-96AC-CF291668D079}"/>
+            </a:ext>
+          </a:extLst>
+        </p:cNvPr>
+        <p:cNvGrpSpPr/>
+        <p:nvPr/>
+      </p:nvGrpSpPr>
+      <p:grpSpPr>
+        <a:xfrm>
+          <a:off x="0" y="0"/>
+          <a:ext cx="0" cy="0"/>
+          <a:chOff x="0" y="0"/>
+          <a:chExt cx="0" cy="0"/>
+        </a:xfrm>
+      </p:grpSpPr>
+      <p:cxnSp>
+        <p:nvCxnSpPr>
+          <p:cNvPr id="8" name="Straight Connector 7">
+            <a:extLst>
+              <a:ext uri="{FF2B5EF4-FFF2-40B4-BE49-F238E27FC236}">
+                <a16:creationId xmlns:a16="http://schemas.microsoft.com/office/drawing/2014/main" id="{33EBE0E8-D443-1766-0EC2-2BA2E3975DE3}"/>
+              </a:ext>
+            </a:extLst>
+          </p:cNvPr>
+          <p:cNvCxnSpPr/>
+          <p:nvPr/>
+        </p:nvCxnSpPr>
+        <p:spPr>
+          <a:xfrm>
+            <a:off x="432486" y="1136076"/>
+            <a:ext cx="11383652" cy="0"/>
+          </a:xfrm>
+          <a:prstGeom prst="line">
+            <a:avLst/>
+          </a:prstGeom>
+          <a:ln w="15875">
+            <a:solidFill>
+              <a:srgbClr val="841F19"/>
+            </a:solidFill>
+          </a:ln>
+        </p:spPr>
+        <p:style>
+          <a:lnRef idx="1">
+            <a:schemeClr val="accent1"/>
+          </a:lnRef>
+          <a:fillRef idx="0">
+            <a:schemeClr val="accent1"/>
+          </a:fillRef>
+          <a:effectRef idx="0">
+            <a:schemeClr val="accent1"/>
+          </a:effectRef>
+          <a:fontRef idx="minor">
+            <a:schemeClr val="tx1"/>
+          </a:fontRef>
+        </p:style>
+      </p:cxnSp>
+      <p:sp>
+        <p:nvSpPr>
+          <p:cNvPr id="13" name="Google Shape;380;p40">
+            <a:extLst>
+              <a:ext uri="{FF2B5EF4-FFF2-40B4-BE49-F238E27FC236}">
+                <a16:creationId xmlns:a16="http://schemas.microsoft.com/office/drawing/2014/main" id="{344E4F97-A1B5-DFA5-A6E7-E28A85B055E2}"/>
+              </a:ext>
+            </a:extLst>
+          </p:cNvPr>
+          <p:cNvSpPr txBox="1"/>
+          <p:nvPr/>
+        </p:nvSpPr>
+        <p:spPr>
+          <a:xfrm>
+            <a:off x="505796" y="571906"/>
+            <a:ext cx="9561150" cy="553957"/>
+          </a:xfrm>
+          <a:prstGeom prst="rect">
+            <a:avLst/>
+          </a:prstGeom>
+          <a:noFill/>
+          <a:ln>
+            <a:noFill/>
+          </a:ln>
+        </p:spPr>
+        <p:txBody>
+          <a:bodyPr spcFirstLastPara="1" wrap="square" lIns="91425" tIns="45700" rIns="91425" bIns="45700" anchor="t" anchorCtr="0">
+            <a:spAutoFit/>
+          </a:bodyPr>
+          <a:lstStyle/>
+          <a:p>
+            <a:pPr>
+              <a:defRPr/>
+            </a:pPr>
+            <a:r>
+              <a:rPr lang="en-US" sz="3000" b="1" dirty="0">
+                <a:solidFill>
+                  <a:srgbClr val="000000"/>
+                </a:solidFill>
+                <a:cs typeface="Arial"/>
+              </a:rPr>
+              <a:t>Contributions</a:t>
+            </a:r>
+            <a:endParaRPr lang="en-US" dirty="0">
+              <a:ea typeface="+mn-ea"/>
+              <a:cs typeface="+mn-cs"/>
+            </a:endParaRPr>
+          </a:p>
+        </p:txBody>
+      </p:sp>
+      <p:sp>
+        <p:nvSpPr>
+          <p:cNvPr id="4" name="TextBox 23">
+            <a:extLst>
+              <a:ext uri="{FF2B5EF4-FFF2-40B4-BE49-F238E27FC236}">
+                <a16:creationId xmlns:a16="http://schemas.microsoft.com/office/drawing/2014/main" id="{4C668A88-0344-D5A4-F402-F8FD1B87BF93}"/>
+              </a:ext>
+            </a:extLst>
+          </p:cNvPr>
+          <p:cNvSpPr txBox="1"/>
+          <p:nvPr/>
+        </p:nvSpPr>
+        <p:spPr>
+          <a:xfrm>
+            <a:off x="432486" y="1257545"/>
+            <a:ext cx="9330946" cy="3780458"/>
+          </a:xfrm>
+          <a:prstGeom prst="rect">
+            <a:avLst/>
+          </a:prstGeom>
+          <a:noFill/>
+        </p:spPr>
+        <p:txBody>
+          <a:bodyPr wrap="square" lIns="91440" tIns="45720" rIns="91440" bIns="45720" anchor="t">
+            <a:spAutoFit/>
+          </a:bodyPr>
+          <a:lstStyle>
+            <a:defPPr>
+              <a:defRPr lang="en-US"/>
+            </a:defPPr>
+            <a:lvl1pPr marL="0" algn="l" defTabSz="914400" rtl="0" eaLnBrk="1" latinLnBrk="0" hangingPunct="1">
+              <a:defRPr sz="1800" kern="1200">
+                <a:solidFill>
+                  <a:schemeClr val="tx1"/>
+                </a:solidFill>
+                <a:latin typeface="+mn-lt"/>
+                <a:ea typeface="+mn-ea"/>
+                <a:cs typeface="+mn-cs"/>
+              </a:defRPr>
+            </a:lvl1pPr>
+            <a:lvl2pPr marL="457200" algn="l" defTabSz="914400" rtl="0" eaLnBrk="1" latinLnBrk="0" hangingPunct="1">
+              <a:defRPr sz="1800" kern="1200">
+                <a:solidFill>
+                  <a:schemeClr val="tx1"/>
+                </a:solidFill>
+                <a:latin typeface="+mn-lt"/>
+                <a:ea typeface="+mn-ea"/>
+                <a:cs typeface="+mn-cs"/>
+              </a:defRPr>
+            </a:lvl2pPr>
+            <a:lvl3pPr marL="914400" algn="l" defTabSz="914400" rtl="0" eaLnBrk="1" latinLnBrk="0" hangingPunct="1">
+              <a:defRPr sz="1800" kern="1200">
+                <a:solidFill>
+                  <a:schemeClr val="tx1"/>
+                </a:solidFill>
+                <a:latin typeface="+mn-lt"/>
+                <a:ea typeface="+mn-ea"/>
+                <a:cs typeface="+mn-cs"/>
+              </a:defRPr>
+            </a:lvl3pPr>
+            <a:lvl4pPr marL="1371600" algn="l" defTabSz="914400" rtl="0" eaLnBrk="1" latinLnBrk="0" hangingPunct="1">
+              <a:defRPr sz="1800" kern="1200">
+                <a:solidFill>
+                  <a:schemeClr val="tx1"/>
+                </a:solidFill>
+                <a:latin typeface="+mn-lt"/>
+                <a:ea typeface="+mn-ea"/>
+                <a:cs typeface="+mn-cs"/>
+              </a:defRPr>
+            </a:lvl4pPr>
+            <a:lvl5pPr marL="1828800" algn="l" defTabSz="914400" rtl="0" eaLnBrk="1" latinLnBrk="0" hangingPunct="1">
+              <a:defRPr sz="1800" kern="1200">
+                <a:solidFill>
+                  <a:schemeClr val="tx1"/>
+                </a:solidFill>
+                <a:latin typeface="+mn-lt"/>
+                <a:ea typeface="+mn-ea"/>
+                <a:cs typeface="+mn-cs"/>
+              </a:defRPr>
+            </a:lvl5pPr>
+            <a:lvl6pPr marL="2286000" algn="l" defTabSz="914400" rtl="0" eaLnBrk="1" latinLnBrk="0" hangingPunct="1">
+              <a:defRPr sz="1800" kern="1200">
+                <a:solidFill>
+                  <a:schemeClr val="tx1"/>
+                </a:solidFill>
+                <a:latin typeface="+mn-lt"/>
+                <a:ea typeface="+mn-ea"/>
+                <a:cs typeface="+mn-cs"/>
+              </a:defRPr>
+            </a:lvl6pPr>
+            <a:lvl7pPr marL="2743200" algn="l" defTabSz="914400" rtl="0" eaLnBrk="1" latinLnBrk="0" hangingPunct="1">
+              <a:defRPr sz="1800" kern="1200">
+                <a:solidFill>
+                  <a:schemeClr val="tx1"/>
+                </a:solidFill>
+                <a:latin typeface="+mn-lt"/>
+                <a:ea typeface="+mn-ea"/>
+                <a:cs typeface="+mn-cs"/>
+              </a:defRPr>
+            </a:lvl7pPr>
+            <a:lvl8pPr marL="3200400" algn="l" defTabSz="914400" rtl="0" eaLnBrk="1" latinLnBrk="0" hangingPunct="1">
+              <a:defRPr sz="1800" kern="1200">
+                <a:solidFill>
+                  <a:schemeClr val="tx1"/>
+                </a:solidFill>
+                <a:latin typeface="+mn-lt"/>
+                <a:ea typeface="+mn-ea"/>
+                <a:cs typeface="+mn-cs"/>
+              </a:defRPr>
+            </a:lvl8pPr>
+            <a:lvl9pPr marL="3657600" algn="l" defTabSz="914400" rtl="0" eaLnBrk="1" latinLnBrk="0" hangingPunct="1">
+              <a:defRPr sz="1800" kern="1200">
+                <a:solidFill>
+                  <a:schemeClr val="tx1"/>
+                </a:solidFill>
+                <a:latin typeface="+mn-lt"/>
+                <a:ea typeface="+mn-ea"/>
+                <a:cs typeface="+mn-cs"/>
+              </a:defRPr>
+            </a:lvl9pPr>
+          </a:lstStyle>
+          <a:p>
+            <a:pPr marL="342900" indent="-342900">
+              <a:lnSpc>
+                <a:spcPct val="150000"/>
+              </a:lnSpc>
+              <a:buFont typeface="+mj-lt"/>
+              <a:buAutoNum type="arabicPeriod"/>
+            </a:pPr>
+            <a:r>
+              <a:rPr lang="en-US" dirty="0"/>
+              <a:t>Analysis on the impact of quantization methods on KFAC convergence and integrate the most suitable in our new compression algorithm.</a:t>
+            </a:r>
+          </a:p>
+          <a:p>
+            <a:pPr marL="342900" indent="-342900">
+              <a:lnSpc>
+                <a:spcPct val="150000"/>
+              </a:lnSpc>
+              <a:buFont typeface="+mj-lt"/>
+              <a:buAutoNum type="arabicPeriod"/>
+            </a:pPr>
+            <a:r>
+              <a:rPr lang="en-US" dirty="0"/>
+              <a:t>Design of a novel compression algorithm for KFAC.</a:t>
+            </a:r>
+          </a:p>
+          <a:p>
+            <a:pPr marL="800100" lvl="1" indent="-342900">
+              <a:lnSpc>
+                <a:spcPct val="150000"/>
+              </a:lnSpc>
+              <a:buFont typeface="+mj-lt"/>
+              <a:buAutoNum type="alphaLcParenR"/>
+            </a:pPr>
+            <a:r>
+              <a:rPr lang="en-US" dirty="0"/>
+              <a:t>Error-bounded scheme.</a:t>
+            </a:r>
+          </a:p>
+          <a:p>
+            <a:pPr marL="800100" lvl="1" indent="-342900">
+              <a:lnSpc>
+                <a:spcPct val="150000"/>
+              </a:lnSpc>
+              <a:buFont typeface="+mj-lt"/>
+              <a:buAutoNum type="alphaLcParenR"/>
+            </a:pPr>
+            <a:r>
+              <a:rPr lang="en-US" dirty="0"/>
+              <a:t>Adaptive mechanism.</a:t>
+            </a:r>
+          </a:p>
+          <a:p>
+            <a:pPr marL="342900" indent="-342900">
+              <a:lnSpc>
+                <a:spcPct val="150000"/>
+              </a:lnSpc>
+              <a:buFont typeface="+mj-lt"/>
+              <a:buAutoNum type="arabicPeriod"/>
+            </a:pPr>
+            <a:r>
+              <a:rPr lang="en-US" dirty="0"/>
+              <a:t>Design of a performance model. </a:t>
+            </a:r>
+          </a:p>
+          <a:p>
+            <a:pPr marL="800100" lvl="1" indent="-342900">
+              <a:lnSpc>
+                <a:spcPct val="150000"/>
+              </a:lnSpc>
+              <a:buFont typeface="+mj-lt"/>
+              <a:buAutoNum type="alphaLcParenR"/>
+            </a:pPr>
+            <a:r>
+              <a:rPr lang="en-US" dirty="0"/>
+              <a:t>Guarantees end-to-end performance improvement.</a:t>
+            </a:r>
+          </a:p>
+          <a:p>
+            <a:pPr marL="800100" lvl="1" indent="-342900">
+              <a:lnSpc>
+                <a:spcPct val="150000"/>
+              </a:lnSpc>
+              <a:buFont typeface="+mj-lt"/>
+              <a:buAutoNum type="alphaLcParenR"/>
+            </a:pPr>
+            <a:r>
+              <a:rPr lang="en-US" dirty="0"/>
+              <a:t>Formulates the adaptive compression and layer aggregation mechanism.</a:t>
+            </a:r>
+          </a:p>
+          <a:p>
+            <a:pPr marL="342900" indent="-342900">
+              <a:lnSpc>
+                <a:spcPct val="150000"/>
+              </a:lnSpc>
+              <a:buFont typeface="+mj-lt"/>
+              <a:buAutoNum type="arabicPeriod"/>
+            </a:pPr>
+            <a:r>
+              <a:rPr lang="en-US" dirty="0"/>
+              <a:t>Implementation of GPU optimizations to minimize (de-)compression overheads.</a:t>
+            </a:r>
+          </a:p>
+        </p:txBody>
+      </p:sp>
+    </p:spTree>
+    <p:extLst>
+      <p:ext uri="{BB962C8B-B14F-4D97-AF65-F5344CB8AC3E}">
+        <p14:creationId xmlns:p14="http://schemas.microsoft.com/office/powerpoint/2010/main" val="2087133390"/>
+      </p:ext>
+    </p:extLst>
+  </p:cSld>
+  <p:clrMapOvr>
+    <a:masterClrMapping/>
+  </p:clrMapOvr>
+</p:sld>
+</file>
+
+<file path=ppt/slides/slide16.xml><?xml version="1.0" encoding="utf-8"?>
 <p:sld xmlns:a="http://schemas.openxmlformats.org/drawingml/2006/main" xmlns:r="http://schemas.openxmlformats.org/officeDocument/2006/relationships" xmlns:p="http://schemas.openxmlformats.org/presentationml/2006/main">
   <p:cSld>
     <p:spTree>
@@ -7010,10 +9989,10 @@
       </p:grpSpPr>
       <p:sp>
         <p:nvSpPr>
-          <p:cNvPr id="3" name="TextBox 2">
+          <p:cNvPr id="2" name="文本框 1">
             <a:extLst>
               <a:ext uri="{FF2B5EF4-FFF2-40B4-BE49-F238E27FC236}">
-                <a16:creationId xmlns:a16="http://schemas.microsoft.com/office/drawing/2014/main" id="{B20C5BE2-077F-AB1A-3156-A65F8F768D25}"/>
+                <a16:creationId xmlns:a16="http://schemas.microsoft.com/office/drawing/2014/main" id="{AEA25BED-45AE-9134-0D0C-E64002FE4F09}"/>
               </a:ext>
             </a:extLst>
           </p:cNvPr>
@@ -7022,8 +10001,8 @@
         </p:nvSpPr>
         <p:spPr>
           <a:xfrm>
-            <a:off x="3118624" y="2751892"/>
-            <a:ext cx="5954751" cy="707886"/>
+            <a:off x="1317521" y="2654710"/>
+            <a:ext cx="10520517" cy="923330"/>
           </a:xfrm>
           <a:prstGeom prst="rect">
             <a:avLst/>
@@ -7036,15 +10015,19 @@
           </a:bodyPr>
           <a:lstStyle/>
           <a:p>
-            <a:pPr algn="ctr"/>
-            <a:r>
-              <a:rPr lang="en-US" sz="4000" b="1">
+            <a:r>
+              <a:rPr kumimoji="1" lang="en-US" altLang="zh-CN" sz="5400" b="1" dirty="0">
                 <a:solidFill>
                   <a:schemeClr val="bg1"/>
                 </a:solidFill>
               </a:rPr>
-              <a:t>Thank You!</a:t>
-            </a:r>
+              <a:t>Questions and Comments</a:t>
+            </a:r>
+            <a:endParaRPr kumimoji="1" lang="zh-CN" altLang="en-US" sz="5400" b="1" dirty="0">
+              <a:solidFill>
+                <a:schemeClr val="bg1"/>
+              </a:solidFill>
+            </a:endParaRPr>
           </a:p>
         </p:txBody>
       </p:sp>
@@ -7233,42 +10216,42 @@
                 <a:defRPr/>
               </a:pPr>
               <a:r>
-                <a:rPr lang="en-US" b="1">
+                <a:rPr lang="en-US" b="1" dirty="0">
                   <a:cs typeface="Arial"/>
                 </a:rPr>
-                <a:t>Why Second-Order Optimizers and</a:t>
+                <a:t>Why Using Second-Order Optimizers and</a:t>
               </a:r>
               <a:r>
-                <a:rPr lang="zh-CN" altLang="en-US" b="1">
+                <a:rPr lang="zh-CN" altLang="en-US" b="1" dirty="0">
                   <a:cs typeface="Arial"/>
                 </a:rPr>
                 <a:t> </a:t>
               </a:r>
               <a:r>
-                <a:rPr lang="en-US" altLang="zh-CN" b="1">
+                <a:rPr lang="en-US" altLang="zh-CN" b="1" dirty="0">
                   <a:cs typeface="Arial"/>
                 </a:rPr>
-                <a:t>Why</a:t>
+                <a:t>What’s</a:t>
               </a:r>
               <a:r>
-                <a:rPr lang="zh-CN" altLang="en-US" b="1">
+                <a:rPr lang="zh-CN" altLang="en-US" b="1" dirty="0">
                   <a:cs typeface="Arial"/>
                 </a:rPr>
                 <a:t> </a:t>
               </a:r>
               <a:r>
-                <a:rPr lang="en-US" altLang="zh-CN" b="1">
+                <a:rPr lang="en-US" altLang="zh-CN" b="1" dirty="0">
                   <a:cs typeface="Arial"/>
                 </a:rPr>
                 <a:t>Challenging</a:t>
               </a:r>
               <a:r>
-                <a:rPr lang="en-US" b="1">
+                <a:rPr lang="en-US" b="1" dirty="0">
                   <a:cs typeface="Arial"/>
                 </a:rPr>
                 <a:t>?</a:t>
               </a:r>
-              <a:endParaRPr lang="en-US"/>
+              <a:endParaRPr lang="en-US" dirty="0"/>
             </a:p>
           </p:txBody>
         </p:sp>
@@ -7492,7 +10475,7 @@
         </p:blipFill>
         <p:spPr>
           <a:xfrm>
-            <a:off x="7316454" y="1199840"/>
+            <a:off x="7545329" y="1234806"/>
             <a:ext cx="2825439" cy="1320079"/>
           </a:xfrm>
           <a:prstGeom prst="rect">
@@ -7515,9 +10498,9 @@
         <p:grpSpPr>
           <a:xfrm>
             <a:off x="327557" y="2505293"/>
-            <a:ext cx="7457126" cy="2150535"/>
+            <a:ext cx="7457126" cy="1925732"/>
             <a:chOff x="329776" y="1207929"/>
-            <a:chExt cx="8185538" cy="2150535"/>
+            <a:chExt cx="8185538" cy="1925732"/>
           </a:xfrm>
         </p:grpSpPr>
         <p:sp>
@@ -7580,8 +10563,8 @@
           </p:nvSpPr>
           <p:spPr>
             <a:xfrm>
-              <a:off x="587920" y="1542582"/>
-              <a:ext cx="5843137" cy="1815882"/>
+              <a:off x="525425" y="1317779"/>
+              <a:ext cx="6809821" cy="1815882"/>
             </a:xfrm>
             <a:prstGeom prst="rect">
               <a:avLst/>
@@ -7597,13 +10580,10 @@
               <a:pPr>
                 <a:defRPr/>
               </a:pPr>
-              <a:r>
-                <a:rPr lang="en-US" sz="1600" b="1">
-                  <a:ea typeface="宋体"/>
-                  <a:cs typeface="+mn-lt"/>
-                </a:rPr>
-                <a:t>Computation Parallelism</a:t>
-              </a:r>
+              <a:endParaRPr lang="en-US" sz="1600" b="1" dirty="0">
+                <a:ea typeface="宋体"/>
+                <a:cs typeface="+mn-lt"/>
+              </a:endParaRPr>
             </a:p>
             <a:p>
               <a:pPr marL="285750" indent="-285750">
@@ -7612,13 +10592,27 @@
                 <a:defRPr/>
               </a:pPr>
               <a:r>
-                <a:rPr lang="en-US" sz="1600">
+                <a:rPr lang="en-US" sz="1600" dirty="0">
                   <a:ea typeface="宋体"/>
                   <a:cs typeface="+mn-lt"/>
                 </a:rPr>
-                <a:t>Distribute large mini-batches via data parallelism.</a:t>
+                <a:t>Distribute large mini-batches via </a:t>
               </a:r>
-              <a:endParaRPr lang="en-US" sz="1600"/>
+              <a:r>
+                <a:rPr lang="en-US" sz="1600" b="1" dirty="0">
+                  <a:ea typeface="宋体"/>
+                  <a:cs typeface="+mn-lt"/>
+                </a:rPr>
+                <a:t>data parallelism</a:t>
+              </a:r>
+              <a:r>
+                <a:rPr lang="en-US" sz="1600" dirty="0">
+                  <a:ea typeface="宋体"/>
+                  <a:cs typeface="+mn-lt"/>
+                </a:rPr>
+                <a:t>.</a:t>
+              </a:r>
+              <a:endParaRPr lang="en-US" sz="1600" dirty="0"/>
             </a:p>
             <a:p>
               <a:pPr marL="285750" indent="-285750">
@@ -7627,13 +10621,27 @@
                 <a:defRPr/>
               </a:pPr>
               <a:r>
-                <a:rPr lang="en-US" sz="1600">
+                <a:rPr lang="en-US" sz="1600" dirty="0">
                   <a:ea typeface="宋体"/>
                   <a:cs typeface="+mn-lt"/>
                 </a:rPr>
-                <a:t>Layer wise parallel computation via model parallelism.</a:t>
+                <a:t>Layer wise parallel computation via </a:t>
               </a:r>
-              <a:endParaRPr lang="en-US" sz="1600">
+              <a:r>
+                <a:rPr lang="en-US" sz="1600" b="1" dirty="0">
+                  <a:ea typeface="宋体"/>
+                  <a:cs typeface="+mn-lt"/>
+                </a:rPr>
+                <a:t>computation parallelism</a:t>
+              </a:r>
+              <a:r>
+                <a:rPr lang="en-US" sz="1600" dirty="0">
+                  <a:ea typeface="宋体"/>
+                  <a:cs typeface="+mn-lt"/>
+                </a:rPr>
+                <a:t>.</a:t>
+              </a:r>
+              <a:endParaRPr lang="en-US" sz="1600" dirty="0">
                 <a:ea typeface="+mn-lt"/>
                 <a:cs typeface="+mn-lt"/>
               </a:endParaRPr>
@@ -7645,11 +10653,25 @@
                 <a:defRPr/>
               </a:pPr>
               <a:r>
-                <a:rPr lang="en-US" sz="1600">
+                <a:rPr lang="en-US" sz="1600" dirty="0">
                   <a:ea typeface="宋体"/>
                   <a:cs typeface="+mn-lt"/>
                 </a:rPr>
-                <a:t>More accurate weight update via data parallelism.</a:t>
+                <a:t>More accurate weight update via </a:t>
+              </a:r>
+              <a:r>
+                <a:rPr lang="en-US" sz="1600" b="1" dirty="0">
+                  <a:ea typeface="宋体"/>
+                  <a:cs typeface="+mn-lt"/>
+                </a:rPr>
+                <a:t>data parallelism</a:t>
+              </a:r>
+              <a:r>
+                <a:rPr lang="en-US" sz="1600" dirty="0">
+                  <a:ea typeface="宋体"/>
+                  <a:cs typeface="+mn-lt"/>
+                </a:rPr>
+                <a:t>.</a:t>
               </a:r>
             </a:p>
             <a:p>
@@ -7658,7 +10680,7 @@
                 <a:buChar char="•"/>
                 <a:defRPr/>
               </a:pPr>
-              <a:endParaRPr lang="en-US" sz="1600">
+              <a:endParaRPr lang="en-US" sz="1600" dirty="0">
                 <a:ea typeface="宋体"/>
                 <a:cs typeface="+mn-lt"/>
               </a:endParaRPr>
@@ -7669,7 +10691,7 @@
                 <a:buChar char="•"/>
                 <a:defRPr/>
               </a:pPr>
-              <a:endParaRPr lang="en-US" sz="1600">
+              <a:endParaRPr lang="en-US" sz="1600" dirty="0">
                 <a:ea typeface="宋体"/>
                 <a:cs typeface="+mn-lt"/>
               </a:endParaRPr>
@@ -7680,7 +10702,7 @@
                 <a:buChar char="•"/>
                 <a:defRPr/>
               </a:pPr>
-              <a:endParaRPr lang="en-US" sz="1600">
+              <a:endParaRPr lang="en-US" sz="1600" dirty="0">
                 <a:ea typeface="宋体"/>
                 <a:cs typeface="+mn-lt"/>
               </a:endParaRPr>
@@ -7702,8 +10724,8 @@
         </p:nvSpPr>
         <p:spPr>
           <a:xfrm>
-            <a:off x="7726335" y="5504271"/>
-            <a:ext cx="2644433" cy="307777"/>
+            <a:off x="7777333" y="5414147"/>
+            <a:ext cx="4038805" cy="307777"/>
           </a:xfrm>
           <a:prstGeom prst="rect">
             <a:avLst/>
@@ -7717,14 +10739,34 @@
           <a:lstStyle/>
           <a:p>
             <a:r>
-              <a:rPr lang="en-US" altLang="zh-CN" sz="1400" b="1" dirty="0">
+              <a:rPr lang="en-US" altLang="zh-CN" sz="1400" b="1" dirty="0" err="1">
                 <a:solidFill>
                   <a:srgbClr val="FF0000"/>
                 </a:solidFill>
                 <a:ea typeface="黑体"/>
                 <a:cs typeface="Arial"/>
               </a:rPr>
-              <a:t>Broadcast takes up to 50%</a:t>
+              <a:t>Allgather</a:t>
+            </a:r>
+            <a:r>
+              <a:rPr lang="en-US" altLang="zh-CN" sz="1400" b="1" dirty="0">
+                <a:solidFill>
+                  <a:srgbClr val="FF0000"/>
+                </a:solidFill>
+                <a:ea typeface="黑体"/>
+                <a:cs typeface="Arial"/>
+              </a:rPr>
+              <a:t> </a:t>
+            </a:r>
+            <a:r>
+              <a:rPr lang="en-US" altLang="zh-CN" sz="1400" b="1">
+                <a:solidFill>
+                  <a:srgbClr val="FF0000"/>
+                </a:solidFill>
+                <a:ea typeface="黑体"/>
+                <a:cs typeface="Arial"/>
+              </a:rPr>
+              <a:t>takes 30% to 50%</a:t>
             </a:r>
             <a:endParaRPr lang="en-US" b="1" dirty="0">
               <a:solidFill>
@@ -7748,7 +10790,7 @@
         </p:nvSpPr>
         <p:spPr>
           <a:xfrm>
-            <a:off x="10043393" y="1299421"/>
+            <a:off x="10370768" y="1197754"/>
             <a:ext cx="1721069" cy="830997"/>
           </a:xfrm>
           <a:prstGeom prst="rect">
@@ -7763,36 +10805,36 @@
           <a:lstStyle/>
           <a:p>
             <a:r>
-              <a:rPr lang="en-US" altLang="zh-CN" sz="1200">
+              <a:rPr lang="en-US" altLang="zh-CN" sz="1200" dirty="0">
                 <a:ea typeface="+mn-lt"/>
                 <a:cs typeface="+mn-lt"/>
               </a:rPr>
               <a:t>Resnet32 on Cifar10, K-FAC uses </a:t>
             </a:r>
             <a:r>
-              <a:rPr lang="en-US" altLang="zh-CN" sz="1200" b="1">
+              <a:rPr lang="en-US" altLang="zh-CN" sz="1200" b="1" dirty="0">
                 <a:ea typeface="+mn-lt"/>
                 <a:cs typeface="+mn-lt"/>
               </a:rPr>
               <a:t>50-75</a:t>
             </a:r>
             <a:r>
-              <a:rPr lang="en-US" altLang="zh-CN" sz="1200">
+              <a:rPr lang="en-US" altLang="zh-CN" sz="1200" dirty="0">
                 <a:ea typeface="+mn-lt"/>
                 <a:cs typeface="+mn-lt"/>
               </a:rPr>
               <a:t> less epochs than SGD-based method</a:t>
             </a:r>
-            <a:endParaRPr lang="zh-CN" altLang="en-US" sz="1200"/>
+            <a:endParaRPr lang="zh-CN" altLang="en-US" sz="1200" dirty="0"/>
           </a:p>
         </p:txBody>
       </p:sp>
       <p:pic>
         <p:nvPicPr>
-          <p:cNvPr id="4" name="图片 3" descr="图表, 条形图&#10;&#10;描述已自动生成">
+          <p:cNvPr id="11" name="图片 10" descr="图示&#10;&#10;描述已自动生成">
             <a:extLst>
               <a:ext uri="{FF2B5EF4-FFF2-40B4-BE49-F238E27FC236}">
-                <a16:creationId xmlns:a16="http://schemas.microsoft.com/office/drawing/2014/main" id="{DA72FE6B-BA10-1623-C655-53ACB1186FF1}"/>
+                <a16:creationId xmlns:a16="http://schemas.microsoft.com/office/drawing/2014/main" id="{AF58D7BE-4083-9286-CFFD-FF4F976583B2}"/>
               </a:ext>
             </a:extLst>
           </p:cNvPr>
@@ -7809,8 +10851,8 @@
         </p:blipFill>
         <p:spPr>
           <a:xfrm>
-            <a:off x="6358038" y="2725050"/>
-            <a:ext cx="5458100" cy="2642870"/>
+            <a:off x="375862" y="3889838"/>
+            <a:ext cx="6007100" cy="2133600"/>
           </a:xfrm>
           <a:prstGeom prst="rect">
             <a:avLst/>
@@ -7819,10 +10861,10 @@
       </p:pic>
       <p:pic>
         <p:nvPicPr>
-          <p:cNvPr id="11" name="图片 10" descr="图示&#10;&#10;描述已自动生成">
+          <p:cNvPr id="14" name="图片 13" descr="图表, 条形图&#10;&#10;AI 生成的内容可能不正确。">
             <a:extLst>
               <a:ext uri="{FF2B5EF4-FFF2-40B4-BE49-F238E27FC236}">
-                <a16:creationId xmlns:a16="http://schemas.microsoft.com/office/drawing/2014/main" id="{AF58D7BE-4083-9286-CFFD-FF4F976583B2}"/>
+                <a16:creationId xmlns:a16="http://schemas.microsoft.com/office/drawing/2014/main" id="{807BD383-127C-4A4A-02BC-29287328330F}"/>
               </a:ext>
             </a:extLst>
           </p:cNvPr>
@@ -7839,14 +10881,80 @@
         </p:blipFill>
         <p:spPr>
           <a:xfrm>
-            <a:off x="375862" y="3889838"/>
-            <a:ext cx="6007100" cy="2133600"/>
+            <a:off x="6590162" y="2664735"/>
+            <a:ext cx="5433176" cy="2533781"/>
           </a:xfrm>
           <a:prstGeom prst="rect">
             <a:avLst/>
           </a:prstGeom>
         </p:spPr>
       </p:pic>
+      <p:sp>
+        <p:nvSpPr>
+          <p:cNvPr id="2" name="TextBox 3">
+            <a:extLst>
+              <a:ext uri="{FF2B5EF4-FFF2-40B4-BE49-F238E27FC236}">
+                <a16:creationId xmlns:a16="http://schemas.microsoft.com/office/drawing/2014/main" id="{7733DF04-DA30-4AE1-C265-3ABF508100D3}"/>
+              </a:ext>
+            </a:extLst>
+          </p:cNvPr>
+          <p:cNvSpPr txBox="1"/>
+          <p:nvPr/>
+        </p:nvSpPr>
+        <p:spPr>
+          <a:xfrm>
+            <a:off x="441064" y="5896929"/>
+            <a:ext cx="11383652" cy="338554"/>
+          </a:xfrm>
+          <a:prstGeom prst="rect">
+            <a:avLst/>
+          </a:prstGeom>
+          <a:noFill/>
+        </p:spPr>
+        <p:txBody>
+          <a:bodyPr wrap="square" lIns="91440" tIns="45720" rIns="91440" bIns="45720" anchor="t">
+            <a:spAutoFit/>
+          </a:bodyPr>
+          <a:lstStyle/>
+          <a:p>
+            <a:r>
+              <a:rPr lang="en-US" altLang="zh-CN" sz="1600" b="1" dirty="0">
+                <a:solidFill>
+                  <a:srgbClr val="C00000"/>
+                </a:solidFill>
+                <a:ea typeface="黑体"/>
+                <a:cs typeface="Arial"/>
+              </a:rPr>
+              <a:t>*Note that the </a:t>
+            </a:r>
+            <a:r>
+              <a:rPr lang="en-US" altLang="zh-CN" sz="1600" b="1" dirty="0" err="1">
+                <a:solidFill>
+                  <a:srgbClr val="C00000"/>
+                </a:solidFill>
+                <a:ea typeface="黑体"/>
+                <a:cs typeface="Arial"/>
+              </a:rPr>
+              <a:t>Allgather</a:t>
+            </a:r>
+            <a:r>
+              <a:rPr lang="en-US" altLang="zh-CN" sz="1600" b="1" dirty="0">
+                <a:solidFill>
+                  <a:srgbClr val="C00000"/>
+                </a:solidFill>
+                <a:ea typeface="黑体"/>
+                <a:cs typeface="Arial"/>
+              </a:rPr>
+              <a:t> is implemented using Broadcast to pipeline computation and communication for each layer.</a:t>
+            </a:r>
+            <a:endParaRPr lang="en-US" sz="2000" b="1" dirty="0">
+              <a:solidFill>
+                <a:srgbClr val="C00000"/>
+              </a:solidFill>
+            </a:endParaRPr>
+          </a:p>
+        </p:txBody>
+      </p:sp>
     </p:spTree>
     <p:extLst>
       <p:ext uri="{BB962C8B-B14F-4D97-AF65-F5344CB8AC3E}">
@@ -8114,9 +11222,9 @@
         <p:grpSpPr>
           <a:xfrm>
             <a:off x="269209" y="2083512"/>
-            <a:ext cx="7457126" cy="2150535"/>
+            <a:ext cx="7457126" cy="1904313"/>
             <a:chOff x="329776" y="1207929"/>
-            <a:chExt cx="8185538" cy="2150535"/>
+            <a:chExt cx="8185538" cy="1904313"/>
           </a:xfrm>
         </p:grpSpPr>
         <p:sp>
@@ -8192,8 +11300,8 @@
           </p:nvSpPr>
           <p:spPr>
             <a:xfrm>
-              <a:off x="587920" y="1542582"/>
-              <a:ext cx="5843137" cy="1815882"/>
+              <a:off x="587919" y="1542582"/>
+              <a:ext cx="7217440" cy="1569660"/>
             </a:xfrm>
             <a:prstGeom prst="rect">
               <a:avLst/>
@@ -8919,7 +12027,7 @@
 </file>
 
 <file path=ppt/slides/slide4.xml><?xml version="1.0" encoding="utf-8"?>
-<p:sld xmlns:a="http://schemas.openxmlformats.org/drawingml/2006/main" xmlns:r="http://schemas.openxmlformats.org/officeDocument/2006/relationships" xmlns:p="http://schemas.openxmlformats.org/presentationml/2006/main">
+<p:sld xmlns:a="http://schemas.openxmlformats.org/drawingml/2006/main" xmlns:r="http://schemas.openxmlformats.org/officeDocument/2006/relationships" xmlns:p="http://schemas.openxmlformats.org/presentationml/2006/main" show="0">
   <p:cSld>
     <p:spTree>
       <p:nvGrpSpPr>
@@ -9164,28 +12272,28 @@
               </a:lnSpc>
             </a:pPr>
             <a:r>
-              <a:rPr lang="en-US">
+              <a:rPr lang="en-US" dirty="0">
                 <a:latin typeface="Arial" panose="020B0604020202020204" pitchFamily="34" charset="0"/>
                 <a:cs typeface="Arial" panose="020B0604020202020204" pitchFamily="34" charset="0"/>
               </a:rPr>
               <a:t>Step1: Forward and backward computation, </a:t>
             </a:r>
             <a:r>
-              <a:rPr lang="en-US" b="1" err="1">
+              <a:rPr lang="en-US" b="1" dirty="0" err="1">
                 <a:latin typeface="Arial" panose="020B0604020202020204" pitchFamily="34" charset="0"/>
                 <a:cs typeface="Arial" panose="020B0604020202020204" pitchFamily="34" charset="0"/>
               </a:rPr>
               <a:t>Allreduce</a:t>
             </a:r>
             <a:r>
-              <a:rPr lang="en-US">
+              <a:rPr lang="en-US" dirty="0">
                 <a:latin typeface="Arial" panose="020B0604020202020204" pitchFamily="34" charset="0"/>
                 <a:cs typeface="Arial" panose="020B0604020202020204" pitchFamily="34" charset="0"/>
               </a:rPr>
               <a:t> gradient </a:t>
             </a:r>
             <a:r>
-              <a:rPr lang="en-US" i="1">
+              <a:rPr lang="en-US" i="1" dirty="0">
                 <a:effectLst/>
                 <a:latin typeface="Arial" panose="020B0604020202020204" pitchFamily="34" charset="0"/>
                 <a:cs typeface="Arial" panose="020B0604020202020204" pitchFamily="34" charset="0"/>
@@ -9200,56 +12308,56 @@
               </a:lnSpc>
             </a:pPr>
             <a:r>
-              <a:rPr lang="en-US">
+              <a:rPr lang="en-US" dirty="0">
                 <a:latin typeface="Arial" panose="020B0604020202020204" pitchFamily="34" charset="0"/>
                 <a:cs typeface="Arial" panose="020B0604020202020204" pitchFamily="34" charset="0"/>
               </a:rPr>
               <a:t>Step2: For </a:t>
             </a:r>
             <a:r>
-              <a:rPr lang="en-US" u="sng">
+              <a:rPr lang="en-US" u="sng" dirty="0">
                 <a:latin typeface="Arial" panose="020B0604020202020204" pitchFamily="34" charset="0"/>
                 <a:cs typeface="Arial" panose="020B0604020202020204" pitchFamily="34" charset="0"/>
               </a:rPr>
               <a:t>all layers</a:t>
             </a:r>
             <a:r>
-              <a:rPr lang="en-US">
+              <a:rPr lang="en-US" dirty="0">
                 <a:latin typeface="Arial" panose="020B0604020202020204" pitchFamily="34" charset="0"/>
                 <a:cs typeface="Arial" panose="020B0604020202020204" pitchFamily="34" charset="0"/>
               </a:rPr>
               <a:t>, compute Kronecker factors, </a:t>
             </a:r>
             <a:r>
-              <a:rPr lang="en-US" b="1" err="1">
+              <a:rPr lang="en-US" b="1" dirty="0" err="1">
                 <a:latin typeface="Arial" panose="020B0604020202020204" pitchFamily="34" charset="0"/>
                 <a:cs typeface="Arial" panose="020B0604020202020204" pitchFamily="34" charset="0"/>
               </a:rPr>
               <a:t>Allreduce</a:t>
             </a:r>
             <a:r>
-              <a:rPr lang="en-US">
+              <a:rPr lang="en-US" dirty="0">
                 <a:latin typeface="Arial" panose="020B0604020202020204" pitchFamily="34" charset="0"/>
                 <a:cs typeface="Arial" panose="020B0604020202020204" pitchFamily="34" charset="0"/>
               </a:rPr>
               <a:t> factors </a:t>
             </a:r>
             <a:r>
-              <a:rPr lang="en-US" i="1">
+              <a:rPr lang="en-US" i="1" dirty="0">
                 <a:latin typeface="Arial" panose="020B0604020202020204" pitchFamily="34" charset="0"/>
                 <a:cs typeface="Arial" panose="020B0604020202020204" pitchFamily="34" charset="0"/>
               </a:rPr>
               <a:t>A</a:t>
             </a:r>
             <a:r>
-              <a:rPr lang="en-US">
+              <a:rPr lang="en-US" dirty="0">
                 <a:latin typeface="Arial" panose="020B0604020202020204" pitchFamily="34" charset="0"/>
                 <a:cs typeface="Arial" panose="020B0604020202020204" pitchFamily="34" charset="0"/>
               </a:rPr>
               <a:t> and </a:t>
             </a:r>
             <a:r>
-              <a:rPr lang="en-US" i="1">
+              <a:rPr lang="en-US" i="1" dirty="0">
                 <a:latin typeface="Arial" panose="020B0604020202020204" pitchFamily="34" charset="0"/>
                 <a:cs typeface="Arial" panose="020B0604020202020204" pitchFamily="34" charset="0"/>
               </a:rPr>
@@ -9263,21 +12371,21 @@
               </a:lnSpc>
             </a:pPr>
             <a:r>
-              <a:rPr lang="en-US">
+              <a:rPr lang="en-US" dirty="0">
                 <a:latin typeface="Arial" panose="020B0604020202020204" pitchFamily="34" charset="0"/>
                 <a:cs typeface="Arial" panose="020B0604020202020204" pitchFamily="34" charset="0"/>
               </a:rPr>
               <a:t>Step3: For </a:t>
             </a:r>
             <a:r>
-              <a:rPr lang="en-US" u="sng">
+              <a:rPr lang="en-US" u="sng" dirty="0">
                 <a:latin typeface="Arial" panose="020B0604020202020204" pitchFamily="34" charset="0"/>
                 <a:cs typeface="Arial" panose="020B0604020202020204" pitchFamily="34" charset="0"/>
               </a:rPr>
               <a:t>assigned layer</a:t>
             </a:r>
             <a:r>
-              <a:rPr lang="en-US">
+              <a:rPr lang="en-US" dirty="0">
                 <a:latin typeface="STXingkai" panose="02010800040101010101" pitchFamily="2" charset="-122"/>
                 <a:ea typeface="STXingkai" panose="02010800040101010101" pitchFamily="2" charset="-122"/>
                 <a:cs typeface="Arial" panose="020B0604020202020204" pitchFamily="34" charset="0"/>
@@ -9285,21 +12393,21 @@
               <a:t> l</a:t>
             </a:r>
             <a:r>
-              <a:rPr lang="en-US">
+              <a:rPr lang="en-US" dirty="0">
                 <a:latin typeface="Arial" panose="020B0604020202020204" pitchFamily="34" charset="0"/>
                 <a:cs typeface="Arial" panose="020B0604020202020204" pitchFamily="34" charset="0"/>
               </a:rPr>
               <a:t>, eigen decompose </a:t>
             </a:r>
             <a:r>
-              <a:rPr lang="en-US" i="1">
+              <a:rPr lang="en-US" i="1" dirty="0">
                 <a:latin typeface="Arial" panose="020B0604020202020204" pitchFamily="34" charset="0"/>
                 <a:cs typeface="Arial" panose="020B0604020202020204" pitchFamily="34" charset="0"/>
               </a:rPr>
               <a:t>A</a:t>
             </a:r>
             <a:r>
-              <a:rPr lang="en-US" b="1" baseline="-25000">
+              <a:rPr lang="en-US" b="1" baseline="-25000" dirty="0">
                 <a:latin typeface="STXingkai" panose="02010800040101010101" pitchFamily="2" charset="-122"/>
                 <a:ea typeface="STXingkai" panose="02010800040101010101" pitchFamily="2" charset="-122"/>
                 <a:cs typeface="APPLE CHANCERY" panose="03020702040506060504" pitchFamily="66" charset="-79"/>
@@ -9307,21 +12415,21 @@
               <a:t>l </a:t>
             </a:r>
             <a:r>
-              <a:rPr lang="en-US" i="1">
+              <a:rPr lang="en-US" i="1" dirty="0">
                 <a:latin typeface="Arial" panose="020B0604020202020204" pitchFamily="34" charset="0"/>
                 <a:cs typeface="Arial" panose="020B0604020202020204" pitchFamily="34" charset="0"/>
               </a:rPr>
               <a:t>,</a:t>
             </a:r>
             <a:r>
-              <a:rPr lang="en-US" i="1" err="1">
+              <a:rPr lang="en-US" i="1" dirty="0" err="1">
                 <a:latin typeface="Arial" panose="020B0604020202020204" pitchFamily="34" charset="0"/>
                 <a:cs typeface="Arial" panose="020B0604020202020204" pitchFamily="34" charset="0"/>
               </a:rPr>
               <a:t>G</a:t>
             </a:r>
             <a:r>
-              <a:rPr lang="en-US" b="1" baseline="-25000" err="1">
+              <a:rPr lang="en-US" b="1" baseline="-25000" dirty="0" err="1">
                 <a:latin typeface="STXingkai" panose="02010800040101010101" pitchFamily="2" charset="-122"/>
                 <a:ea typeface="STXingkai" panose="02010800040101010101" pitchFamily="2" charset="-122"/>
                 <a:cs typeface="APPLE CHANCERY" panose="03020702040506060504" pitchFamily="66" charset="-79"/>
@@ -9329,14 +12437,14 @@
               <a:t>l</a:t>
             </a:r>
             <a:r>
-              <a:rPr lang="en-US">
+              <a:rPr lang="en-US" dirty="0">
                 <a:latin typeface="Arial" panose="020B0604020202020204" pitchFamily="34" charset="0"/>
                 <a:cs typeface="Arial" panose="020B0604020202020204" pitchFamily="34" charset="0"/>
               </a:rPr>
               <a:t> and compute preconditioned gradient H</a:t>
             </a:r>
             <a:r>
-              <a:rPr lang="en-US" b="1" baseline="-25000">
+              <a:rPr lang="en-US" b="1" baseline="-25000" dirty="0">
                 <a:latin typeface="STXingkai" panose="02010800040101010101" pitchFamily="2" charset="-122"/>
                 <a:ea typeface="STXingkai" panose="02010800040101010101" pitchFamily="2" charset="-122"/>
                 <a:cs typeface="APPLE CHANCERY" panose="03020702040506060504" pitchFamily="66" charset="-79"/>
@@ -9344,35 +12452,35 @@
               <a:t>l </a:t>
             </a:r>
             <a:r>
-              <a:rPr lang="en-US" b="1">
+              <a:rPr lang="en-US" b="1" dirty="0">
                 <a:latin typeface="Arial" panose="020B0604020202020204" pitchFamily="34" charset="0"/>
                 <a:cs typeface="Arial" panose="020B0604020202020204" pitchFamily="34" charset="0"/>
               </a:rPr>
               <a:t>, </a:t>
             </a:r>
             <a:r>
-              <a:rPr lang="en-US" b="1" err="1">
+              <a:rPr lang="en-US" b="1" dirty="0" err="1">
                 <a:latin typeface="Arial" panose="020B0604020202020204" pitchFamily="34" charset="0"/>
                 <a:cs typeface="Arial" panose="020B0604020202020204" pitchFamily="34" charset="0"/>
               </a:rPr>
               <a:t>Allgather</a:t>
             </a:r>
             <a:r>
-              <a:rPr lang="en-US" b="1">
+              <a:rPr lang="en-US" b="1" dirty="0">
                 <a:latin typeface="Arial" panose="020B0604020202020204" pitchFamily="34" charset="0"/>
                 <a:cs typeface="Arial" panose="020B0604020202020204" pitchFamily="34" charset="0"/>
               </a:rPr>
               <a:t> </a:t>
             </a:r>
             <a:r>
-              <a:rPr lang="en-US">
+              <a:rPr lang="en-US" dirty="0">
                 <a:latin typeface="Arial" panose="020B0604020202020204" pitchFamily="34" charset="0"/>
                 <a:cs typeface="Arial" panose="020B0604020202020204" pitchFamily="34" charset="0"/>
               </a:rPr>
               <a:t>H</a:t>
             </a:r>
             <a:r>
-              <a:rPr lang="en-US" b="1" baseline="-25000">
+              <a:rPr lang="en-US" b="1" baseline="-25000" dirty="0">
                 <a:latin typeface="STXingkai" panose="02010800040101010101" pitchFamily="2" charset="-122"/>
                 <a:ea typeface="STXingkai" panose="02010800040101010101" pitchFamily="2" charset="-122"/>
                 <a:cs typeface="APPLE CHANCERY" panose="03020702040506060504" pitchFamily="66" charset="-79"/>
@@ -9380,7 +12488,7 @@
               <a:t>l </a:t>
             </a:r>
             <a:r>
-              <a:rPr lang="en-US">
+              <a:rPr lang="en-US" dirty="0">
                 <a:latin typeface="Arial" panose="020B0604020202020204" pitchFamily="34" charset="0"/>
                 <a:cs typeface="Arial" panose="020B0604020202020204" pitchFamily="34" charset="0"/>
               </a:rPr>
@@ -9394,21 +12502,21 @@
               </a:lnSpc>
             </a:pPr>
             <a:r>
-              <a:rPr lang="en-US">
+              <a:rPr lang="en-US" dirty="0">
                 <a:latin typeface="Arial" panose="020B0604020202020204" pitchFamily="34" charset="0"/>
                 <a:cs typeface="Arial" panose="020B0604020202020204" pitchFamily="34" charset="0"/>
               </a:rPr>
               <a:t>Step4: Update model weights using preconditioned gradient </a:t>
             </a:r>
             <a:r>
-              <a:rPr lang="en-US" i="1">
+              <a:rPr lang="en-US" i="1" dirty="0">
                 <a:latin typeface="Arial" panose="020B0604020202020204" pitchFamily="34" charset="0"/>
                 <a:cs typeface="Arial" panose="020B0604020202020204" pitchFamily="34" charset="0"/>
               </a:rPr>
               <a:t>H</a:t>
             </a:r>
             <a:r>
-              <a:rPr lang="en-US">
+              <a:rPr lang="en-US" dirty="0">
                 <a:latin typeface="Arial" panose="020B0604020202020204" pitchFamily="34" charset="0"/>
                 <a:cs typeface="Arial" panose="020B0604020202020204" pitchFamily="34" charset="0"/>
               </a:rPr>
@@ -9524,7 +12632,7 @@
           <a:lstStyle/>
           <a:p>
             <a:r>
-              <a:rPr lang="en-US" altLang="zh-CN" sz="1600" b="1">
+              <a:rPr lang="en-US" altLang="zh-CN" sz="1600" b="1" dirty="0">
                 <a:solidFill>
                   <a:srgbClr val="C00000"/>
                 </a:solidFill>
@@ -9534,7 +12642,7 @@
               <a:t>*Note that the </a:t>
             </a:r>
             <a:r>
-              <a:rPr lang="en-US" altLang="zh-CN" sz="1600" b="1" err="1">
+              <a:rPr lang="en-US" altLang="zh-CN" sz="1600" b="1" dirty="0" err="1">
                 <a:solidFill>
                   <a:srgbClr val="C00000"/>
                 </a:solidFill>
@@ -9544,7 +12652,7 @@
               <a:t>Allgather</a:t>
             </a:r>
             <a:r>
-              <a:rPr lang="en-US" altLang="zh-CN" sz="1600" b="1">
+              <a:rPr lang="en-US" altLang="zh-CN" sz="1600" b="1" dirty="0">
                 <a:solidFill>
                   <a:srgbClr val="C00000"/>
                 </a:solidFill>
@@ -9553,7 +12661,7 @@
               </a:rPr>
               <a:t> is implemented using Broadcast to pipeline computation and communication for each layer.</a:t>
             </a:r>
-            <a:endParaRPr lang="en-US" sz="2000" b="1">
+            <a:endParaRPr lang="en-US" sz="2000" b="1" dirty="0">
               <a:solidFill>
                 <a:srgbClr val="C00000"/>
               </a:solidFill>
@@ -9683,7 +12791,7 @@
               <a:defRPr/>
             </a:pPr>
             <a:r>
-              <a:rPr lang="en-US" sz="3000" b="1" kern="0">
+              <a:rPr lang="en-US" sz="3000" b="1" kern="0" dirty="0">
                 <a:solidFill>
                   <a:srgbClr val="000000"/>
                 </a:solidFill>
@@ -9692,9 +12800,9 @@
                 <a:cs typeface="Calibri" panose="020F0502020204030204" pitchFamily="34" charset="0"/>
                 <a:sym typeface="Calibri"/>
               </a:rPr>
-              <a:t>Background – Stochastic Rounding</a:t>
-            </a:r>
-            <a:endParaRPr kumimoji="0" lang="en-US" sz="3000" b="1" i="0" u="none" strike="noStrike" kern="0" cap="none" spc="0" normalizeH="0" baseline="0" noProof="0">
+              <a:t>Background – Rounding Methods</a:t>
+            </a:r>
+            <a:endParaRPr kumimoji="0" lang="en-US" sz="3000" b="1" i="0" u="none" strike="noStrike" kern="0" cap="none" spc="0" normalizeH="0" baseline="0" noProof="0" dirty="0">
               <a:ln>
                 <a:noFill/>
               </a:ln>
@@ -10006,8 +13114,8 @@
         </p:nvSpPr>
         <p:spPr>
           <a:xfrm>
-            <a:off x="634671" y="5273670"/>
-            <a:ext cx="3992561" cy="954107"/>
+            <a:off x="182387" y="5121269"/>
+            <a:ext cx="5077871" cy="954107"/>
           </a:xfrm>
           <a:prstGeom prst="rect">
             <a:avLst/>
@@ -10025,28 +13133,28 @@
               <a:buChar char="•"/>
             </a:pPr>
             <a:r>
-              <a:rPr lang="en-US" altLang="zh-CN" sz="1400" b="1">
+              <a:rPr lang="en-US" altLang="zh-CN" sz="1400" b="1" dirty="0">
                 <a:ea typeface="黑体"/>
                 <a:cs typeface="Arial"/>
               </a:rPr>
               <a:t>Filter</a:t>
             </a:r>
             <a:r>
-              <a:rPr lang="en-US" altLang="zh-CN" sz="1400">
+              <a:rPr lang="en-US" altLang="zh-CN" sz="1400" dirty="0">
                 <a:ea typeface="黑体"/>
                 <a:cs typeface="Arial"/>
               </a:rPr>
-              <a:t>: represents small values as bitmap, help improve </a:t>
-            </a:r>
-            <a:r>
-              <a:rPr lang="en-US" altLang="zh-CN" sz="1400" b="1">
+              <a:t>: represents small values as bitmap, helps improve </a:t>
+            </a:r>
+            <a:r>
+              <a:rPr lang="en-US" altLang="zh-CN" sz="1400" b="1" dirty="0">
                 <a:ea typeface="黑体"/>
                 <a:cs typeface="Arial"/>
               </a:rPr>
               <a:t>compression ratio</a:t>
             </a:r>
             <a:r>
-              <a:rPr lang="en-US" altLang="zh-CN" sz="1400">
+              <a:rPr lang="en-US" altLang="zh-CN" sz="1400" dirty="0">
                 <a:ea typeface="黑体"/>
                 <a:cs typeface="Arial"/>
               </a:rPr>
@@ -10059,28 +13167,28 @@
               <a:buChar char="•"/>
             </a:pPr>
             <a:r>
-              <a:rPr lang="en-US" altLang="zh-CN" sz="1400" b="1">
+              <a:rPr lang="en-US" altLang="zh-CN" sz="1400" b="1" dirty="0">
                 <a:ea typeface="黑体"/>
                 <a:cs typeface="Arial"/>
               </a:rPr>
               <a:t>SR</a:t>
             </a:r>
             <a:r>
-              <a:rPr lang="en-US" altLang="zh-CN" sz="1400">
+              <a:rPr lang="en-US" altLang="zh-CN" sz="1400" dirty="0">
                 <a:ea typeface="黑体"/>
                 <a:cs typeface="Arial"/>
               </a:rPr>
               <a:t> :random quantization, help preserve </a:t>
             </a:r>
             <a:r>
-              <a:rPr lang="en-US" altLang="zh-CN" sz="1400" b="1">
+              <a:rPr lang="en-US" altLang="zh-CN" sz="1400" b="1" dirty="0">
                 <a:ea typeface="黑体"/>
                 <a:cs typeface="Arial"/>
               </a:rPr>
               <a:t>validation accuracy</a:t>
             </a:r>
             <a:r>
-              <a:rPr lang="en-US" altLang="zh-CN" sz="1400">
+              <a:rPr lang="en-US" altLang="zh-CN" sz="1400" dirty="0">
                 <a:ea typeface="黑体"/>
                 <a:cs typeface="Arial"/>
               </a:rPr>
@@ -10310,7 +13418,7 @@
                 <a:ea typeface="黑体"/>
                 <a:cs typeface="+mn-lt"/>
               </a:rPr>
-              <a:t>1. Compression ratio can be limited by maintaining validation accuracy. This issue is more pronounced for KFAC gradients than SGD gradients.</a:t>
+              <a:t>1. Compression ratio can be limited by maintaining validation accuracy. </a:t>
             </a:r>
             <a:endParaRPr lang="en-US" dirty="0">
               <a:ea typeface="黑体"/>
@@ -10323,7 +13431,7 @@
                 <a:ea typeface="黑体"/>
                 <a:cs typeface="+mn-lt"/>
               </a:rPr>
-              <a:t>2.Generalizing the characteristics of a complex system and modeling it is non-trivial due to significant variances. </a:t>
+              <a:t>2. Generalizing the characteristics and modeling of this complex system is non-trivial. </a:t>
             </a:r>
             <a:endParaRPr lang="en-US" dirty="0">
               <a:ea typeface="黑体"/>
@@ -10336,7 +13444,11 @@
                 <a:ea typeface="黑体"/>
                 <a:cs typeface="+mn-lt"/>
               </a:rPr>
-              <a:t>3. Distributed KFAC mechanism which splits the layers into GPUs for computation makes the gradients vary in sizes and value ranges.</a:t>
+              <a:t>3. </a:t>
+            </a:r>
+            <a:r>
+              <a:rPr lang="en-US" altLang="zh-CN" sz="1400" dirty="0"/>
+              <a:t>Varying data sizes across GPUs make multi-GPU parallelism challenging.</a:t>
             </a:r>
           </a:p>
           <a:p>
@@ -10345,7 +13457,7 @@
                 <a:ea typeface="黑体"/>
                 <a:cs typeface="+mn-lt"/>
               </a:rPr>
-              <a:t>4. GPU implementation for such compression algorithm needs to be carefully done.</a:t>
+              <a:t>4. End-to-end performance gain bounded by the GPU compression throughput in some cases.</a:t>
             </a:r>
             <a:endParaRPr lang="en-US" dirty="0">
               <a:cs typeface="Arial"/>
@@ -10666,13 +13778,13 @@
           </a:lstStyle>
           <a:p>
             <a:r>
-              <a:rPr lang="en-US" sz="1400" b="1">
+              <a:rPr lang="en-US" sz="1400" b="1" dirty="0">
                 <a:ea typeface="黑体"/>
                 <a:cs typeface="+mn-lt"/>
               </a:rPr>
               <a:t>Characterization of Different Quantization Approaches</a:t>
             </a:r>
-            <a:endParaRPr lang="en-US" b="1">
+            <a:endParaRPr lang="en-US" b="1" dirty="0">
               <a:ea typeface="黑体"/>
               <a:cs typeface="+mn-lt"/>
             </a:endParaRPr>
@@ -10683,7 +13795,7 @@
               <a:buChar char="•"/>
             </a:pPr>
             <a:r>
-              <a:rPr lang="en-US" sz="1400">
+              <a:rPr lang="en-US" sz="1400" dirty="0">
                 <a:ea typeface="黑体"/>
                 <a:cs typeface="Arial"/>
               </a:rPr>
@@ -10696,42 +13808,42 @@
               <a:buChar char="•"/>
             </a:pPr>
             <a:r>
-              <a:rPr lang="en-US" sz="1400">
+              <a:rPr lang="en-US" sz="1400" dirty="0">
                 <a:ea typeface="黑体"/>
                 <a:cs typeface="Arial"/>
               </a:rPr>
               <a:t>Stochastic </a:t>
             </a:r>
             <a:r>
-              <a:rPr lang="en-US" sz="1400" err="1">
+              <a:rPr lang="en-US" sz="1400" dirty="0" err="1">
                 <a:ea typeface="黑体"/>
                 <a:cs typeface="Arial"/>
               </a:rPr>
               <a:t>Rouding</a:t>
             </a:r>
             <a:r>
-              <a:rPr lang="en-US" sz="1400">
+              <a:rPr lang="en-US" sz="1400" dirty="0">
                 <a:ea typeface="黑体"/>
                 <a:cs typeface="Arial"/>
               </a:rPr>
               <a:t> (SR) that rounds the float point data to floor or ceiling with probability </a:t>
             </a:r>
             <a:r>
-              <a:rPr lang="en-US" sz="1400" i="1">
+              <a:rPr lang="en-US" sz="1400" i="1" dirty="0">
                 <a:ea typeface="黑体"/>
                 <a:cs typeface="Arial"/>
               </a:rPr>
               <a:t>p</a:t>
             </a:r>
             <a:r>
-              <a:rPr lang="en-US" sz="1400">
+              <a:rPr lang="en-US" sz="1400" dirty="0">
                 <a:ea typeface="黑体"/>
                 <a:cs typeface="Arial"/>
               </a:rPr>
               <a:t> or </a:t>
             </a:r>
             <a:r>
-              <a:rPr lang="en-US" sz="1400" i="1">
+              <a:rPr lang="en-US" sz="1400" i="1" dirty="0">
                 <a:ea typeface="黑体"/>
                 <a:cs typeface="Arial"/>
               </a:rPr>
@@ -10739,7 +13851,7 @@
             </a:r>
           </a:p>
           <a:p>
-            <a:endParaRPr lang="en-US" sz="1400">
+            <a:endParaRPr lang="en-US" sz="1400" dirty="0">
               <a:ea typeface="黑体"/>
               <a:cs typeface="Arial"/>
             </a:endParaRPr>
@@ -11616,7 +14728,7 @@
                 <a:ea typeface="黑体"/>
                 <a:cs typeface="+mn-lt"/>
               </a:rPr>
-              <a:t>Performance Modeling</a:t>
+              <a:t>Algorithm Design</a:t>
             </a:r>
             <a:endParaRPr lang="en-US" sz="2400" b="1" dirty="0">
               <a:ea typeface="黑体"/>
@@ -11627,10 +14739,10 @@
       </p:sp>
       <p:pic>
         <p:nvPicPr>
-          <p:cNvPr id="4" name="图片 3" descr="文本&#10;&#10;描述已自动生成">
+          <p:cNvPr id="10" name="图片 9" descr="文本&#10;&#10;AI 生成的内容可能不正确。">
             <a:extLst>
               <a:ext uri="{FF2B5EF4-FFF2-40B4-BE49-F238E27FC236}">
-                <a16:creationId xmlns:a16="http://schemas.microsoft.com/office/drawing/2014/main" id="{578C0092-7FB8-18E1-489D-63FB8C869BFA}"/>
+                <a16:creationId xmlns:a16="http://schemas.microsoft.com/office/drawing/2014/main" id="{4CAB117A-CD8B-07B7-AA4C-87EDC16C20C9}"/>
               </a:ext>
             </a:extLst>
           </p:cNvPr>
@@ -11641,14 +14753,13 @@
         </p:nvPicPr>
         <p:blipFill>
           <a:blip r:embed="rId3"/>
-          <a:stretch>
-            <a:fillRect/>
-          </a:stretch>
+          <a:srcRect b="36210"/>
+          <a:stretch/>
         </p:blipFill>
         <p:spPr>
           <a:xfrm>
-            <a:off x="278366" y="1830817"/>
-            <a:ext cx="5281058" cy="3550479"/>
+            <a:off x="5172958" y="1198179"/>
+            <a:ext cx="4691747" cy="5118682"/>
           </a:xfrm>
           <a:prstGeom prst="rect">
             <a:avLst/>
@@ -11657,10 +14768,10 @@
       </p:pic>
       <p:pic>
         <p:nvPicPr>
-          <p:cNvPr id="5" name="图片 4" descr="图示, 示意图&#10;&#10;描述已自动生成">
+          <p:cNvPr id="12" name="图片 11" descr="文本&#10;&#10;AI 生成的内容可能不正确。">
             <a:extLst>
               <a:ext uri="{FF2B5EF4-FFF2-40B4-BE49-F238E27FC236}">
-                <a16:creationId xmlns:a16="http://schemas.microsoft.com/office/drawing/2014/main" id="{FDF35720-18B1-0200-A218-F6CDE857D2B5}"/>
+                <a16:creationId xmlns:a16="http://schemas.microsoft.com/office/drawing/2014/main" id="{5A206513-EF3F-09CF-8306-02806002C1DA}"/>
               </a:ext>
             </a:extLst>
           </p:cNvPr>
@@ -11670,15 +14781,14 @@
           <p:nvPr/>
         </p:nvPicPr>
         <p:blipFill>
-          <a:blip r:embed="rId4"/>
-          <a:stretch>
-            <a:fillRect/>
-          </a:stretch>
+          <a:blip r:embed="rId3"/>
+          <a:srcRect t="63694" r="23081"/>
+          <a:stretch/>
         </p:blipFill>
         <p:spPr>
           <a:xfrm>
-            <a:off x="6317736" y="1568059"/>
-            <a:ext cx="4151452" cy="1397831"/>
+            <a:off x="8528386" y="3535604"/>
+            <a:ext cx="3445311" cy="2781257"/>
           </a:xfrm>
           <a:prstGeom prst="rect">
             <a:avLst/>
@@ -11687,10 +14797,10 @@
       </p:pic>
       <p:sp>
         <p:nvSpPr>
-          <p:cNvPr id="6" name="TextBox 23">
+          <p:cNvPr id="15" name="TextBox 23">
             <a:extLst>
               <a:ext uri="{FF2B5EF4-FFF2-40B4-BE49-F238E27FC236}">
-                <a16:creationId xmlns:a16="http://schemas.microsoft.com/office/drawing/2014/main" id="{CD3C3C98-1855-D388-E9FA-7F972807BC7D}"/>
+                <a16:creationId xmlns:a16="http://schemas.microsoft.com/office/drawing/2014/main" id="{ED276DE6-DC4A-7682-9196-3D16BD2CF142}"/>
               </a:ext>
             </a:extLst>
           </p:cNvPr>
@@ -11699,7 +14809,7 @@
         </p:nvSpPr>
         <p:spPr>
           <a:xfrm>
-            <a:off x="6485901" y="1375998"/>
+            <a:off x="8438426" y="3168507"/>
             <a:ext cx="2852558" cy="307777"/>
           </a:xfrm>
           <a:prstGeom prst="rect">
@@ -11812,7 +14922,7 @@
                 <a:ea typeface="黑体"/>
                 <a:cs typeface="Arial"/>
               </a:rPr>
-              <a:t>Communication Speedup</a:t>
+              <a:t>Cont’d</a:t>
             </a:r>
             <a:endParaRPr lang="en-US" dirty="0"/>
           </a:p>
@@ -11820,10 +14930,10 @@
       </p:sp>
       <p:sp>
         <p:nvSpPr>
-          <p:cNvPr id="7" name="TextBox 23">
+          <p:cNvPr id="16" name="TextBox 23">
             <a:extLst>
               <a:ext uri="{FF2B5EF4-FFF2-40B4-BE49-F238E27FC236}">
-                <a16:creationId xmlns:a16="http://schemas.microsoft.com/office/drawing/2014/main" id="{E08D12CE-BBC4-F663-75BC-DE7D53E38638}"/>
+                <a16:creationId xmlns:a16="http://schemas.microsoft.com/office/drawing/2014/main" id="{F46055F1-C6A7-2825-63B5-31D9A961C62D}"/>
               </a:ext>
             </a:extLst>
           </p:cNvPr>
@@ -11832,8 +14942,8 @@
         </p:nvSpPr>
         <p:spPr>
           <a:xfrm>
-            <a:off x="380705" y="1538545"/>
-            <a:ext cx="2852558" cy="307777"/>
+            <a:off x="380705" y="1659576"/>
+            <a:ext cx="4483395" cy="3293209"/>
           </a:xfrm>
           <a:prstGeom prst="rect">
             <a:avLst/>
@@ -11940,217 +15050,164 @@
             </a:lvl9pPr>
           </a:lstStyle>
           <a:p>
-            <a:r>
-              <a:rPr lang="en-US" sz="1400" b="1" dirty="0">
+            <a:pPr marL="342900" indent="-342900">
+              <a:lnSpc>
+                <a:spcPct val="150000"/>
+              </a:lnSpc>
+              <a:buFont typeface="+mj-lt"/>
+              <a:buAutoNum type="arabicPeriod"/>
+            </a:pPr>
+            <a:r>
+              <a:rPr lang="en-US" sz="1600" dirty="0">
                 <a:ea typeface="黑体"/>
                 <a:cs typeface="Arial"/>
               </a:rPr>
-              <a:t>Variables</a:t>
-            </a:r>
-            <a:endParaRPr lang="en-US" dirty="0"/>
-          </a:p>
-        </p:txBody>
-      </p:sp>
-      <p:sp>
-        <p:nvSpPr>
-          <p:cNvPr id="9" name="TextBox 23">
-            <a:extLst>
-              <a:ext uri="{FF2B5EF4-FFF2-40B4-BE49-F238E27FC236}">
-                <a16:creationId xmlns:a16="http://schemas.microsoft.com/office/drawing/2014/main" id="{B8E9BED0-E991-C093-B93C-2139FE636107}"/>
-              </a:ext>
-            </a:extLst>
-          </p:cNvPr>
-          <p:cNvSpPr txBox="1"/>
-          <p:nvPr/>
-        </p:nvSpPr>
-        <p:spPr>
-          <a:xfrm>
-            <a:off x="6485901" y="3429000"/>
-            <a:ext cx="2852558" cy="307777"/>
-          </a:xfrm>
-          <a:prstGeom prst="rect">
-            <a:avLst/>
-          </a:prstGeom>
-          <a:noFill/>
-        </p:spPr>
-        <p:txBody>
-          <a:bodyPr wrap="square" lIns="91440" tIns="45720" rIns="91440" bIns="45720" anchor="t">
-            <a:spAutoFit/>
-          </a:bodyPr>
-          <a:lstStyle>
-            <a:defPPr>
-              <a:defRPr lang="en-US"/>
-            </a:defPPr>
-            <a:lvl1pPr marL="0" algn="l" defTabSz="914400" rtl="0" eaLnBrk="1" latinLnBrk="0" hangingPunct="1">
-              <a:defRPr sz="1800" kern="1200">
-                <a:solidFill>
-                  <a:schemeClr val="tx1"/>
-                </a:solidFill>
-                <a:latin typeface="+mn-lt"/>
-                <a:ea typeface="+mn-ea"/>
-                <a:cs typeface="+mn-cs"/>
-              </a:defRPr>
-            </a:lvl1pPr>
-            <a:lvl2pPr marL="457200" algn="l" defTabSz="914400" rtl="0" eaLnBrk="1" latinLnBrk="0" hangingPunct="1">
-              <a:defRPr sz="1800" kern="1200">
-                <a:solidFill>
-                  <a:schemeClr val="tx1"/>
-                </a:solidFill>
-                <a:latin typeface="+mn-lt"/>
-                <a:ea typeface="+mn-ea"/>
-                <a:cs typeface="+mn-cs"/>
-              </a:defRPr>
-            </a:lvl2pPr>
-            <a:lvl3pPr marL="914400" algn="l" defTabSz="914400" rtl="0" eaLnBrk="1" latinLnBrk="0" hangingPunct="1">
-              <a:defRPr sz="1800" kern="1200">
-                <a:solidFill>
-                  <a:schemeClr val="tx1"/>
-                </a:solidFill>
-                <a:latin typeface="+mn-lt"/>
-                <a:ea typeface="+mn-ea"/>
-                <a:cs typeface="+mn-cs"/>
-              </a:defRPr>
-            </a:lvl3pPr>
-            <a:lvl4pPr marL="1371600" algn="l" defTabSz="914400" rtl="0" eaLnBrk="1" latinLnBrk="0" hangingPunct="1">
-              <a:defRPr sz="1800" kern="1200">
-                <a:solidFill>
-                  <a:schemeClr val="tx1"/>
-                </a:solidFill>
-                <a:latin typeface="+mn-lt"/>
-                <a:ea typeface="+mn-ea"/>
-                <a:cs typeface="+mn-cs"/>
-              </a:defRPr>
-            </a:lvl4pPr>
-            <a:lvl5pPr marL="1828800" algn="l" defTabSz="914400" rtl="0" eaLnBrk="1" latinLnBrk="0" hangingPunct="1">
-              <a:defRPr sz="1800" kern="1200">
-                <a:solidFill>
-                  <a:schemeClr val="tx1"/>
-                </a:solidFill>
-                <a:latin typeface="+mn-lt"/>
-                <a:ea typeface="+mn-ea"/>
-                <a:cs typeface="+mn-cs"/>
-              </a:defRPr>
-            </a:lvl5pPr>
-            <a:lvl6pPr marL="2286000" algn="l" defTabSz="914400" rtl="0" eaLnBrk="1" latinLnBrk="0" hangingPunct="1">
-              <a:defRPr sz="1800" kern="1200">
-                <a:solidFill>
-                  <a:schemeClr val="tx1"/>
-                </a:solidFill>
-                <a:latin typeface="+mn-lt"/>
-                <a:ea typeface="+mn-ea"/>
-                <a:cs typeface="+mn-cs"/>
-              </a:defRPr>
-            </a:lvl6pPr>
-            <a:lvl7pPr marL="2743200" algn="l" defTabSz="914400" rtl="0" eaLnBrk="1" latinLnBrk="0" hangingPunct="1">
-              <a:defRPr sz="1800" kern="1200">
-                <a:solidFill>
-                  <a:schemeClr val="tx1"/>
-                </a:solidFill>
-                <a:latin typeface="+mn-lt"/>
-                <a:ea typeface="+mn-ea"/>
-                <a:cs typeface="+mn-cs"/>
-              </a:defRPr>
-            </a:lvl7pPr>
-            <a:lvl8pPr marL="3200400" algn="l" defTabSz="914400" rtl="0" eaLnBrk="1" latinLnBrk="0" hangingPunct="1">
-              <a:defRPr sz="1800" kern="1200">
-                <a:solidFill>
-                  <a:schemeClr val="tx1"/>
-                </a:solidFill>
-                <a:latin typeface="+mn-lt"/>
-                <a:ea typeface="+mn-ea"/>
-                <a:cs typeface="+mn-cs"/>
-              </a:defRPr>
-            </a:lvl8pPr>
-            <a:lvl9pPr marL="3657600" algn="l" defTabSz="914400" rtl="0" eaLnBrk="1" latinLnBrk="0" hangingPunct="1">
-              <a:defRPr sz="1800" kern="1200">
-                <a:solidFill>
-                  <a:schemeClr val="tx1"/>
-                </a:solidFill>
-                <a:latin typeface="+mn-lt"/>
-                <a:ea typeface="+mn-ea"/>
-                <a:cs typeface="+mn-cs"/>
-              </a:defRPr>
-            </a:lvl9pPr>
-          </a:lstStyle>
-          <a:p>
-            <a:r>
-              <a:rPr lang="en-US" sz="1400" b="1" dirty="0">
+              <a:t>Bitmap-based filtering with error bound </a:t>
+            </a:r>
+            <a:r>
+              <a:rPr lang="en-US" sz="1600" i="1" dirty="0" err="1">
+                <a:solidFill>
+                  <a:srgbClr val="FF0000"/>
+                </a:solidFill>
                 <a:ea typeface="黑体"/>
                 <a:cs typeface="Arial"/>
               </a:rPr>
-              <a:t>End-to-end Speedup</a:t>
-            </a:r>
-            <a:endParaRPr lang="en-US" dirty="0"/>
-          </a:p>
-        </p:txBody>
-      </p:sp>
-      <p:pic>
-        <p:nvPicPr>
-          <p:cNvPr id="11" name="图片 10" descr="钟表的特写&#10;&#10;中度可信度描述已自动生成">
-            <a:extLst>
-              <a:ext uri="{FF2B5EF4-FFF2-40B4-BE49-F238E27FC236}">
-                <a16:creationId xmlns:a16="http://schemas.microsoft.com/office/drawing/2014/main" id="{1F7C1327-5265-8390-41FC-4589563E4F96}"/>
-              </a:ext>
-            </a:extLst>
-          </p:cNvPr>
-          <p:cNvPicPr>
-            <a:picLocks noChangeAspect="1"/>
-          </p:cNvPicPr>
-          <p:nvPr/>
-        </p:nvPicPr>
-        <p:blipFill>
-          <a:blip r:embed="rId5"/>
-          <a:stretch>
-            <a:fillRect/>
-          </a:stretch>
-        </p:blipFill>
-        <p:spPr>
-          <a:xfrm>
-            <a:off x="6485901" y="3749216"/>
-            <a:ext cx="2117312" cy="529328"/>
-          </a:xfrm>
-          <a:prstGeom prst="rect">
-            <a:avLst/>
-          </a:prstGeom>
-        </p:spPr>
-      </p:pic>
-      <p:sp>
-        <p:nvSpPr>
-          <p:cNvPr id="14" name="文本框 13">
-            <a:extLst>
-              <a:ext uri="{FF2B5EF4-FFF2-40B4-BE49-F238E27FC236}">
-                <a16:creationId xmlns:a16="http://schemas.microsoft.com/office/drawing/2014/main" id="{0719B701-92CC-FC72-6059-2860382A806C}"/>
-              </a:ext>
-            </a:extLst>
-          </p:cNvPr>
-          <p:cNvSpPr txBox="1"/>
-          <p:nvPr/>
-        </p:nvSpPr>
-        <p:spPr>
-          <a:xfrm>
-            <a:off x="6485901" y="4558672"/>
-            <a:ext cx="4803643" cy="923330"/>
-          </a:xfrm>
-          <a:prstGeom prst="rect">
-            <a:avLst/>
-          </a:prstGeom>
-          <a:noFill/>
-        </p:spPr>
-        <p:txBody>
-          <a:bodyPr wrap="square">
-            <a:spAutoFit/>
-          </a:bodyPr>
-          <a:lstStyle/>
-          <a:p>
-            <a:r>
-              <a:rPr kumimoji="1" lang="en-US" altLang="zh-CN" dirty="0"/>
-              <a:t>m</a:t>
-            </a:r>
-            <a:r>
-              <a:rPr kumimoji="1" lang="en-US" altLang="zh-CN" sz="1800" dirty="0"/>
-              <a:t> is the layer aggregation factor, our performance model finds the m such that the end-to-end performance speedup is high</a:t>
-            </a:r>
-            <a:endParaRPr lang="zh-CN" altLang="en-US" dirty="0"/>
+              <a:t>eb</a:t>
+            </a:r>
+            <a:r>
+              <a:rPr lang="en-US" sz="1600" i="1" baseline="-25000" dirty="0" err="1">
+                <a:solidFill>
+                  <a:srgbClr val="FF0000"/>
+                </a:solidFill>
+                <a:ea typeface="黑体"/>
+                <a:cs typeface="Arial"/>
+              </a:rPr>
+              <a:t>f</a:t>
+            </a:r>
+            <a:r>
+              <a:rPr lang="en-US" sz="1600" dirty="0">
+                <a:ea typeface="黑体"/>
+                <a:cs typeface="Arial"/>
+              </a:rPr>
+              <a:t>.</a:t>
+            </a:r>
+          </a:p>
+          <a:p>
+            <a:pPr marL="742950" lvl="1" indent="-285750">
+              <a:lnSpc>
+                <a:spcPct val="150000"/>
+              </a:lnSpc>
+              <a:buFont typeface="Arial" panose="020B0604020202020204" pitchFamily="34" charset="0"/>
+              <a:buChar char="•"/>
+            </a:pPr>
+            <a:r>
+              <a:rPr lang="en-US" sz="1600" dirty="0">
+                <a:ea typeface="黑体"/>
+                <a:cs typeface="Arial"/>
+              </a:rPr>
+              <a:t>Improves the compression ratio.</a:t>
+            </a:r>
+          </a:p>
+          <a:p>
+            <a:pPr marL="342900" indent="-342900">
+              <a:lnSpc>
+                <a:spcPct val="150000"/>
+              </a:lnSpc>
+              <a:buFont typeface="+mj-lt"/>
+              <a:buAutoNum type="arabicPeriod"/>
+            </a:pPr>
+            <a:r>
+              <a:rPr lang="en-US" sz="1600" dirty="0">
+                <a:ea typeface="黑体"/>
+                <a:cs typeface="Arial"/>
+              </a:rPr>
+              <a:t>SR-based quantization with error bound </a:t>
+            </a:r>
+            <a:r>
+              <a:rPr lang="en-US" altLang="zh-CN" sz="1600" i="1" dirty="0" err="1">
+                <a:solidFill>
+                  <a:srgbClr val="FF0000"/>
+                </a:solidFill>
+                <a:ea typeface="黑体"/>
+                <a:cs typeface="Arial"/>
+              </a:rPr>
+              <a:t>eb</a:t>
+            </a:r>
+            <a:r>
+              <a:rPr lang="en-US" altLang="zh-CN" sz="1600" i="1" baseline="-25000" dirty="0" err="1">
+                <a:solidFill>
+                  <a:srgbClr val="FF0000"/>
+                </a:solidFill>
+                <a:ea typeface="黑体"/>
+                <a:cs typeface="Arial"/>
+              </a:rPr>
+              <a:t>q</a:t>
+            </a:r>
+            <a:r>
+              <a:rPr lang="en-US" altLang="zh-CN" sz="1600" dirty="0">
+                <a:ea typeface="黑体"/>
+                <a:cs typeface="Arial"/>
+              </a:rPr>
+              <a:t>.</a:t>
+            </a:r>
+          </a:p>
+          <a:p>
+            <a:pPr marL="800100" lvl="1" indent="-342900">
+              <a:lnSpc>
+                <a:spcPct val="150000"/>
+              </a:lnSpc>
+              <a:buFont typeface="Arial" panose="020B0604020202020204" pitchFamily="34" charset="0"/>
+              <a:buChar char="•"/>
+            </a:pPr>
+            <a:r>
+              <a:rPr lang="en-US" altLang="zh-CN" sz="1600" dirty="0">
+                <a:ea typeface="黑体"/>
+                <a:cs typeface="Arial"/>
+              </a:rPr>
+              <a:t>Preserves the convergence.</a:t>
+            </a:r>
+          </a:p>
+          <a:p>
+            <a:pPr marL="342900" indent="-342900">
+              <a:lnSpc>
+                <a:spcPct val="150000"/>
+              </a:lnSpc>
+              <a:buFont typeface="+mj-lt"/>
+              <a:buAutoNum type="arabicPeriod"/>
+            </a:pPr>
+            <a:r>
+              <a:rPr lang="en-US" sz="1600" dirty="0">
+                <a:ea typeface="黑体"/>
+                <a:cs typeface="Arial"/>
+              </a:rPr>
+              <a:t>Iteration-wise adaptive compression.</a:t>
+            </a:r>
+          </a:p>
+          <a:p>
+            <a:pPr marL="800100" lvl="1" indent="-342900">
+              <a:lnSpc>
+                <a:spcPct val="150000"/>
+              </a:lnSpc>
+              <a:buFont typeface="Arial" panose="020B0604020202020204" pitchFamily="34" charset="0"/>
+              <a:buChar char="•"/>
+            </a:pPr>
+            <a:r>
+              <a:rPr lang="en-US" sz="1600" dirty="0">
+                <a:ea typeface="黑体"/>
+                <a:cs typeface="Arial"/>
+              </a:rPr>
+              <a:t>Based on the learning rate scheduler, adjust the compression mode as aggressive / conservative.</a:t>
+            </a:r>
+          </a:p>
+          <a:p>
+            <a:pPr marL="342900" indent="-342900">
+              <a:buFont typeface="+mj-lt"/>
+              <a:buAutoNum type="arabicPeriod"/>
+            </a:pPr>
+            <a:endParaRPr lang="en-US" sz="1600" dirty="0">
+              <a:ea typeface="黑体"/>
+              <a:cs typeface="Arial"/>
+            </a:endParaRPr>
           </a:p>
         </p:txBody>
       </p:sp>
@@ -12172,7 +15229,13 @@
   <p:cSld>
     <p:spTree>
       <p:nvGrpSpPr>
-        <p:cNvPr id="1" name=""/>
+        <p:cNvPr id="1" name="">
+          <a:extLst>
+            <a:ext uri="{FF2B5EF4-FFF2-40B4-BE49-F238E27FC236}">
+              <a16:creationId xmlns:a16="http://schemas.microsoft.com/office/drawing/2014/main" id="{782158A2-5ECE-044E-4F94-DE213C1E81A5}"/>
+            </a:ext>
+          </a:extLst>
+        </p:cNvPr>
         <p:cNvGrpSpPr/>
         <p:nvPr/>
       </p:nvGrpSpPr>
@@ -12189,7 +15252,7 @@
           <p:cNvPr id="8" name="Straight Connector 7">
             <a:extLst>
               <a:ext uri="{FF2B5EF4-FFF2-40B4-BE49-F238E27FC236}">
-                <a16:creationId xmlns:a16="http://schemas.microsoft.com/office/drawing/2014/main" id="{6884248B-6A30-1E4E-B282-C6BDFAA8A004}"/>
+                <a16:creationId xmlns:a16="http://schemas.microsoft.com/office/drawing/2014/main" id="{38EC15D7-B21C-34E2-7620-B713AFF749D4}"/>
               </a:ext>
             </a:extLst>
           </p:cNvPr>
@@ -12230,7 +15293,7 @@
           <p:cNvPr id="13" name="Google Shape;380;p40">
             <a:extLst>
               <a:ext uri="{FF2B5EF4-FFF2-40B4-BE49-F238E27FC236}">
-                <a16:creationId xmlns:a16="http://schemas.microsoft.com/office/drawing/2014/main" id="{02E127E3-F874-5A47-8AAA-78660A005DDE}"/>
+                <a16:creationId xmlns:a16="http://schemas.microsoft.com/office/drawing/2014/main" id="{D4D4BAE8-8DA4-C768-6E5E-EEF30C2E6A51}"/>
               </a:ext>
             </a:extLst>
           </p:cNvPr>
@@ -12289,7 +15352,7 @@
           <p:cNvPr id="3" name="TextBox 23">
             <a:extLst>
               <a:ext uri="{FF2B5EF4-FFF2-40B4-BE49-F238E27FC236}">
-                <a16:creationId xmlns:a16="http://schemas.microsoft.com/office/drawing/2014/main" id="{E34D12C1-F77C-3C1F-445A-0EB6F9140E9B}"/>
+                <a16:creationId xmlns:a16="http://schemas.microsoft.com/office/drawing/2014/main" id="{81FAC1B9-A2CF-C5BD-CB54-882E4EC7A4E5}"/>
               </a:ext>
             </a:extLst>
           </p:cNvPr>
@@ -12299,7 +15362,7 @@
         <p:spPr>
           <a:xfrm>
             <a:off x="380705" y="1167402"/>
-            <a:ext cx="13012558" cy="307777"/>
+            <a:ext cx="13012558" cy="369332"/>
           </a:xfrm>
           <a:prstGeom prst="rect">
             <a:avLst/>
@@ -12407,13 +15470,13 @@
           </a:lstStyle>
           <a:p>
             <a:r>
-              <a:rPr lang="en-US" sz="1400" b="1" dirty="0">
+              <a:rPr lang="en-US" b="1" dirty="0">
                 <a:ea typeface="黑体"/>
                 <a:cs typeface="+mn-lt"/>
               </a:rPr>
-              <a:t>Optimizations in GPU Implementation</a:t>
-            </a:r>
-            <a:endParaRPr lang="en-US" b="1" dirty="0">
+              <a:t>Performance Modeling</a:t>
+            </a:r>
+            <a:endParaRPr lang="en-US" sz="2400" b="1" dirty="0">
               <a:ea typeface="黑体"/>
               <a:cs typeface="+mn-lt"/>
             </a:endParaRPr>
@@ -12422,10 +15485,10 @@
       </p:sp>
       <p:pic>
         <p:nvPicPr>
-          <p:cNvPr id="12" name="图片 11" descr="图表, 折线图&#10;&#10;描述已自动生成">
+          <p:cNvPr id="4" name="图片 3" descr="文本&#10;&#10;描述已自动生成">
             <a:extLst>
               <a:ext uri="{FF2B5EF4-FFF2-40B4-BE49-F238E27FC236}">
-                <a16:creationId xmlns:a16="http://schemas.microsoft.com/office/drawing/2014/main" id="{D98B93C6-0BF0-671F-763D-67A7B09B53FB}"/>
+                <a16:creationId xmlns:a16="http://schemas.microsoft.com/office/drawing/2014/main" id="{042E3F2A-C392-FCCD-C030-AF261E65160A}"/>
               </a:ext>
             </a:extLst>
           </p:cNvPr>
@@ -12442,206 +15505,20 @@
         </p:blipFill>
         <p:spPr>
           <a:xfrm>
-            <a:off x="505796" y="2750795"/>
-            <a:ext cx="5791200" cy="2768600"/>
+            <a:off x="278366" y="1830817"/>
+            <a:ext cx="5281058" cy="3550479"/>
           </a:xfrm>
           <a:prstGeom prst="rect">
             <a:avLst/>
           </a:prstGeom>
         </p:spPr>
       </p:pic>
-      <p:sp>
-        <p:nvSpPr>
-          <p:cNvPr id="14" name="文本框 13">
+      <p:pic>
+        <p:nvPicPr>
+          <p:cNvPr id="5" name="图片 4" descr="图示, 示意图&#10;&#10;描述已自动生成">
             <a:extLst>
               <a:ext uri="{FF2B5EF4-FFF2-40B4-BE49-F238E27FC236}">
-                <a16:creationId xmlns:a16="http://schemas.microsoft.com/office/drawing/2014/main" id="{8C660A5F-06B3-CBA0-AC96-7E49977FB857}"/>
-              </a:ext>
-            </a:extLst>
-          </p:cNvPr>
-          <p:cNvSpPr txBox="1"/>
-          <p:nvPr/>
-        </p:nvSpPr>
-        <p:spPr>
-          <a:xfrm>
-            <a:off x="364556" y="1697488"/>
-            <a:ext cx="6073680" cy="830997"/>
-          </a:xfrm>
-          <a:prstGeom prst="rect">
-            <a:avLst/>
-          </a:prstGeom>
-          <a:noFill/>
-        </p:spPr>
-        <p:txBody>
-          <a:bodyPr wrap="square">
-            <a:spAutoFit/>
-          </a:bodyPr>
-          <a:lstStyle/>
-          <a:p>
-            <a:pPr marL="285750" indent="-285750">
-              <a:buFont typeface="Arial" panose="020B0604020202020204" pitchFamily="34" charset="0"/>
-              <a:buChar char="•"/>
-            </a:pPr>
-            <a:r>
-              <a:rPr lang="en-US" altLang="zh-CN" sz="1600" dirty="0"/>
-              <a:t>Kernel fusion that reduces memory traffic to global memory</a:t>
-            </a:r>
-          </a:p>
-          <a:p>
-            <a:pPr marL="285750" indent="-285750">
-              <a:buFont typeface="Arial" panose="020B0604020202020204" pitchFamily="34" charset="0"/>
-              <a:buChar char="•"/>
-            </a:pPr>
-            <a:r>
-              <a:rPr lang="en-US" altLang="zh-CN" sz="1600" dirty="0"/>
-              <a:t>Fine-grained range computation (e.g., maxima of each layer) using block reduction and warp-level shuffle.</a:t>
-            </a:r>
-            <a:endParaRPr lang="zh-CN" altLang="en-US" sz="1600" dirty="0"/>
-          </a:p>
-        </p:txBody>
-      </p:sp>
-      <p:sp>
-        <p:nvSpPr>
-          <p:cNvPr id="15" name="TextBox 23">
-            <a:extLst>
-              <a:ext uri="{FF2B5EF4-FFF2-40B4-BE49-F238E27FC236}">
-                <a16:creationId xmlns:a16="http://schemas.microsoft.com/office/drawing/2014/main" id="{7C865008-76FE-80B5-E5F0-59EDF992EE37}"/>
-              </a:ext>
-            </a:extLst>
-          </p:cNvPr>
-          <p:cNvSpPr txBox="1"/>
-          <p:nvPr/>
-        </p:nvSpPr>
-        <p:spPr>
-          <a:xfrm>
-            <a:off x="7147034" y="1237977"/>
-            <a:ext cx="13012558" cy="307777"/>
-          </a:xfrm>
-          <a:prstGeom prst="rect">
-            <a:avLst/>
-          </a:prstGeom>
-          <a:noFill/>
-        </p:spPr>
-        <p:txBody>
-          <a:bodyPr wrap="square" lIns="91440" tIns="45720" rIns="91440" bIns="45720" anchor="t">
-            <a:spAutoFit/>
-          </a:bodyPr>
-          <a:lstStyle>
-            <a:defPPr>
-              <a:defRPr lang="en-US"/>
-            </a:defPPr>
-            <a:lvl1pPr marL="0" algn="l" defTabSz="914400" rtl="0" eaLnBrk="1" latinLnBrk="0" hangingPunct="1">
-              <a:defRPr sz="1800" kern="1200">
-                <a:solidFill>
-                  <a:schemeClr val="tx1"/>
-                </a:solidFill>
-                <a:latin typeface="+mn-lt"/>
-                <a:ea typeface="+mn-ea"/>
-                <a:cs typeface="+mn-cs"/>
-              </a:defRPr>
-            </a:lvl1pPr>
-            <a:lvl2pPr marL="457200" algn="l" defTabSz="914400" rtl="0" eaLnBrk="1" latinLnBrk="0" hangingPunct="1">
-              <a:defRPr sz="1800" kern="1200">
-                <a:solidFill>
-                  <a:schemeClr val="tx1"/>
-                </a:solidFill>
-                <a:latin typeface="+mn-lt"/>
-                <a:ea typeface="+mn-ea"/>
-                <a:cs typeface="+mn-cs"/>
-              </a:defRPr>
-            </a:lvl2pPr>
-            <a:lvl3pPr marL="914400" algn="l" defTabSz="914400" rtl="0" eaLnBrk="1" latinLnBrk="0" hangingPunct="1">
-              <a:defRPr sz="1800" kern="1200">
-                <a:solidFill>
-                  <a:schemeClr val="tx1"/>
-                </a:solidFill>
-                <a:latin typeface="+mn-lt"/>
-                <a:ea typeface="+mn-ea"/>
-                <a:cs typeface="+mn-cs"/>
-              </a:defRPr>
-            </a:lvl3pPr>
-            <a:lvl4pPr marL="1371600" algn="l" defTabSz="914400" rtl="0" eaLnBrk="1" latinLnBrk="0" hangingPunct="1">
-              <a:defRPr sz="1800" kern="1200">
-                <a:solidFill>
-                  <a:schemeClr val="tx1"/>
-                </a:solidFill>
-                <a:latin typeface="+mn-lt"/>
-                <a:ea typeface="+mn-ea"/>
-                <a:cs typeface="+mn-cs"/>
-              </a:defRPr>
-            </a:lvl4pPr>
-            <a:lvl5pPr marL="1828800" algn="l" defTabSz="914400" rtl="0" eaLnBrk="1" latinLnBrk="0" hangingPunct="1">
-              <a:defRPr sz="1800" kern="1200">
-                <a:solidFill>
-                  <a:schemeClr val="tx1"/>
-                </a:solidFill>
-                <a:latin typeface="+mn-lt"/>
-                <a:ea typeface="+mn-ea"/>
-                <a:cs typeface="+mn-cs"/>
-              </a:defRPr>
-            </a:lvl5pPr>
-            <a:lvl6pPr marL="2286000" algn="l" defTabSz="914400" rtl="0" eaLnBrk="1" latinLnBrk="0" hangingPunct="1">
-              <a:defRPr sz="1800" kern="1200">
-                <a:solidFill>
-                  <a:schemeClr val="tx1"/>
-                </a:solidFill>
-                <a:latin typeface="+mn-lt"/>
-                <a:ea typeface="+mn-ea"/>
-                <a:cs typeface="+mn-cs"/>
-              </a:defRPr>
-            </a:lvl6pPr>
-            <a:lvl7pPr marL="2743200" algn="l" defTabSz="914400" rtl="0" eaLnBrk="1" latinLnBrk="0" hangingPunct="1">
-              <a:defRPr sz="1800" kern="1200">
-                <a:solidFill>
-                  <a:schemeClr val="tx1"/>
-                </a:solidFill>
-                <a:latin typeface="+mn-lt"/>
-                <a:ea typeface="+mn-ea"/>
-                <a:cs typeface="+mn-cs"/>
-              </a:defRPr>
-            </a:lvl7pPr>
-            <a:lvl8pPr marL="3200400" algn="l" defTabSz="914400" rtl="0" eaLnBrk="1" latinLnBrk="0" hangingPunct="1">
-              <a:defRPr sz="1800" kern="1200">
-                <a:solidFill>
-                  <a:schemeClr val="tx1"/>
-                </a:solidFill>
-                <a:latin typeface="+mn-lt"/>
-                <a:ea typeface="+mn-ea"/>
-                <a:cs typeface="+mn-cs"/>
-              </a:defRPr>
-            </a:lvl8pPr>
-            <a:lvl9pPr marL="3657600" algn="l" defTabSz="914400" rtl="0" eaLnBrk="1" latinLnBrk="0" hangingPunct="1">
-              <a:defRPr sz="1800" kern="1200">
-                <a:solidFill>
-                  <a:schemeClr val="tx1"/>
-                </a:solidFill>
-                <a:latin typeface="+mn-lt"/>
-                <a:ea typeface="+mn-ea"/>
-                <a:cs typeface="+mn-cs"/>
-              </a:defRPr>
-            </a:lvl9pPr>
-          </a:lstStyle>
-          <a:p>
-            <a:r>
-              <a:rPr lang="en-US" sz="1400" b="1" dirty="0">
-                <a:ea typeface="黑体"/>
-                <a:cs typeface="+mn-lt"/>
-              </a:rPr>
-              <a:t>Encoder Selection by performance model</a:t>
-            </a:r>
-            <a:endParaRPr lang="en-US" b="1" dirty="0">
-              <a:ea typeface="黑体"/>
-              <a:cs typeface="+mn-lt"/>
-            </a:endParaRPr>
-          </a:p>
-        </p:txBody>
-      </p:sp>
-      <p:pic>
-        <p:nvPicPr>
-          <p:cNvPr id="17" name="图片 16" descr="表格&#10;&#10;描述已自动生成">
-            <a:extLst>
-              <a:ext uri="{FF2B5EF4-FFF2-40B4-BE49-F238E27FC236}">
-                <a16:creationId xmlns:a16="http://schemas.microsoft.com/office/drawing/2014/main" id="{AFF07492-D34C-01A0-8CCD-550139A34280}"/>
+                <a16:creationId xmlns:a16="http://schemas.microsoft.com/office/drawing/2014/main" id="{7BE74899-3D5B-AC3E-0804-0A3A58A58E9D}"/>
               </a:ext>
             </a:extLst>
           </p:cNvPr>
@@ -12658,8 +15535,8 @@
         </p:blipFill>
         <p:spPr>
           <a:xfrm>
-            <a:off x="7062952" y="1596768"/>
-            <a:ext cx="4539170" cy="2308053"/>
+            <a:off x="6317736" y="1568059"/>
+            <a:ext cx="4151452" cy="1397831"/>
           </a:xfrm>
           <a:prstGeom prst="rect">
             <a:avLst/>
@@ -12668,10 +15545,10 @@
       </p:pic>
       <p:sp>
         <p:nvSpPr>
-          <p:cNvPr id="21" name="文本框 20">
+          <p:cNvPr id="6" name="TextBox 23">
             <a:extLst>
               <a:ext uri="{FF2B5EF4-FFF2-40B4-BE49-F238E27FC236}">
-                <a16:creationId xmlns:a16="http://schemas.microsoft.com/office/drawing/2014/main" id="{E8C4D6D5-31C6-988F-7FA6-23275BDD2288}"/>
+                <a16:creationId xmlns:a16="http://schemas.microsoft.com/office/drawing/2014/main" id="{CECB874C-E73B-FDEF-90F4-FBFEC89E494E}"/>
               </a:ext>
             </a:extLst>
           </p:cNvPr>
@@ -12680,8 +15557,437 @@
         </p:nvSpPr>
         <p:spPr>
           <a:xfrm>
-            <a:off x="6886984" y="4026410"/>
-            <a:ext cx="6073680" cy="584775"/>
+            <a:off x="6485901" y="1375998"/>
+            <a:ext cx="2852558" cy="307777"/>
+          </a:xfrm>
+          <a:prstGeom prst="rect">
+            <a:avLst/>
+          </a:prstGeom>
+          <a:noFill/>
+        </p:spPr>
+        <p:txBody>
+          <a:bodyPr wrap="square" lIns="91440" tIns="45720" rIns="91440" bIns="45720" anchor="t">
+            <a:spAutoFit/>
+          </a:bodyPr>
+          <a:lstStyle>
+            <a:defPPr>
+              <a:defRPr lang="en-US"/>
+            </a:defPPr>
+            <a:lvl1pPr marL="0" algn="l" defTabSz="914400" rtl="0" eaLnBrk="1" latinLnBrk="0" hangingPunct="1">
+              <a:defRPr sz="1800" kern="1200">
+                <a:solidFill>
+                  <a:schemeClr val="tx1"/>
+                </a:solidFill>
+                <a:latin typeface="+mn-lt"/>
+                <a:ea typeface="+mn-ea"/>
+                <a:cs typeface="+mn-cs"/>
+              </a:defRPr>
+            </a:lvl1pPr>
+            <a:lvl2pPr marL="457200" algn="l" defTabSz="914400" rtl="0" eaLnBrk="1" latinLnBrk="0" hangingPunct="1">
+              <a:defRPr sz="1800" kern="1200">
+                <a:solidFill>
+                  <a:schemeClr val="tx1"/>
+                </a:solidFill>
+                <a:latin typeface="+mn-lt"/>
+                <a:ea typeface="+mn-ea"/>
+                <a:cs typeface="+mn-cs"/>
+              </a:defRPr>
+            </a:lvl2pPr>
+            <a:lvl3pPr marL="914400" algn="l" defTabSz="914400" rtl="0" eaLnBrk="1" latinLnBrk="0" hangingPunct="1">
+              <a:defRPr sz="1800" kern="1200">
+                <a:solidFill>
+                  <a:schemeClr val="tx1"/>
+                </a:solidFill>
+                <a:latin typeface="+mn-lt"/>
+                <a:ea typeface="+mn-ea"/>
+                <a:cs typeface="+mn-cs"/>
+              </a:defRPr>
+            </a:lvl3pPr>
+            <a:lvl4pPr marL="1371600" algn="l" defTabSz="914400" rtl="0" eaLnBrk="1" latinLnBrk="0" hangingPunct="1">
+              <a:defRPr sz="1800" kern="1200">
+                <a:solidFill>
+                  <a:schemeClr val="tx1"/>
+                </a:solidFill>
+                <a:latin typeface="+mn-lt"/>
+                <a:ea typeface="+mn-ea"/>
+                <a:cs typeface="+mn-cs"/>
+              </a:defRPr>
+            </a:lvl4pPr>
+            <a:lvl5pPr marL="1828800" algn="l" defTabSz="914400" rtl="0" eaLnBrk="1" latinLnBrk="0" hangingPunct="1">
+              <a:defRPr sz="1800" kern="1200">
+                <a:solidFill>
+                  <a:schemeClr val="tx1"/>
+                </a:solidFill>
+                <a:latin typeface="+mn-lt"/>
+                <a:ea typeface="+mn-ea"/>
+                <a:cs typeface="+mn-cs"/>
+              </a:defRPr>
+            </a:lvl5pPr>
+            <a:lvl6pPr marL="2286000" algn="l" defTabSz="914400" rtl="0" eaLnBrk="1" latinLnBrk="0" hangingPunct="1">
+              <a:defRPr sz="1800" kern="1200">
+                <a:solidFill>
+                  <a:schemeClr val="tx1"/>
+                </a:solidFill>
+                <a:latin typeface="+mn-lt"/>
+                <a:ea typeface="+mn-ea"/>
+                <a:cs typeface="+mn-cs"/>
+              </a:defRPr>
+            </a:lvl6pPr>
+            <a:lvl7pPr marL="2743200" algn="l" defTabSz="914400" rtl="0" eaLnBrk="1" latinLnBrk="0" hangingPunct="1">
+              <a:defRPr sz="1800" kern="1200">
+                <a:solidFill>
+                  <a:schemeClr val="tx1"/>
+                </a:solidFill>
+                <a:latin typeface="+mn-lt"/>
+                <a:ea typeface="+mn-ea"/>
+                <a:cs typeface="+mn-cs"/>
+              </a:defRPr>
+            </a:lvl7pPr>
+            <a:lvl8pPr marL="3200400" algn="l" defTabSz="914400" rtl="0" eaLnBrk="1" latinLnBrk="0" hangingPunct="1">
+              <a:defRPr sz="1800" kern="1200">
+                <a:solidFill>
+                  <a:schemeClr val="tx1"/>
+                </a:solidFill>
+                <a:latin typeface="+mn-lt"/>
+                <a:ea typeface="+mn-ea"/>
+                <a:cs typeface="+mn-cs"/>
+              </a:defRPr>
+            </a:lvl8pPr>
+            <a:lvl9pPr marL="3657600" algn="l" defTabSz="914400" rtl="0" eaLnBrk="1" latinLnBrk="0" hangingPunct="1">
+              <a:defRPr sz="1800" kern="1200">
+                <a:solidFill>
+                  <a:schemeClr val="tx1"/>
+                </a:solidFill>
+                <a:latin typeface="+mn-lt"/>
+                <a:ea typeface="+mn-ea"/>
+                <a:cs typeface="+mn-cs"/>
+              </a:defRPr>
+            </a:lvl9pPr>
+          </a:lstStyle>
+          <a:p>
+            <a:r>
+              <a:rPr lang="en-US" sz="1400" b="1" dirty="0">
+                <a:ea typeface="黑体"/>
+                <a:cs typeface="Arial"/>
+              </a:rPr>
+              <a:t>Communication Speedup</a:t>
+            </a:r>
+            <a:endParaRPr lang="en-US" dirty="0"/>
+          </a:p>
+        </p:txBody>
+      </p:sp>
+      <p:sp>
+        <p:nvSpPr>
+          <p:cNvPr id="7" name="TextBox 23">
+            <a:extLst>
+              <a:ext uri="{FF2B5EF4-FFF2-40B4-BE49-F238E27FC236}">
+                <a16:creationId xmlns:a16="http://schemas.microsoft.com/office/drawing/2014/main" id="{5745E787-3EAB-1990-F8A5-7DADFAAEF865}"/>
+              </a:ext>
+            </a:extLst>
+          </p:cNvPr>
+          <p:cNvSpPr txBox="1"/>
+          <p:nvPr/>
+        </p:nvSpPr>
+        <p:spPr>
+          <a:xfrm>
+            <a:off x="380705" y="1538545"/>
+            <a:ext cx="2852558" cy="307777"/>
+          </a:xfrm>
+          <a:prstGeom prst="rect">
+            <a:avLst/>
+          </a:prstGeom>
+          <a:noFill/>
+        </p:spPr>
+        <p:txBody>
+          <a:bodyPr wrap="square" lIns="91440" tIns="45720" rIns="91440" bIns="45720" anchor="t">
+            <a:spAutoFit/>
+          </a:bodyPr>
+          <a:lstStyle>
+            <a:defPPr>
+              <a:defRPr lang="en-US"/>
+            </a:defPPr>
+            <a:lvl1pPr marL="0" algn="l" defTabSz="914400" rtl="0" eaLnBrk="1" latinLnBrk="0" hangingPunct="1">
+              <a:defRPr sz="1800" kern="1200">
+                <a:solidFill>
+                  <a:schemeClr val="tx1"/>
+                </a:solidFill>
+                <a:latin typeface="+mn-lt"/>
+                <a:ea typeface="+mn-ea"/>
+                <a:cs typeface="+mn-cs"/>
+              </a:defRPr>
+            </a:lvl1pPr>
+            <a:lvl2pPr marL="457200" algn="l" defTabSz="914400" rtl="0" eaLnBrk="1" latinLnBrk="0" hangingPunct="1">
+              <a:defRPr sz="1800" kern="1200">
+                <a:solidFill>
+                  <a:schemeClr val="tx1"/>
+                </a:solidFill>
+                <a:latin typeface="+mn-lt"/>
+                <a:ea typeface="+mn-ea"/>
+                <a:cs typeface="+mn-cs"/>
+              </a:defRPr>
+            </a:lvl2pPr>
+            <a:lvl3pPr marL="914400" algn="l" defTabSz="914400" rtl="0" eaLnBrk="1" latinLnBrk="0" hangingPunct="1">
+              <a:defRPr sz="1800" kern="1200">
+                <a:solidFill>
+                  <a:schemeClr val="tx1"/>
+                </a:solidFill>
+                <a:latin typeface="+mn-lt"/>
+                <a:ea typeface="+mn-ea"/>
+                <a:cs typeface="+mn-cs"/>
+              </a:defRPr>
+            </a:lvl3pPr>
+            <a:lvl4pPr marL="1371600" algn="l" defTabSz="914400" rtl="0" eaLnBrk="1" latinLnBrk="0" hangingPunct="1">
+              <a:defRPr sz="1800" kern="1200">
+                <a:solidFill>
+                  <a:schemeClr val="tx1"/>
+                </a:solidFill>
+                <a:latin typeface="+mn-lt"/>
+                <a:ea typeface="+mn-ea"/>
+                <a:cs typeface="+mn-cs"/>
+              </a:defRPr>
+            </a:lvl4pPr>
+            <a:lvl5pPr marL="1828800" algn="l" defTabSz="914400" rtl="0" eaLnBrk="1" latinLnBrk="0" hangingPunct="1">
+              <a:defRPr sz="1800" kern="1200">
+                <a:solidFill>
+                  <a:schemeClr val="tx1"/>
+                </a:solidFill>
+                <a:latin typeface="+mn-lt"/>
+                <a:ea typeface="+mn-ea"/>
+                <a:cs typeface="+mn-cs"/>
+              </a:defRPr>
+            </a:lvl5pPr>
+            <a:lvl6pPr marL="2286000" algn="l" defTabSz="914400" rtl="0" eaLnBrk="1" latinLnBrk="0" hangingPunct="1">
+              <a:defRPr sz="1800" kern="1200">
+                <a:solidFill>
+                  <a:schemeClr val="tx1"/>
+                </a:solidFill>
+                <a:latin typeface="+mn-lt"/>
+                <a:ea typeface="+mn-ea"/>
+                <a:cs typeface="+mn-cs"/>
+              </a:defRPr>
+            </a:lvl6pPr>
+            <a:lvl7pPr marL="2743200" algn="l" defTabSz="914400" rtl="0" eaLnBrk="1" latinLnBrk="0" hangingPunct="1">
+              <a:defRPr sz="1800" kern="1200">
+                <a:solidFill>
+                  <a:schemeClr val="tx1"/>
+                </a:solidFill>
+                <a:latin typeface="+mn-lt"/>
+                <a:ea typeface="+mn-ea"/>
+                <a:cs typeface="+mn-cs"/>
+              </a:defRPr>
+            </a:lvl7pPr>
+            <a:lvl8pPr marL="3200400" algn="l" defTabSz="914400" rtl="0" eaLnBrk="1" latinLnBrk="0" hangingPunct="1">
+              <a:defRPr sz="1800" kern="1200">
+                <a:solidFill>
+                  <a:schemeClr val="tx1"/>
+                </a:solidFill>
+                <a:latin typeface="+mn-lt"/>
+                <a:ea typeface="+mn-ea"/>
+                <a:cs typeface="+mn-cs"/>
+              </a:defRPr>
+            </a:lvl8pPr>
+            <a:lvl9pPr marL="3657600" algn="l" defTabSz="914400" rtl="0" eaLnBrk="1" latinLnBrk="0" hangingPunct="1">
+              <a:defRPr sz="1800" kern="1200">
+                <a:solidFill>
+                  <a:schemeClr val="tx1"/>
+                </a:solidFill>
+                <a:latin typeface="+mn-lt"/>
+                <a:ea typeface="+mn-ea"/>
+                <a:cs typeface="+mn-cs"/>
+              </a:defRPr>
+            </a:lvl9pPr>
+          </a:lstStyle>
+          <a:p>
+            <a:r>
+              <a:rPr lang="en-US" sz="1400" b="1" dirty="0">
+                <a:ea typeface="黑体"/>
+                <a:cs typeface="Arial"/>
+              </a:rPr>
+              <a:t>Variables</a:t>
+            </a:r>
+            <a:endParaRPr lang="en-US" dirty="0"/>
+          </a:p>
+        </p:txBody>
+      </p:sp>
+      <p:sp>
+        <p:nvSpPr>
+          <p:cNvPr id="9" name="TextBox 23">
+            <a:extLst>
+              <a:ext uri="{FF2B5EF4-FFF2-40B4-BE49-F238E27FC236}">
+                <a16:creationId xmlns:a16="http://schemas.microsoft.com/office/drawing/2014/main" id="{0C111502-617F-51B6-C466-E36C3D5F205B}"/>
+              </a:ext>
+            </a:extLst>
+          </p:cNvPr>
+          <p:cNvSpPr txBox="1"/>
+          <p:nvPr/>
+        </p:nvSpPr>
+        <p:spPr>
+          <a:xfrm>
+            <a:off x="6485901" y="3429000"/>
+            <a:ext cx="2852558" cy="307777"/>
+          </a:xfrm>
+          <a:prstGeom prst="rect">
+            <a:avLst/>
+          </a:prstGeom>
+          <a:noFill/>
+        </p:spPr>
+        <p:txBody>
+          <a:bodyPr wrap="square" lIns="91440" tIns="45720" rIns="91440" bIns="45720" anchor="t">
+            <a:spAutoFit/>
+          </a:bodyPr>
+          <a:lstStyle>
+            <a:defPPr>
+              <a:defRPr lang="en-US"/>
+            </a:defPPr>
+            <a:lvl1pPr marL="0" algn="l" defTabSz="914400" rtl="0" eaLnBrk="1" latinLnBrk="0" hangingPunct="1">
+              <a:defRPr sz="1800" kern="1200">
+                <a:solidFill>
+                  <a:schemeClr val="tx1"/>
+                </a:solidFill>
+                <a:latin typeface="+mn-lt"/>
+                <a:ea typeface="+mn-ea"/>
+                <a:cs typeface="+mn-cs"/>
+              </a:defRPr>
+            </a:lvl1pPr>
+            <a:lvl2pPr marL="457200" algn="l" defTabSz="914400" rtl="0" eaLnBrk="1" latinLnBrk="0" hangingPunct="1">
+              <a:defRPr sz="1800" kern="1200">
+                <a:solidFill>
+                  <a:schemeClr val="tx1"/>
+                </a:solidFill>
+                <a:latin typeface="+mn-lt"/>
+                <a:ea typeface="+mn-ea"/>
+                <a:cs typeface="+mn-cs"/>
+              </a:defRPr>
+            </a:lvl2pPr>
+            <a:lvl3pPr marL="914400" algn="l" defTabSz="914400" rtl="0" eaLnBrk="1" latinLnBrk="0" hangingPunct="1">
+              <a:defRPr sz="1800" kern="1200">
+                <a:solidFill>
+                  <a:schemeClr val="tx1"/>
+                </a:solidFill>
+                <a:latin typeface="+mn-lt"/>
+                <a:ea typeface="+mn-ea"/>
+                <a:cs typeface="+mn-cs"/>
+              </a:defRPr>
+            </a:lvl3pPr>
+            <a:lvl4pPr marL="1371600" algn="l" defTabSz="914400" rtl="0" eaLnBrk="1" latinLnBrk="0" hangingPunct="1">
+              <a:defRPr sz="1800" kern="1200">
+                <a:solidFill>
+                  <a:schemeClr val="tx1"/>
+                </a:solidFill>
+                <a:latin typeface="+mn-lt"/>
+                <a:ea typeface="+mn-ea"/>
+                <a:cs typeface="+mn-cs"/>
+              </a:defRPr>
+            </a:lvl4pPr>
+            <a:lvl5pPr marL="1828800" algn="l" defTabSz="914400" rtl="0" eaLnBrk="1" latinLnBrk="0" hangingPunct="1">
+              <a:defRPr sz="1800" kern="1200">
+                <a:solidFill>
+                  <a:schemeClr val="tx1"/>
+                </a:solidFill>
+                <a:latin typeface="+mn-lt"/>
+                <a:ea typeface="+mn-ea"/>
+                <a:cs typeface="+mn-cs"/>
+              </a:defRPr>
+            </a:lvl5pPr>
+            <a:lvl6pPr marL="2286000" algn="l" defTabSz="914400" rtl="0" eaLnBrk="1" latinLnBrk="0" hangingPunct="1">
+              <a:defRPr sz="1800" kern="1200">
+                <a:solidFill>
+                  <a:schemeClr val="tx1"/>
+                </a:solidFill>
+                <a:latin typeface="+mn-lt"/>
+                <a:ea typeface="+mn-ea"/>
+                <a:cs typeface="+mn-cs"/>
+              </a:defRPr>
+            </a:lvl6pPr>
+            <a:lvl7pPr marL="2743200" algn="l" defTabSz="914400" rtl="0" eaLnBrk="1" latinLnBrk="0" hangingPunct="1">
+              <a:defRPr sz="1800" kern="1200">
+                <a:solidFill>
+                  <a:schemeClr val="tx1"/>
+                </a:solidFill>
+                <a:latin typeface="+mn-lt"/>
+                <a:ea typeface="+mn-ea"/>
+                <a:cs typeface="+mn-cs"/>
+              </a:defRPr>
+            </a:lvl7pPr>
+            <a:lvl8pPr marL="3200400" algn="l" defTabSz="914400" rtl="0" eaLnBrk="1" latinLnBrk="0" hangingPunct="1">
+              <a:defRPr sz="1800" kern="1200">
+                <a:solidFill>
+                  <a:schemeClr val="tx1"/>
+                </a:solidFill>
+                <a:latin typeface="+mn-lt"/>
+                <a:ea typeface="+mn-ea"/>
+                <a:cs typeface="+mn-cs"/>
+              </a:defRPr>
+            </a:lvl8pPr>
+            <a:lvl9pPr marL="3657600" algn="l" defTabSz="914400" rtl="0" eaLnBrk="1" latinLnBrk="0" hangingPunct="1">
+              <a:defRPr sz="1800" kern="1200">
+                <a:solidFill>
+                  <a:schemeClr val="tx1"/>
+                </a:solidFill>
+                <a:latin typeface="+mn-lt"/>
+                <a:ea typeface="+mn-ea"/>
+                <a:cs typeface="+mn-cs"/>
+              </a:defRPr>
+            </a:lvl9pPr>
+          </a:lstStyle>
+          <a:p>
+            <a:r>
+              <a:rPr lang="en-US" sz="1400" b="1" dirty="0">
+                <a:ea typeface="黑体"/>
+                <a:cs typeface="Arial"/>
+              </a:rPr>
+              <a:t>End-to-end Speedup</a:t>
+            </a:r>
+            <a:endParaRPr lang="en-US" dirty="0"/>
+          </a:p>
+        </p:txBody>
+      </p:sp>
+      <p:pic>
+        <p:nvPicPr>
+          <p:cNvPr id="11" name="图片 10" descr="钟表的特写&#10;&#10;中度可信度描述已自动生成">
+            <a:extLst>
+              <a:ext uri="{FF2B5EF4-FFF2-40B4-BE49-F238E27FC236}">
+                <a16:creationId xmlns:a16="http://schemas.microsoft.com/office/drawing/2014/main" id="{808CDEB2-5B71-FAD5-91FF-AE42A8637BB2}"/>
+              </a:ext>
+            </a:extLst>
+          </p:cNvPr>
+          <p:cNvPicPr>
+            <a:picLocks noChangeAspect="1"/>
+          </p:cNvPicPr>
+          <p:nvPr/>
+        </p:nvPicPr>
+        <p:blipFill>
+          <a:blip r:embed="rId5"/>
+          <a:stretch>
+            <a:fillRect/>
+          </a:stretch>
+        </p:blipFill>
+        <p:spPr>
+          <a:xfrm>
+            <a:off x="6485901" y="3749216"/>
+            <a:ext cx="2117312" cy="529328"/>
+          </a:xfrm>
+          <a:prstGeom prst="rect">
+            <a:avLst/>
+          </a:prstGeom>
+        </p:spPr>
+      </p:pic>
+      <p:sp>
+        <p:nvSpPr>
+          <p:cNvPr id="14" name="文本框 13">
+            <a:extLst>
+              <a:ext uri="{FF2B5EF4-FFF2-40B4-BE49-F238E27FC236}">
+                <a16:creationId xmlns:a16="http://schemas.microsoft.com/office/drawing/2014/main" id="{56EFC2C0-CA61-20B4-46D5-44AAF649119A}"/>
+              </a:ext>
+            </a:extLst>
+          </p:cNvPr>
+          <p:cNvSpPr txBox="1"/>
+          <p:nvPr/>
+        </p:nvSpPr>
+        <p:spPr>
+          <a:xfrm>
+            <a:off x="6485901" y="4558672"/>
+            <a:ext cx="4803643" cy="923330"/>
           </a:xfrm>
           <a:prstGeom prst="rect">
             <a:avLst/>
@@ -12694,22 +16000,22 @@
           </a:bodyPr>
           <a:lstStyle/>
           <a:p>
-            <a:pPr marL="285750" indent="-285750">
-              <a:buFont typeface="Arial" panose="020B0604020202020204" pitchFamily="34" charset="0"/>
-              <a:buChar char="•"/>
-            </a:pPr>
-            <a:r>
-              <a:rPr lang="en-US" altLang="zh-CN" sz="1600" dirty="0"/>
-              <a:t>ANS is the best in this case, that has near-highest compression ratio and throughput.</a:t>
-            </a:r>
-            <a:endParaRPr lang="zh-CN" altLang="en-US" sz="1600" dirty="0"/>
+            <a:r>
+              <a:rPr kumimoji="1" lang="en-US" altLang="zh-CN" dirty="0"/>
+              <a:t>m</a:t>
+            </a:r>
+            <a:r>
+              <a:rPr kumimoji="1" lang="en-US" altLang="zh-CN" sz="1800" dirty="0"/>
+              <a:t> is the layer aggregation factor, our performance model finds the m such that the end-to-end performance speedup is high</a:t>
+            </a:r>
+            <a:endParaRPr lang="zh-CN" altLang="en-US" dirty="0"/>
           </a:p>
         </p:txBody>
       </p:sp>
     </p:spTree>
     <p:extLst>
       <p:ext uri="{BB962C8B-B14F-4D97-AF65-F5344CB8AC3E}">
-        <p14:creationId xmlns:p14="http://schemas.microsoft.com/office/powerpoint/2010/main" val="3958928432"/>
+        <p14:creationId xmlns:p14="http://schemas.microsoft.com/office/powerpoint/2010/main" val="1348856044"/>
       </p:ext>
     </p:extLst>
   </p:cSld>
